--- a/project_yelp_recommendation/15_Apr10_HuyNguyen_TungNguyen_Yelp_Restaurant_Recommendation.pptx
+++ b/project_yelp_recommendation/15_Apr10_HuyNguyen_TungNguyen_Yelp_Restaurant_Recommendation.pptx
@@ -5,10 +5,10 @@
     <p:sldMasterId id="2147483733" r:id="rId1"/>
   </p:sldMasterIdLst>
   <p:notesMasterIdLst>
-    <p:notesMasterId r:id="rId10"/>
+    <p:notesMasterId r:id="rId11"/>
   </p:notesMasterIdLst>
   <p:handoutMasterIdLst>
-    <p:handoutMasterId r:id="rId11"/>
+    <p:handoutMasterId r:id="rId12"/>
   </p:handoutMasterIdLst>
   <p:sldIdLst>
     <p:sldId id="341" r:id="rId2"/>
@@ -17,8 +17,9 @@
     <p:sldId id="465" r:id="rId5"/>
     <p:sldId id="452" r:id="rId6"/>
     <p:sldId id="478" r:id="rId7"/>
-    <p:sldId id="477" r:id="rId8"/>
-    <p:sldId id="479" r:id="rId9"/>
+    <p:sldId id="480" r:id="rId8"/>
+    <p:sldId id="477" r:id="rId9"/>
+    <p:sldId id="479" r:id="rId10"/>
   </p:sldIdLst>
   <p:sldSz cx="12195175" cy="6858000"/>
   <p:notesSz cx="6858000" cy="9144000"/>
@@ -942,7 +943,7 @@
     </p:spTree>
     <p:extLst>
       <p:ext uri="{BB962C8B-B14F-4D97-AF65-F5344CB8AC3E}">
-        <p14:creationId xmlns:p14="http://schemas.microsoft.com/office/powerpoint/2010/main" val="1141127579"/>
+        <p14:creationId xmlns:p14="http://schemas.microsoft.com/office/powerpoint/2010/main" val="2892743716"/>
       </p:ext>
     </p:extLst>
   </p:cSld>
@@ -1019,6 +1020,91 @@
               <a:rPr lang="de-DE" smtClean="0"/>
               <a:pPr/>
               <a:t>8</a:t>
+            </a:fld>
+            <a:endParaRPr lang="de-DE" dirty="0"/>
+          </a:p>
+        </p:txBody>
+      </p:sp>
+    </p:spTree>
+    <p:extLst>
+      <p:ext uri="{BB962C8B-B14F-4D97-AF65-F5344CB8AC3E}">
+        <p14:creationId xmlns:p14="http://schemas.microsoft.com/office/powerpoint/2010/main" val="1141127579"/>
+      </p:ext>
+    </p:extLst>
+  </p:cSld>
+  <p:clrMapOvr>
+    <a:masterClrMapping/>
+  </p:clrMapOvr>
+</p:notes>
+</file>
+
+<file path=ppt/notesSlides/notesSlide7.xml><?xml version="1.0" encoding="utf-8"?>
+<p:notes xmlns:a="http://schemas.openxmlformats.org/drawingml/2006/main" xmlns:r="http://schemas.openxmlformats.org/officeDocument/2006/relationships" xmlns:p="http://schemas.openxmlformats.org/presentationml/2006/main">
+  <p:cSld>
+    <p:spTree>
+      <p:nvGrpSpPr>
+        <p:cNvPr id="1" name=""/>
+        <p:cNvGrpSpPr/>
+        <p:nvPr/>
+      </p:nvGrpSpPr>
+      <p:grpSpPr>
+        <a:xfrm>
+          <a:off x="0" y="0"/>
+          <a:ext cx="0" cy="0"/>
+          <a:chOff x="0" y="0"/>
+          <a:chExt cx="0" cy="0"/>
+        </a:xfrm>
+      </p:grpSpPr>
+      <p:sp>
+        <p:nvSpPr>
+          <p:cNvPr id="2" name="Slide Image Placeholder 1"/>
+          <p:cNvSpPr>
+            <a:spLocks noGrp="1" noRot="1" noChangeAspect="1"/>
+          </p:cNvSpPr>
+          <p:nvPr>
+            <p:ph type="sldImg"/>
+          </p:nvPr>
+        </p:nvSpPr>
+        <p:spPr/>
+      </p:sp>
+      <p:sp>
+        <p:nvSpPr>
+          <p:cNvPr id="3" name="Notes Placeholder 2"/>
+          <p:cNvSpPr>
+            <a:spLocks noGrp="1"/>
+          </p:cNvSpPr>
+          <p:nvPr>
+            <p:ph type="body" idx="1"/>
+          </p:nvPr>
+        </p:nvSpPr>
+        <p:spPr/>
+        <p:txBody>
+          <a:bodyPr/>
+          <a:lstStyle/>
+          <a:p>
+            <a:endParaRPr lang="en-US" dirty="0"/>
+          </a:p>
+        </p:txBody>
+      </p:sp>
+      <p:sp>
+        <p:nvSpPr>
+          <p:cNvPr id="4" name="Slide Number Placeholder 3"/>
+          <p:cNvSpPr>
+            <a:spLocks noGrp="1"/>
+          </p:cNvSpPr>
+          <p:nvPr>
+            <p:ph type="sldNum" sz="quarter" idx="5"/>
+          </p:nvPr>
+        </p:nvSpPr>
+        <p:spPr/>
+        <p:txBody>
+          <a:bodyPr/>
+          <a:lstStyle/>
+          <a:p>
+            <a:fld id="{7D8C2C35-2B8A-446E-BEC0-FD36716C29AC}" type="slidenum">
+              <a:rPr lang="de-DE" smtClean="0"/>
+              <a:pPr/>
+              <a:t>9</a:t>
             </a:fld>
             <a:endParaRPr lang="de-DE" dirty="0"/>
           </a:p>
@@ -9338,7 +9424,7 @@
           </a:ln>
           <a:extLst>
             <a:ext uri="{C572A759-6A51-4108-AA02-DFA0A04FC94B}">
-              <ma14:wrappingTextBoxFlag xmlns:ma14="http://schemas.microsoft.com/office/mac/drawingml/2011/main" xmlns="" val="1"/>
+              <ma14:wrappingTextBoxFlag xmlns="" xmlns:ma14="http://schemas.microsoft.com/office/mac/drawingml/2011/main" val="1"/>
             </a:ext>
           </a:extLst>
         </p:spPr>
@@ -9842,7 +9928,7 @@
           </a:ln>
           <a:extLst>
             <a:ext uri="{C572A759-6A51-4108-AA02-DFA0A04FC94B}">
-              <ma14:wrappingTextBoxFlag xmlns:ma14="http://schemas.microsoft.com/office/mac/drawingml/2011/main" xmlns="" val="1"/>
+              <ma14:wrappingTextBoxFlag xmlns="" xmlns:ma14="http://schemas.microsoft.com/office/mac/drawingml/2011/main" val="1"/>
             </a:ext>
           </a:extLst>
         </p:spPr>
@@ -11090,7 +11176,7 @@
           </a:ln>
           <a:extLst>
             <a:ext uri="{C572A759-6A51-4108-AA02-DFA0A04FC94B}">
-              <ma14:wrappingTextBoxFlag xmlns:ma14="http://schemas.microsoft.com/office/mac/drawingml/2011/main" xmlns="" val="1"/>
+              <ma14:wrappingTextBoxFlag xmlns="" xmlns:ma14="http://schemas.microsoft.com/office/mac/drawingml/2011/main" val="1"/>
             </a:ext>
           </a:extLst>
         </p:spPr>
@@ -11707,7 +11793,7 @@
           </a:ln>
           <a:extLst>
             <a:ext uri="{C572A759-6A51-4108-AA02-DFA0A04FC94B}">
-              <ma14:wrappingTextBoxFlag xmlns:ma14="http://schemas.microsoft.com/office/mac/drawingml/2011/main" xmlns="" val="1"/>
+              <ma14:wrappingTextBoxFlag xmlns="" xmlns:ma14="http://schemas.microsoft.com/office/mac/drawingml/2011/main" val="1"/>
             </a:ext>
           </a:extLst>
         </p:spPr>
@@ -11778,8 +11864,8 @@
           </a:fontRef>
         </p:style>
       </p:cxnSp>
-      <mc:AlternateContent xmlns:mc="http://schemas.openxmlformats.org/markup-compatibility/2006">
-        <mc:Choice xmlns:a14="http://schemas.microsoft.com/office/drawing/2010/main" Requires="a14">
+      <mc:AlternateContent xmlns:mc="http://schemas.openxmlformats.org/markup-compatibility/2006" xmlns:a14="http://schemas.microsoft.com/office/drawing/2010/main">
+        <mc:Choice Requires="a14">
           <p:sp>
             <p:nvSpPr>
               <p:cNvPr id="25" name="Rectangle 24">
@@ -12499,7 +12585,7 @@
             </p:txBody>
           </p:sp>
         </mc:Choice>
-        <mc:Fallback>
+        <mc:Fallback xmlns="">
           <p:sp>
             <p:nvSpPr>
               <p:cNvPr id="25" name="Rectangle 24">
@@ -16907,6 +16993,1762 @@
           <a:p>
             <a:r>
               <a:rPr lang="en-US" dirty="0"/>
+              <a:t>Algorithms &amp; App Results</a:t>
+            </a:r>
+          </a:p>
+        </p:txBody>
+      </p:sp>
+      <p:sp>
+        <p:nvSpPr>
+          <p:cNvPr id="4" name="Text Placeholder 3">
+            <a:extLst>
+              <a:ext uri="{FF2B5EF4-FFF2-40B4-BE49-F238E27FC236}">
+                <a16:creationId xmlns:a16="http://schemas.microsoft.com/office/drawing/2014/main" id="{7786F7B0-D16B-BE40-89AB-05988BD33EA4}"/>
+              </a:ext>
+            </a:extLst>
+          </p:cNvPr>
+          <p:cNvSpPr>
+            <a:spLocks noGrp="1"/>
+          </p:cNvSpPr>
+          <p:nvPr>
+            <p:ph type="body" sz="quarter" idx="13"/>
+          </p:nvPr>
+        </p:nvSpPr>
+        <p:spPr>
+          <a:xfrm>
+            <a:off x="503999" y="918838"/>
+            <a:ext cx="9163050" cy="369333"/>
+          </a:xfrm>
+        </p:spPr>
+        <p:txBody>
+          <a:bodyPr/>
+          <a:lstStyle/>
+          <a:p>
+            <a:r>
+              <a:rPr lang="en-US" dirty="0"/>
+              <a:t>The Erroneous Results &amp; Solutions </a:t>
+            </a:r>
+          </a:p>
+        </p:txBody>
+      </p:sp>
+      <p:graphicFrame>
+        <p:nvGraphicFramePr>
+          <p:cNvPr id="2" name="Table 1">
+            <a:extLst>
+              <a:ext uri="{FF2B5EF4-FFF2-40B4-BE49-F238E27FC236}">
+                <a16:creationId xmlns:a16="http://schemas.microsoft.com/office/drawing/2014/main" id="{C61928AA-7EE8-4F8D-AA4E-717573056F20}"/>
+              </a:ext>
+            </a:extLst>
+          </p:cNvPr>
+          <p:cNvGraphicFramePr>
+            <a:graphicFrameLocks noGrp="1"/>
+          </p:cNvGraphicFramePr>
+          <p:nvPr>
+            <p:extLst/>
+          </p:nvPr>
+        </p:nvGraphicFramePr>
+        <p:xfrm>
+          <a:off x="503999" y="1496985"/>
+          <a:ext cx="9159463" cy="4917108"/>
+        </p:xfrm>
+        <a:graphic>
+          <a:graphicData uri="http://schemas.openxmlformats.org/drawingml/2006/table">
+            <a:tbl>
+              <a:tblPr>
+                <a:tableStyleId>{2D5ABB26-0587-4C30-8999-92F81FD0307C}</a:tableStyleId>
+              </a:tblPr>
+              <a:tblGrid>
+                <a:gridCol w="537150">
+                  <a:extLst>
+                    <a:ext uri="{9D8B030D-6E8A-4147-A177-3AD203B41FA5}">
+                      <a16:colId xmlns:a16="http://schemas.microsoft.com/office/drawing/2014/main" val="2182237645"/>
+                    </a:ext>
+                  </a:extLst>
+                </a:gridCol>
+                <a:gridCol w="4405032">
+                  <a:extLst>
+                    <a:ext uri="{9D8B030D-6E8A-4147-A177-3AD203B41FA5}">
+                      <a16:colId xmlns:a16="http://schemas.microsoft.com/office/drawing/2014/main" val="1283340500"/>
+                    </a:ext>
+                  </a:extLst>
+                </a:gridCol>
+                <a:gridCol w="4217281">
+                  <a:extLst>
+                    <a:ext uri="{9D8B030D-6E8A-4147-A177-3AD203B41FA5}">
+                      <a16:colId xmlns:a16="http://schemas.microsoft.com/office/drawing/2014/main" val="2874386777"/>
+                    </a:ext>
+                  </a:extLst>
+                </a:gridCol>
+              </a:tblGrid>
+              <a:tr h="0">
+                <a:tc>
+                  <a:txBody>
+                    <a:bodyPr/>
+                    <a:lstStyle/>
+                    <a:p>
+                      <a:r>
+                        <a:rPr lang="en-US" sz="1200" b="1" u="none" strike="noStrike" kern="1200" dirty="0">
+                          <a:solidFill>
+                            <a:schemeClr val="tx1"/>
+                          </a:solidFill>
+                          <a:effectLst/>
+                          <a:latin typeface="+mn-lt"/>
+                          <a:ea typeface="+mn-ea"/>
+                          <a:cs typeface="+mn-cs"/>
+                        </a:rPr>
+                        <a:t>SN</a:t>
+                      </a:r>
+                    </a:p>
+                  </a:txBody>
+                  <a:tcPr marL="156003" marR="156003" marT="78002" marB="78002">
+                    <a:solidFill>
+                      <a:srgbClr val="FFC000"/>
+                    </a:solidFill>
+                  </a:tcPr>
+                </a:tc>
+                <a:tc>
+                  <a:txBody>
+                    <a:bodyPr/>
+                    <a:lstStyle/>
+                    <a:p>
+                      <a:pPr algn="l" rtl="0" fontAlgn="ctr"/>
+                      <a:r>
+                        <a:rPr lang="en-CA" sz="1200" b="1" u="none" strike="noStrike" kern="1200" dirty="0">
+                          <a:solidFill>
+                            <a:schemeClr val="tx1"/>
+                          </a:solidFill>
+                          <a:effectLst/>
+                          <a:latin typeface="+mn-lt"/>
+                          <a:ea typeface="+mn-ea"/>
+                          <a:cs typeface="+mn-cs"/>
+                        </a:rPr>
+                        <a:t>Algorithms</a:t>
+                      </a:r>
+                    </a:p>
+                  </a:txBody>
+                  <a:tcPr marL="5828" marR="5828" marT="5828" marB="0" anchor="ctr">
+                    <a:solidFill>
+                      <a:srgbClr val="FFC000"/>
+                    </a:solidFill>
+                  </a:tcPr>
+                </a:tc>
+                <a:tc>
+                  <a:txBody>
+                    <a:bodyPr/>
+                    <a:lstStyle/>
+                    <a:p>
+                      <a:pPr algn="l" rtl="0" fontAlgn="ctr"/>
+                      <a:r>
+                        <a:rPr lang="en-CA" sz="1200" b="1" u="none" strike="noStrike" kern="1200" dirty="0">
+                          <a:solidFill>
+                            <a:schemeClr val="tx1"/>
+                          </a:solidFill>
+                          <a:effectLst/>
+                          <a:latin typeface="+mn-lt"/>
+                          <a:ea typeface="+mn-ea"/>
+                          <a:cs typeface="+mn-cs"/>
+                        </a:rPr>
+                        <a:t>Result</a:t>
+                      </a:r>
+                    </a:p>
+                  </a:txBody>
+                  <a:tcPr marL="5828" marR="5828" marT="5828" marB="0" anchor="ctr">
+                    <a:solidFill>
+                      <a:srgbClr val="FFC000"/>
+                    </a:solidFill>
+                  </a:tcPr>
+                </a:tc>
+                <a:extLst>
+                  <a:ext uri="{0D108BD9-81ED-4DB2-BD59-A6C34878D82A}">
+                    <a16:rowId xmlns:a16="http://schemas.microsoft.com/office/drawing/2014/main" val="2754745575"/>
+                  </a:ext>
+                </a:extLst>
+              </a:tr>
+              <a:tr h="989638">
+                <a:tc>
+                  <a:txBody>
+                    <a:bodyPr/>
+                    <a:lstStyle/>
+                    <a:p>
+                      <a:pPr algn="ctr" rtl="0" fontAlgn="ctr"/>
+                      <a:r>
+                        <a:rPr lang="en-CA" sz="1200" b="1" u="none" strike="noStrike" dirty="0">
+                          <a:effectLst/>
+                        </a:rPr>
+                        <a:t>Step 1</a:t>
+                      </a:r>
+                      <a:endParaRPr lang="en-CA" sz="1200" b="1" i="0" u="none" strike="noStrike" dirty="0">
+                        <a:solidFill>
+                          <a:srgbClr val="000000"/>
+                        </a:solidFill>
+                        <a:effectLst/>
+                        <a:latin typeface="Arial" panose="020B0604020202020204" pitchFamily="34" charset="0"/>
+                      </a:endParaRPr>
+                    </a:p>
+                  </a:txBody>
+                  <a:tcPr marL="5828" marR="5828" marT="5828" marB="0"/>
+                </a:tc>
+                <a:tc>
+                  <a:txBody>
+                    <a:bodyPr/>
+                    <a:lstStyle/>
+                    <a:p>
+                      <a:pPr marL="171450" indent="-171450" algn="l" rtl="0" fontAlgn="ctr">
+                        <a:buFont typeface="Arial" panose="020B0604020202020204" pitchFamily="34" charset="0"/>
+                        <a:buChar char="•"/>
+                      </a:pPr>
+                      <a:r>
+                        <a:rPr lang="en-CA" sz="1200" u="none" strike="noStrike" dirty="0">
+                          <a:effectLst/>
+                        </a:rPr>
+                        <a:t>In order to get a user with good history profile, we </a:t>
+                      </a:r>
+                      <a:r>
+                        <a:rPr lang="en-US" sz="1200" u="none" strike="noStrike" dirty="0">
+                          <a:effectLst/>
+                        </a:rPr>
+                        <a:t>sort top 100 users with the greatest number of reviews in Canada, then take 5 random users and select one.</a:t>
+                      </a:r>
+                      <a:endParaRPr lang="en-CA" sz="1200" b="0" i="0" u="none" strike="noStrike" dirty="0">
+                        <a:solidFill>
+                          <a:srgbClr val="000000"/>
+                        </a:solidFill>
+                        <a:effectLst/>
+                        <a:latin typeface="Arial" panose="020B0604020202020204" pitchFamily="34" charset="0"/>
+                      </a:endParaRPr>
+                    </a:p>
+                  </a:txBody>
+                  <a:tcPr marL="5828" marR="5828" marT="5828" marB="0"/>
+                </a:tc>
+                <a:tc>
+                  <a:txBody>
+                    <a:bodyPr/>
+                    <a:lstStyle/>
+                    <a:p>
+                      <a:pPr marL="171450" indent="-171450" algn="l" rtl="0" fontAlgn="ctr">
+                        <a:buFont typeface="Arial" panose="020B0604020202020204" pitchFamily="34" charset="0"/>
+                        <a:buChar char="•"/>
+                      </a:pPr>
+                      <a:r>
+                        <a:rPr lang="en-CA" sz="1200" b="0" i="0" u="none" strike="noStrike" dirty="0">
+                          <a:solidFill>
+                            <a:srgbClr val="000000"/>
+                          </a:solidFill>
+                          <a:effectLst/>
+                          <a:latin typeface="Arial" panose="020B0604020202020204" pitchFamily="34" charset="0"/>
+                        </a:rPr>
+                        <a:t>Top 100 users → → </a:t>
+                      </a:r>
+                      <a:r>
+                        <a:rPr lang="en-CA" sz="1200" b="1" i="0" u="none" strike="noStrike" dirty="0">
+                          <a:solidFill>
+                            <a:srgbClr val="000000"/>
+                          </a:solidFill>
+                          <a:effectLst/>
+                          <a:latin typeface="Arial" panose="020B0604020202020204" pitchFamily="34" charset="0"/>
+                        </a:rPr>
+                        <a:t>tWBLn4k1M7PLBtAtwAg73g</a:t>
+                      </a:r>
+                      <a:r>
+                        <a:rPr lang="en-CA" sz="1200" b="0" i="0" u="none" strike="noStrike" dirty="0">
+                          <a:solidFill>
+                            <a:srgbClr val="000000"/>
+                          </a:solidFill>
+                          <a:effectLst/>
+                          <a:latin typeface="Arial" panose="020B0604020202020204" pitchFamily="34" charset="0"/>
+                        </a:rPr>
+                        <a:t>  </a:t>
+                      </a:r>
+                    </a:p>
+                  </a:txBody>
+                  <a:tcPr marL="5828" marR="5828" marT="5828" marB="0"/>
+                </a:tc>
+                <a:extLst>
+                  <a:ext uri="{0D108BD9-81ED-4DB2-BD59-A6C34878D82A}">
+                    <a16:rowId xmlns:a16="http://schemas.microsoft.com/office/drawing/2014/main" val="4285483050"/>
+                  </a:ext>
+                </a:extLst>
+              </a:tr>
+              <a:tr h="979227">
+                <a:tc>
+                  <a:txBody>
+                    <a:bodyPr/>
+                    <a:lstStyle/>
+                    <a:p>
+                      <a:pPr algn="ctr" rtl="0" fontAlgn="ctr"/>
+                      <a:r>
+                        <a:rPr lang="en-CA" sz="1200" b="1" u="none" strike="noStrike" dirty="0">
+                          <a:effectLst/>
+                        </a:rPr>
+                        <a:t>Step 2</a:t>
+                      </a:r>
+                      <a:endParaRPr lang="en-CA" sz="1200" b="0" i="0" u="none" strike="noStrike" dirty="0">
+                        <a:solidFill>
+                          <a:srgbClr val="000000"/>
+                        </a:solidFill>
+                        <a:effectLst/>
+                        <a:latin typeface="Arial" panose="020B0604020202020204" pitchFamily="34" charset="0"/>
+                      </a:endParaRPr>
+                    </a:p>
+                  </a:txBody>
+                  <a:tcPr marL="5828" marR="5828" marT="5828" marB="0">
+                    <a:solidFill>
+                      <a:schemeClr val="bg2">
+                        <a:lumMod val="20000"/>
+                        <a:lumOff val="80000"/>
+                      </a:schemeClr>
+                    </a:solidFill>
+                  </a:tcPr>
+                </a:tc>
+                <a:tc>
+                  <a:txBody>
+                    <a:bodyPr/>
+                    <a:lstStyle/>
+                    <a:p>
+                      <a:pPr marL="171450" indent="-171450" algn="l" rtl="0" fontAlgn="ctr">
+                        <a:buFont typeface="Arial" panose="020B0604020202020204" pitchFamily="34" charset="0"/>
+                        <a:buChar char="•"/>
+                      </a:pPr>
+                      <a:r>
+                        <a:rPr lang="en-CA" sz="1200" u="none" strike="noStrike" dirty="0">
+                          <a:effectLst/>
+                        </a:rPr>
+                        <a:t>To make sure the user’s rating history and their restaurant choices are relevant, we find the base city AND top most reviewed postal codes of the user based on their rating history.</a:t>
+                      </a:r>
+                    </a:p>
+                    <a:p>
+                      <a:pPr marL="171450" indent="-171450" algn="l" rtl="0" fontAlgn="ctr">
+                        <a:buFont typeface="Arial" panose="020B0604020202020204" pitchFamily="34" charset="0"/>
+                        <a:buChar char="•"/>
+                      </a:pPr>
+                      <a:r>
+                        <a:rPr lang="en-CA" sz="1200" u="none" strike="noStrike" dirty="0">
+                          <a:effectLst/>
+                        </a:rPr>
+                        <a:t>We then prompt the user input their location (select one of the top postal codes)</a:t>
+                      </a:r>
+                      <a:r>
+                        <a:rPr lang="en-US" sz="1200" u="none" strike="noStrike" dirty="0">
+                          <a:effectLst/>
+                        </a:rPr>
+                        <a:t>.</a:t>
+                      </a:r>
+                      <a:endParaRPr lang="en-CA" sz="1200" b="0" i="0" u="none" strike="noStrike" dirty="0">
+                        <a:solidFill>
+                          <a:srgbClr val="000000"/>
+                        </a:solidFill>
+                        <a:effectLst/>
+                        <a:latin typeface="Arial" panose="020B0604020202020204" pitchFamily="34" charset="0"/>
+                      </a:endParaRPr>
+                    </a:p>
+                  </a:txBody>
+                  <a:tcPr marL="5828" marR="5828" marT="5828" marB="0">
+                    <a:solidFill>
+                      <a:schemeClr val="bg2">
+                        <a:lumMod val="20000"/>
+                        <a:lumOff val="80000"/>
+                      </a:schemeClr>
+                    </a:solidFill>
+                  </a:tcPr>
+                </a:tc>
+                <a:tc>
+                  <a:txBody>
+                    <a:bodyPr/>
+                    <a:lstStyle/>
+                    <a:p>
+                      <a:pPr algn="l" rtl="0" fontAlgn="ctr"/>
+                      <a:endParaRPr lang="en-CA" sz="1200" b="0" i="0" u="none" strike="noStrike" dirty="0">
+                        <a:solidFill>
+                          <a:srgbClr val="000000"/>
+                        </a:solidFill>
+                        <a:effectLst/>
+                        <a:latin typeface="Arial" panose="020B0604020202020204" pitchFamily="34" charset="0"/>
+                      </a:endParaRPr>
+                    </a:p>
+                  </a:txBody>
+                  <a:tcPr marL="5828" marR="5828" marT="5828" marB="0">
+                    <a:solidFill>
+                      <a:schemeClr val="bg2">
+                        <a:lumMod val="20000"/>
+                        <a:lumOff val="80000"/>
+                      </a:schemeClr>
+                    </a:solidFill>
+                  </a:tcPr>
+                </a:tc>
+                <a:extLst>
+                  <a:ext uri="{0D108BD9-81ED-4DB2-BD59-A6C34878D82A}">
+                    <a16:rowId xmlns:a16="http://schemas.microsoft.com/office/drawing/2014/main" val="3472944759"/>
+                  </a:ext>
+                </a:extLst>
+              </a:tr>
+              <a:tr h="743387">
+                <a:tc>
+                  <a:txBody>
+                    <a:bodyPr/>
+                    <a:lstStyle/>
+                    <a:p>
+                      <a:pPr algn="ctr" rtl="0" fontAlgn="ctr"/>
+                      <a:r>
+                        <a:rPr lang="en-CA" sz="1200" b="1" u="none" strike="noStrike" dirty="0">
+                          <a:effectLst/>
+                        </a:rPr>
+                        <a:t>Step 3</a:t>
+                      </a:r>
+                      <a:endParaRPr lang="en-CA" sz="1200" b="0" i="0" u="none" strike="noStrike" dirty="0">
+                        <a:solidFill>
+                          <a:srgbClr val="000000"/>
+                        </a:solidFill>
+                        <a:effectLst/>
+                        <a:latin typeface="Arial" panose="020B0604020202020204" pitchFamily="34" charset="0"/>
+                      </a:endParaRPr>
+                    </a:p>
+                  </a:txBody>
+                  <a:tcPr marL="5828" marR="5828" marT="5828" marB="0"/>
+                </a:tc>
+                <a:tc>
+                  <a:txBody>
+                    <a:bodyPr/>
+                    <a:lstStyle/>
+                    <a:p>
+                      <a:pPr marL="171450" indent="-171450" algn="l" rtl="0" fontAlgn="ctr">
+                        <a:buFont typeface="Arial" panose="020B0604020202020204" pitchFamily="34" charset="0"/>
+                        <a:buChar char="•"/>
+                      </a:pPr>
+                      <a:r>
+                        <a:rPr lang="en-CA" sz="1200" u="none" strike="noStrike" dirty="0">
+                          <a:effectLst/>
+                        </a:rPr>
+                        <a:t>Find all postal codes and their associated businesses</a:t>
+                      </a:r>
+                    </a:p>
+                    <a:p>
+                      <a:pPr marL="0" indent="0" algn="l" rtl="0" fontAlgn="ctr">
+                        <a:buFont typeface="Arial" panose="020B0604020202020204" pitchFamily="34" charset="0"/>
+                        <a:buNone/>
+                      </a:pPr>
+                      <a:r>
+                        <a:rPr lang="en-US" sz="1200" b="0" i="0" u="none" strike="noStrike" dirty="0">
+                          <a:solidFill>
+                            <a:srgbClr val="000000"/>
+                          </a:solidFill>
+                          <a:effectLst/>
+                          <a:latin typeface="Arial" panose="020B0604020202020204" pitchFamily="34" charset="0"/>
+                        </a:rPr>
+                        <a:t> located within a 5-km radius from </a:t>
+                      </a:r>
+                      <a:r>
+                        <a:rPr lang="en-US" sz="1200" b="1" i="0" u="none" strike="noStrike" dirty="0">
+                          <a:solidFill>
+                            <a:srgbClr val="000000"/>
+                          </a:solidFill>
+                          <a:effectLst/>
+                          <a:latin typeface="Arial" panose="020B0604020202020204" pitchFamily="34" charset="0"/>
+                        </a:rPr>
+                        <a:t>the chosen postal code</a:t>
+                      </a:r>
+                      <a:endParaRPr lang="en-CA" sz="1200" b="1" i="0" u="none" strike="noStrike" dirty="0">
+                        <a:solidFill>
+                          <a:srgbClr val="000000"/>
+                        </a:solidFill>
+                        <a:effectLst/>
+                        <a:latin typeface="Arial" panose="020B0604020202020204" pitchFamily="34" charset="0"/>
+                      </a:endParaRPr>
+                    </a:p>
+                  </a:txBody>
+                  <a:tcPr marL="5828" marR="5828" marT="5828" marB="0"/>
+                </a:tc>
+                <a:tc>
+                  <a:txBody>
+                    <a:bodyPr/>
+                    <a:lstStyle/>
+                    <a:p>
+                      <a:pPr algn="l" rtl="0" fontAlgn="ctr"/>
+                      <a:endParaRPr lang="en-CA" sz="1200" b="0" i="0" u="none" strike="noStrike" dirty="0">
+                        <a:solidFill>
+                          <a:srgbClr val="000000"/>
+                        </a:solidFill>
+                        <a:effectLst/>
+                        <a:latin typeface="Arial" panose="020B0604020202020204" pitchFamily="34" charset="0"/>
+                      </a:endParaRPr>
+                    </a:p>
+                  </a:txBody>
+                  <a:tcPr marL="5828" marR="5828" marT="5828" marB="0"/>
+                </a:tc>
+                <a:extLst>
+                  <a:ext uri="{0D108BD9-81ED-4DB2-BD59-A6C34878D82A}">
+                    <a16:rowId xmlns:a16="http://schemas.microsoft.com/office/drawing/2014/main" val="834576522"/>
+                  </a:ext>
+                </a:extLst>
+              </a:tr>
+              <a:tr h="720996">
+                <a:tc>
+                  <a:txBody>
+                    <a:bodyPr/>
+                    <a:lstStyle/>
+                    <a:p>
+                      <a:pPr algn="ctr" rtl="0" fontAlgn="ctr"/>
+                      <a:r>
+                        <a:rPr lang="en-CA" sz="1200" b="1" i="0" u="none" strike="noStrike" dirty="0">
+                          <a:solidFill>
+                            <a:srgbClr val="000000"/>
+                          </a:solidFill>
+                          <a:effectLst/>
+                          <a:latin typeface="Arial" panose="020B0604020202020204" pitchFamily="34" charset="0"/>
+                        </a:rPr>
+                        <a:t>Step 4</a:t>
+                      </a:r>
+                    </a:p>
+                  </a:txBody>
+                  <a:tcPr marL="5828" marR="5828" marT="5828" marB="0">
+                    <a:solidFill>
+                      <a:schemeClr val="bg2">
+                        <a:lumMod val="20000"/>
+                        <a:lumOff val="80000"/>
+                      </a:schemeClr>
+                    </a:solidFill>
+                  </a:tcPr>
+                </a:tc>
+                <a:tc>
+                  <a:txBody>
+                    <a:bodyPr/>
+                    <a:lstStyle/>
+                    <a:p>
+                      <a:pPr marL="171450" indent="-171450" algn="l" rtl="0" fontAlgn="ctr">
+                        <a:buFont typeface="Arial" panose="020B0604020202020204" pitchFamily="34" charset="0"/>
+                        <a:buChar char="•"/>
+                      </a:pPr>
+                      <a:r>
+                        <a:rPr lang="en-US" sz="1200" u="none" strike="noStrike" kern="1200" dirty="0">
+                          <a:solidFill>
+                            <a:schemeClr val="tx1"/>
+                          </a:solidFill>
+                          <a:effectLst/>
+                          <a:latin typeface="+mn-lt"/>
+                          <a:ea typeface="+mn-ea"/>
+                          <a:cs typeface="+mn-cs"/>
+                        </a:rPr>
+                        <a:t>Use </a:t>
+                      </a:r>
+                      <a:r>
+                        <a:rPr lang="en-US" sz="1200" u="none" strike="noStrike" kern="1200" dirty="0" err="1">
+                          <a:solidFill>
+                            <a:schemeClr val="tx1"/>
+                          </a:solidFill>
+                          <a:effectLst/>
+                          <a:latin typeface="+mn-lt"/>
+                          <a:ea typeface="+mn-ea"/>
+                          <a:cs typeface="+mn-cs"/>
+                        </a:rPr>
+                        <a:t>Pyspark</a:t>
+                      </a:r>
+                      <a:r>
+                        <a:rPr lang="en-US" sz="1200" u="none" strike="noStrike" kern="1200" dirty="0">
+                          <a:solidFill>
+                            <a:schemeClr val="tx1"/>
+                          </a:solidFill>
+                          <a:effectLst/>
+                          <a:latin typeface="+mn-lt"/>
+                          <a:ea typeface="+mn-ea"/>
+                          <a:cs typeface="+mn-cs"/>
+                        </a:rPr>
+                        <a:t> </a:t>
+                      </a:r>
+                      <a:r>
+                        <a:rPr lang="en-US" sz="1200" u="none" strike="noStrike" kern="1200" dirty="0" err="1">
+                          <a:solidFill>
+                            <a:schemeClr val="tx1"/>
+                          </a:solidFill>
+                          <a:effectLst/>
+                          <a:latin typeface="+mn-lt"/>
+                          <a:ea typeface="+mn-ea"/>
+                          <a:cs typeface="+mn-cs"/>
+                        </a:rPr>
+                        <a:t>MLlib</a:t>
+                      </a:r>
+                      <a:r>
+                        <a:rPr lang="en-US" sz="1200" u="none" strike="noStrike" kern="1200" dirty="0">
+                          <a:solidFill>
+                            <a:schemeClr val="tx1"/>
+                          </a:solidFill>
+                          <a:effectLst/>
+                          <a:latin typeface="+mn-lt"/>
+                          <a:ea typeface="+mn-ea"/>
+                          <a:cs typeface="+mn-cs"/>
+                        </a:rPr>
+                        <a:t> ALS library to do recommendation, sorting out top 10 restaurants with the highest predicted ratings.</a:t>
+                      </a:r>
+                    </a:p>
+                    <a:p>
+                      <a:pPr algn="l" rtl="0" fontAlgn="ctr"/>
+                      <a:endParaRPr lang="en-US" sz="1200" u="none" strike="noStrike" kern="1200" dirty="0">
+                        <a:solidFill>
+                          <a:schemeClr val="tx1"/>
+                        </a:solidFill>
+                        <a:effectLst/>
+                        <a:latin typeface="+mn-lt"/>
+                        <a:ea typeface="+mn-ea"/>
+                        <a:cs typeface="+mn-cs"/>
+                      </a:endParaRPr>
+                    </a:p>
+                    <a:p>
+                      <a:pPr marL="171450" indent="-171450" algn="l" rtl="0" fontAlgn="ctr">
+                        <a:buFont typeface="Arial" panose="020B0604020202020204" pitchFamily="34" charset="0"/>
+                        <a:buChar char="•"/>
+                      </a:pPr>
+                      <a:r>
+                        <a:rPr lang="en-US" sz="1200" u="none" strike="noStrike" kern="1200" dirty="0">
+                          <a:solidFill>
+                            <a:schemeClr val="tx1"/>
+                          </a:solidFill>
+                          <a:effectLst/>
+                          <a:latin typeface="+mn-lt"/>
+                          <a:ea typeface="+mn-ea"/>
+                          <a:cs typeface="+mn-cs"/>
+                        </a:rPr>
+                        <a:t>Prompt user to select one restaurant</a:t>
+                      </a:r>
+                    </a:p>
+                    <a:p>
+                      <a:pPr algn="l" rtl="0" fontAlgn="ctr"/>
+                      <a:endParaRPr lang="en-CA" sz="1200" u="none" strike="noStrike" kern="1200" dirty="0">
+                        <a:solidFill>
+                          <a:schemeClr val="tx1"/>
+                        </a:solidFill>
+                        <a:effectLst/>
+                        <a:latin typeface="+mn-lt"/>
+                        <a:ea typeface="+mn-ea"/>
+                        <a:cs typeface="+mn-cs"/>
+                      </a:endParaRPr>
+                    </a:p>
+                  </a:txBody>
+                  <a:tcPr marL="5828" marR="5828" marT="5828" marB="0">
+                    <a:solidFill>
+                      <a:schemeClr val="bg2">
+                        <a:lumMod val="20000"/>
+                        <a:lumOff val="80000"/>
+                      </a:schemeClr>
+                    </a:solidFill>
+                  </a:tcPr>
+                </a:tc>
+                <a:tc>
+                  <a:txBody>
+                    <a:bodyPr/>
+                    <a:lstStyle/>
+                    <a:p>
+                      <a:pPr marL="171450" indent="-171450" algn="l" rtl="0" fontAlgn="ctr">
+                        <a:buFont typeface="Arial" panose="020B0604020202020204" pitchFamily="34" charset="0"/>
+                        <a:buChar char="•"/>
+                      </a:pPr>
+                      <a:r>
+                        <a:rPr lang="en-CA" sz="1200" b="0" i="0" u="none" strike="noStrike" dirty="0">
+                          <a:solidFill>
+                            <a:srgbClr val="000000"/>
+                          </a:solidFill>
+                          <a:effectLst/>
+                          <a:latin typeface="Arial" panose="020B0604020202020204" pitchFamily="34" charset="0"/>
+                        </a:rPr>
+                        <a:t>List of restaurants found</a:t>
+                      </a:r>
+                    </a:p>
+                    <a:p>
+                      <a:pPr marL="171450" indent="-171450" algn="l" rtl="0" fontAlgn="ctr">
+                        <a:buFont typeface="Arial" panose="020B0604020202020204" pitchFamily="34" charset="0"/>
+                        <a:buChar char="•"/>
+                      </a:pPr>
+                      <a:endParaRPr lang="en-CA" sz="1200" b="0" i="0" u="none" strike="noStrike" dirty="0">
+                        <a:solidFill>
+                          <a:srgbClr val="000000"/>
+                        </a:solidFill>
+                        <a:effectLst/>
+                        <a:latin typeface="Arial" panose="020B0604020202020204" pitchFamily="34" charset="0"/>
+                      </a:endParaRPr>
+                    </a:p>
+                    <a:p>
+                      <a:pPr marL="171450" indent="-171450" algn="l" rtl="0" fontAlgn="ctr">
+                        <a:buFont typeface="Arial" panose="020B0604020202020204" pitchFamily="34" charset="0"/>
+                        <a:buChar char="•"/>
+                      </a:pPr>
+                      <a:r>
+                        <a:rPr lang="en-CA" sz="1200" b="0" i="0" u="none" strike="noStrike" dirty="0">
+                          <a:solidFill>
+                            <a:srgbClr val="000000"/>
+                          </a:solidFill>
+                          <a:effectLst/>
+                          <a:latin typeface="Arial" panose="020B0604020202020204" pitchFamily="34" charset="0"/>
+                        </a:rPr>
+                        <a:t>Selected restaurant</a:t>
+                      </a:r>
+                    </a:p>
+                    <a:p>
+                      <a:pPr marL="171450" indent="-171450" algn="l" rtl="0" fontAlgn="ctr">
+                        <a:buFont typeface="Arial" panose="020B0604020202020204" pitchFamily="34" charset="0"/>
+                        <a:buChar char="•"/>
+                      </a:pPr>
+                      <a:endParaRPr lang="en-CA" sz="1200" b="0" i="0" u="none" strike="noStrike" dirty="0">
+                        <a:solidFill>
+                          <a:srgbClr val="000000"/>
+                        </a:solidFill>
+                        <a:effectLst/>
+                        <a:latin typeface="Arial" panose="020B0604020202020204" pitchFamily="34" charset="0"/>
+                      </a:endParaRPr>
+                    </a:p>
+                    <a:p>
+                      <a:pPr marL="171450" indent="-171450" algn="l" rtl="0" fontAlgn="ctr">
+                        <a:buFont typeface="Arial" panose="020B0604020202020204" pitchFamily="34" charset="0"/>
+                        <a:buChar char="•"/>
+                      </a:pPr>
+                      <a:endParaRPr lang="en-CA" sz="1200" b="0" i="0" u="none" strike="noStrike" dirty="0">
+                        <a:solidFill>
+                          <a:srgbClr val="000000"/>
+                        </a:solidFill>
+                        <a:effectLst/>
+                        <a:latin typeface="Arial" panose="020B0604020202020204" pitchFamily="34" charset="0"/>
+                      </a:endParaRPr>
+                    </a:p>
+                  </a:txBody>
+                  <a:tcPr marL="5828" marR="5828" marT="5828" marB="0">
+                    <a:solidFill>
+                      <a:schemeClr val="bg2">
+                        <a:lumMod val="20000"/>
+                        <a:lumOff val="80000"/>
+                      </a:schemeClr>
+                    </a:solidFill>
+                  </a:tcPr>
+                </a:tc>
+                <a:extLst>
+                  <a:ext uri="{0D108BD9-81ED-4DB2-BD59-A6C34878D82A}">
+                    <a16:rowId xmlns:a16="http://schemas.microsoft.com/office/drawing/2014/main" val="2355580518"/>
+                  </a:ext>
+                </a:extLst>
+              </a:tr>
+              <a:tr h="945744">
+                <a:tc>
+                  <a:txBody>
+                    <a:bodyPr/>
+                    <a:lstStyle/>
+                    <a:p>
+                      <a:pPr algn="ctr" rtl="0" fontAlgn="ctr"/>
+                      <a:r>
+                        <a:rPr lang="en-CA" sz="1200" b="1" u="none" strike="noStrike" dirty="0">
+                          <a:effectLst/>
+                        </a:rPr>
+                        <a:t>Step 5</a:t>
+                      </a:r>
+                      <a:endParaRPr lang="en-CA" sz="1200" b="1" i="0" u="none" strike="noStrike" dirty="0">
+                        <a:solidFill>
+                          <a:srgbClr val="000000"/>
+                        </a:solidFill>
+                        <a:effectLst/>
+                        <a:latin typeface="Arial" panose="020B0604020202020204" pitchFamily="34" charset="0"/>
+                      </a:endParaRPr>
+                    </a:p>
+                  </a:txBody>
+                  <a:tcPr marL="5828" marR="5828" marT="5828" marB="0">
+                    <a:solidFill>
+                      <a:schemeClr val="bg1"/>
+                    </a:solidFill>
+                  </a:tcPr>
+                </a:tc>
+                <a:tc>
+                  <a:txBody>
+                    <a:bodyPr/>
+                    <a:lstStyle/>
+                    <a:p>
+                      <a:pPr marL="171450" marR="0" lvl="0" indent="-171450" algn="l" defTabSz="1088558" rtl="0" eaLnBrk="1" fontAlgn="ctr" latinLnBrk="0" hangingPunct="1">
+                        <a:lnSpc>
+                          <a:spcPct val="100000"/>
+                        </a:lnSpc>
+                        <a:spcBef>
+                          <a:spcPts val="0"/>
+                        </a:spcBef>
+                        <a:spcAft>
+                          <a:spcPts val="0"/>
+                        </a:spcAft>
+                        <a:buClrTx/>
+                        <a:buSzTx/>
+                        <a:buFont typeface="Arial" panose="020B0604020202020204" pitchFamily="34" charset="0"/>
+                        <a:buChar char="•"/>
+                        <a:tabLst/>
+                        <a:defRPr/>
+                      </a:pPr>
+                      <a:r>
+                        <a:rPr lang="en-US" sz="1200" u="none" strike="noStrike" kern="1200" dirty="0">
+                          <a:solidFill>
+                            <a:schemeClr val="tx1"/>
+                          </a:solidFill>
+                          <a:effectLst/>
+                          <a:latin typeface="+mn-lt"/>
+                          <a:ea typeface="+mn-ea"/>
+                          <a:cs typeface="+mn-cs"/>
+                        </a:rPr>
+                        <a:t>Use FP-Growth Library in </a:t>
+                      </a:r>
+                      <a:r>
+                        <a:rPr lang="en-US" sz="1200" u="none" strike="noStrike" kern="1200" dirty="0" err="1">
+                          <a:solidFill>
+                            <a:schemeClr val="tx1"/>
+                          </a:solidFill>
+                          <a:effectLst/>
+                          <a:latin typeface="+mn-lt"/>
+                          <a:ea typeface="+mn-ea"/>
+                          <a:cs typeface="+mn-cs"/>
+                        </a:rPr>
+                        <a:t>Pyspark</a:t>
+                      </a:r>
+                      <a:r>
+                        <a:rPr lang="en-US" sz="1200" u="none" strike="noStrike" kern="1200" dirty="0">
+                          <a:solidFill>
+                            <a:schemeClr val="tx1"/>
+                          </a:solidFill>
+                          <a:effectLst/>
+                          <a:latin typeface="+mn-lt"/>
+                          <a:ea typeface="+mn-ea"/>
+                          <a:cs typeface="+mn-cs"/>
+                        </a:rPr>
+                        <a:t> to perform Frequent Itemset listing out top 5 most frequently chosen items</a:t>
+                      </a:r>
+                    </a:p>
+                  </a:txBody>
+                  <a:tcPr marL="5828" marR="5828" marT="5828" marB="0">
+                    <a:solidFill>
+                      <a:schemeClr val="bg1"/>
+                    </a:solidFill>
+                  </a:tcPr>
+                </a:tc>
+                <a:tc>
+                  <a:txBody>
+                    <a:bodyPr/>
+                    <a:lstStyle/>
+                    <a:p>
+                      <a:pPr marL="171450" indent="-171450" algn="l" rtl="0" fontAlgn="ctr">
+                        <a:buFont typeface="Arial" panose="020B0604020202020204" pitchFamily="34" charset="0"/>
+                        <a:buChar char="•"/>
+                      </a:pPr>
+                      <a:endParaRPr lang="en-CA" sz="1200" b="0" i="0" u="none" strike="noStrike" dirty="0">
+                        <a:solidFill>
+                          <a:srgbClr val="000000"/>
+                        </a:solidFill>
+                        <a:effectLst/>
+                        <a:latin typeface="Arial" panose="020B0604020202020204" pitchFamily="34" charset="0"/>
+                      </a:endParaRPr>
+                    </a:p>
+                  </a:txBody>
+                  <a:tcPr marL="5828" marR="5828" marT="5828" marB="0">
+                    <a:solidFill>
+                      <a:schemeClr val="bg1"/>
+                    </a:solidFill>
+                  </a:tcPr>
+                </a:tc>
+                <a:extLst>
+                  <a:ext uri="{0D108BD9-81ED-4DB2-BD59-A6C34878D82A}">
+                    <a16:rowId xmlns:a16="http://schemas.microsoft.com/office/drawing/2014/main" val="734134813"/>
+                  </a:ext>
+                </a:extLst>
+              </a:tr>
+            </a:tbl>
+          </a:graphicData>
+        </a:graphic>
+      </p:graphicFrame>
+      <p:sp>
+        <p:nvSpPr>
+          <p:cNvPr id="13" name="Text Placeholder 5">
+            <a:hlinkClick r:id="" action="ppaction://noaction"/>
+            <a:extLst>
+              <a:ext uri="{FF2B5EF4-FFF2-40B4-BE49-F238E27FC236}">
+                <a16:creationId xmlns:a16="http://schemas.microsoft.com/office/drawing/2014/main" id="{EDB3E8BC-EDB2-4631-B4A1-C63E9DDBCCF0}"/>
+              </a:ext>
+            </a:extLst>
+          </p:cNvPr>
+          <p:cNvSpPr txBox="1">
+            <a:spLocks/>
+          </p:cNvSpPr>
+          <p:nvPr/>
+        </p:nvSpPr>
+        <p:spPr>
+          <a:xfrm>
+            <a:off x="10318114" y="1716090"/>
+            <a:ext cx="1769109" cy="184666"/>
+          </a:xfrm>
+          <a:prstGeom prst="rect">
+            <a:avLst/>
+          </a:prstGeom>
+        </p:spPr>
+        <p:txBody>
+          <a:bodyPr vert="horz" wrap="square" lIns="0" tIns="0" rIns="0" bIns="0" rtlCol="0">
+            <a:spAutoFit/>
+          </a:bodyPr>
+          <a:lstStyle>
+            <a:defPPr>
+              <a:defRPr lang="de-DE"/>
+            </a:defPPr>
+            <a:lvl1pPr indent="0">
+              <a:spcBef>
+                <a:spcPts val="600"/>
+              </a:spcBef>
+              <a:spcAft>
+                <a:spcPts val="0"/>
+              </a:spcAft>
+              <a:buSzPct val="100000"/>
+              <a:buFont typeface="Arial" panose="020B0604020202020204" pitchFamily="34" charset="0"/>
+              <a:buNone/>
+              <a:tabLst>
+                <a:tab pos="6705432" algn="r"/>
+              </a:tabLst>
+              <a:defRPr sz="1200" b="0"/>
+            </a:lvl1pPr>
+            <a:lvl2pPr marL="0" indent="0">
+              <a:spcBef>
+                <a:spcPts val="600"/>
+              </a:spcBef>
+              <a:spcAft>
+                <a:spcPts val="600"/>
+              </a:spcAft>
+              <a:buClrTx/>
+              <a:buFont typeface="Arial"/>
+              <a:buNone/>
+              <a:tabLst>
+                <a:tab pos="6705432" algn="r"/>
+              </a:tabLst>
+              <a:defRPr sz="1200" b="1"/>
+            </a:lvl2pPr>
+            <a:lvl3pPr marL="180000" indent="-180000">
+              <a:spcBef>
+                <a:spcPts val="600"/>
+              </a:spcBef>
+              <a:spcAft>
+                <a:spcPts val="600"/>
+              </a:spcAft>
+              <a:buClrTx/>
+              <a:buSzPct val="100000"/>
+              <a:buFont typeface="Arial" panose="020B0604020202020204" pitchFamily="34" charset="0"/>
+              <a:buChar char="•"/>
+              <a:tabLst>
+                <a:tab pos="6705432" algn="r"/>
+              </a:tabLst>
+              <a:defRPr sz="1200"/>
+            </a:lvl3pPr>
+            <a:lvl4pPr marL="360000" indent="-180000">
+              <a:spcBef>
+                <a:spcPts val="600"/>
+              </a:spcBef>
+              <a:spcAft>
+                <a:spcPts val="600"/>
+              </a:spcAft>
+              <a:buClrTx/>
+              <a:buSzPct val="100000"/>
+              <a:buFont typeface="Verdana" panose="020B0604030504040204" pitchFamily="34" charset="0"/>
+              <a:buChar char="−"/>
+              <a:tabLst>
+                <a:tab pos="6705432" algn="r"/>
+              </a:tabLst>
+              <a:defRPr sz="1200" baseline="0"/>
+            </a:lvl4pPr>
+            <a:lvl5pPr marL="540000" indent="-180000" defTabSz="1064657">
+              <a:spcBef>
+                <a:spcPts val="600"/>
+              </a:spcBef>
+              <a:spcAft>
+                <a:spcPts val="600"/>
+              </a:spcAft>
+              <a:buClrTx/>
+              <a:buSzPct val="100000"/>
+              <a:buFont typeface="Arial" panose="020B0604020202020204" pitchFamily="34" charset="0"/>
+              <a:buChar char="•"/>
+              <a:tabLst>
+                <a:tab pos="6705432" algn="r"/>
+              </a:tabLst>
+              <a:defRPr baseline="0"/>
+            </a:lvl5pPr>
+            <a:lvl6pPr marL="710382" indent="-235194">
+              <a:spcBef>
+                <a:spcPts val="0"/>
+              </a:spcBef>
+              <a:spcAft>
+                <a:spcPts val="1333"/>
+              </a:spcAft>
+              <a:buFont typeface="Verdana" panose="020B0604030504040204" pitchFamily="34" charset="0"/>
+              <a:buChar char="−"/>
+              <a:defRPr sz="1600" baseline="0"/>
+            </a:lvl6pPr>
+            <a:lvl7pPr marL="710382" indent="-235194">
+              <a:spcBef>
+                <a:spcPts val="0"/>
+              </a:spcBef>
+              <a:spcAft>
+                <a:spcPts val="1333"/>
+              </a:spcAft>
+              <a:buFont typeface="Verdana" panose="020B0604030504040204" pitchFamily="34" charset="0"/>
+              <a:buChar char="−"/>
+              <a:defRPr sz="1600"/>
+            </a:lvl7pPr>
+            <a:lvl8pPr marL="710382" indent="-235194">
+              <a:spcBef>
+                <a:spcPts val="0"/>
+              </a:spcBef>
+              <a:spcAft>
+                <a:spcPts val="1333"/>
+              </a:spcAft>
+              <a:buFont typeface="Verdana" panose="020B0604030504040204" pitchFamily="34" charset="0"/>
+              <a:buChar char="−"/>
+              <a:defRPr sz="1600" baseline="0"/>
+            </a:lvl8pPr>
+            <a:lvl9pPr marL="710382" indent="-235194">
+              <a:spcBef>
+                <a:spcPts val="0"/>
+              </a:spcBef>
+              <a:spcAft>
+                <a:spcPts val="1333"/>
+              </a:spcAft>
+              <a:buFont typeface="Verdana" panose="020B0604030504040204" pitchFamily="34" charset="0"/>
+              <a:buChar char="−"/>
+              <a:defRPr sz="1600" baseline="0"/>
+            </a:lvl9pPr>
+          </a:lstStyle>
+          <a:p>
+            <a:r>
+              <a:rPr lang="en-US" dirty="0"/>
+              <a:t>Project Overview	</a:t>
+            </a:r>
+          </a:p>
+        </p:txBody>
+      </p:sp>
+      <p:sp>
+        <p:nvSpPr>
+          <p:cNvPr id="14" name="Text Placeholder 5">
+            <a:hlinkClick r:id="" action="ppaction://noaction"/>
+            <a:extLst>
+              <a:ext uri="{FF2B5EF4-FFF2-40B4-BE49-F238E27FC236}">
+                <a16:creationId xmlns:a16="http://schemas.microsoft.com/office/drawing/2014/main" id="{25BCFF89-6281-4814-B3ED-946F9147928E}"/>
+              </a:ext>
+            </a:extLst>
+          </p:cNvPr>
+          <p:cNvSpPr txBox="1">
+            <a:spLocks/>
+          </p:cNvSpPr>
+          <p:nvPr/>
+        </p:nvSpPr>
+        <p:spPr>
+          <a:xfrm>
+            <a:off x="10318115" y="2052096"/>
+            <a:ext cx="1724660" cy="184666"/>
+          </a:xfrm>
+          <a:prstGeom prst="rect">
+            <a:avLst/>
+          </a:prstGeom>
+        </p:spPr>
+        <p:txBody>
+          <a:bodyPr vert="horz" wrap="square" lIns="0" tIns="0" rIns="0" bIns="0" rtlCol="0">
+            <a:spAutoFit/>
+          </a:bodyPr>
+          <a:lstStyle>
+            <a:defPPr>
+              <a:defRPr lang="de-DE"/>
+            </a:defPPr>
+            <a:lvl1pPr indent="0">
+              <a:spcBef>
+                <a:spcPts val="600"/>
+              </a:spcBef>
+              <a:spcAft>
+                <a:spcPts val="0"/>
+              </a:spcAft>
+              <a:buSzPct val="100000"/>
+              <a:buFont typeface="Arial" panose="020B0604020202020204" pitchFamily="34" charset="0"/>
+              <a:buNone/>
+              <a:tabLst>
+                <a:tab pos="6705432" algn="r"/>
+              </a:tabLst>
+              <a:defRPr sz="1200" b="0"/>
+            </a:lvl1pPr>
+            <a:lvl2pPr marL="0" indent="0">
+              <a:spcBef>
+                <a:spcPts val="600"/>
+              </a:spcBef>
+              <a:spcAft>
+                <a:spcPts val="600"/>
+              </a:spcAft>
+              <a:buClrTx/>
+              <a:buFont typeface="Arial"/>
+              <a:buNone/>
+              <a:tabLst>
+                <a:tab pos="6705432" algn="r"/>
+              </a:tabLst>
+              <a:defRPr sz="1200" b="1"/>
+            </a:lvl2pPr>
+            <a:lvl3pPr marL="180000" indent="-180000">
+              <a:spcBef>
+                <a:spcPts val="600"/>
+              </a:spcBef>
+              <a:spcAft>
+                <a:spcPts val="600"/>
+              </a:spcAft>
+              <a:buClrTx/>
+              <a:buSzPct val="100000"/>
+              <a:buFont typeface="Arial" panose="020B0604020202020204" pitchFamily="34" charset="0"/>
+              <a:buChar char="•"/>
+              <a:tabLst>
+                <a:tab pos="6705432" algn="r"/>
+              </a:tabLst>
+              <a:defRPr sz="1200"/>
+            </a:lvl3pPr>
+            <a:lvl4pPr marL="360000" indent="-180000">
+              <a:spcBef>
+                <a:spcPts val="600"/>
+              </a:spcBef>
+              <a:spcAft>
+                <a:spcPts val="600"/>
+              </a:spcAft>
+              <a:buClrTx/>
+              <a:buSzPct val="100000"/>
+              <a:buFont typeface="Verdana" panose="020B0604030504040204" pitchFamily="34" charset="0"/>
+              <a:buChar char="−"/>
+              <a:tabLst>
+                <a:tab pos="6705432" algn="r"/>
+              </a:tabLst>
+              <a:defRPr sz="1200" baseline="0"/>
+            </a:lvl4pPr>
+            <a:lvl5pPr marL="540000" indent="-180000" defTabSz="1064657">
+              <a:spcBef>
+                <a:spcPts val="600"/>
+              </a:spcBef>
+              <a:spcAft>
+                <a:spcPts val="600"/>
+              </a:spcAft>
+              <a:buClrTx/>
+              <a:buSzPct val="100000"/>
+              <a:buFont typeface="Arial" panose="020B0604020202020204" pitchFamily="34" charset="0"/>
+              <a:buChar char="•"/>
+              <a:tabLst>
+                <a:tab pos="6705432" algn="r"/>
+              </a:tabLst>
+              <a:defRPr baseline="0"/>
+            </a:lvl5pPr>
+            <a:lvl6pPr marL="710382" indent="-235194">
+              <a:spcBef>
+                <a:spcPts val="0"/>
+              </a:spcBef>
+              <a:spcAft>
+                <a:spcPts val="1333"/>
+              </a:spcAft>
+              <a:buFont typeface="Verdana" panose="020B0604030504040204" pitchFamily="34" charset="0"/>
+              <a:buChar char="−"/>
+              <a:defRPr sz="1600" baseline="0"/>
+            </a:lvl6pPr>
+            <a:lvl7pPr marL="710382" indent="-235194">
+              <a:spcBef>
+                <a:spcPts val="0"/>
+              </a:spcBef>
+              <a:spcAft>
+                <a:spcPts val="1333"/>
+              </a:spcAft>
+              <a:buFont typeface="Verdana" panose="020B0604030504040204" pitchFamily="34" charset="0"/>
+              <a:buChar char="−"/>
+              <a:defRPr sz="1600"/>
+            </a:lvl7pPr>
+            <a:lvl8pPr marL="710382" indent="-235194">
+              <a:spcBef>
+                <a:spcPts val="0"/>
+              </a:spcBef>
+              <a:spcAft>
+                <a:spcPts val="1333"/>
+              </a:spcAft>
+              <a:buFont typeface="Verdana" panose="020B0604030504040204" pitchFamily="34" charset="0"/>
+              <a:buChar char="−"/>
+              <a:defRPr sz="1600" baseline="0"/>
+            </a:lvl8pPr>
+            <a:lvl9pPr marL="710382" indent="-235194">
+              <a:spcBef>
+                <a:spcPts val="0"/>
+              </a:spcBef>
+              <a:spcAft>
+                <a:spcPts val="1333"/>
+              </a:spcAft>
+              <a:buFont typeface="Verdana" panose="020B0604030504040204" pitchFamily="34" charset="0"/>
+              <a:buChar char="−"/>
+              <a:defRPr sz="1600" baseline="0"/>
+            </a:lvl9pPr>
+          </a:lstStyle>
+          <a:p>
+            <a:r>
+              <a:rPr lang="en-US" dirty="0"/>
+              <a:t>Dataset &amp; Methods Used</a:t>
+            </a:r>
+          </a:p>
+        </p:txBody>
+      </p:sp>
+      <p:sp>
+        <p:nvSpPr>
+          <p:cNvPr id="15" name="Text Placeholder 5">
+            <a:hlinkClick r:id="" action="ppaction://noaction"/>
+            <a:extLst>
+              <a:ext uri="{FF2B5EF4-FFF2-40B4-BE49-F238E27FC236}">
+                <a16:creationId xmlns:a16="http://schemas.microsoft.com/office/drawing/2014/main" id="{523FFAD3-C307-453C-AE74-38A2DDF29055}"/>
+              </a:ext>
+            </a:extLst>
+          </p:cNvPr>
+          <p:cNvSpPr txBox="1">
+            <a:spLocks/>
+          </p:cNvSpPr>
+          <p:nvPr/>
+        </p:nvSpPr>
+        <p:spPr>
+          <a:xfrm>
+            <a:off x="10318114" y="2724107"/>
+            <a:ext cx="1724660" cy="184666"/>
+          </a:xfrm>
+          <a:prstGeom prst="rect">
+            <a:avLst/>
+          </a:prstGeom>
+        </p:spPr>
+        <p:txBody>
+          <a:bodyPr vert="horz" wrap="square" lIns="0" tIns="0" rIns="0" bIns="0" rtlCol="0">
+            <a:spAutoFit/>
+          </a:bodyPr>
+          <a:lstStyle>
+            <a:defPPr>
+              <a:defRPr lang="en-US"/>
+            </a:defPPr>
+            <a:lvl1pPr indent="0">
+              <a:spcBef>
+                <a:spcPts val="600"/>
+              </a:spcBef>
+              <a:spcAft>
+                <a:spcPts val="0"/>
+              </a:spcAft>
+              <a:buSzPct val="100000"/>
+              <a:buFont typeface="Arial" panose="020B0604020202020204" pitchFamily="34" charset="0"/>
+              <a:buNone/>
+              <a:tabLst>
+                <a:tab pos="6705432" algn="r"/>
+              </a:tabLst>
+              <a:defRPr sz="1100" b="0">
+                <a:solidFill>
+                  <a:srgbClr val="BBBCBC"/>
+                </a:solidFill>
+              </a:defRPr>
+            </a:lvl1pPr>
+            <a:lvl2pPr marL="0" indent="0">
+              <a:spcBef>
+                <a:spcPts val="600"/>
+              </a:spcBef>
+              <a:spcAft>
+                <a:spcPts val="600"/>
+              </a:spcAft>
+              <a:buClrTx/>
+              <a:buSzPct val="100000"/>
+              <a:buFont typeface="Arial"/>
+              <a:buNone/>
+              <a:tabLst>
+                <a:tab pos="6705432" algn="r"/>
+              </a:tabLst>
+              <a:defRPr sz="1200" b="1"/>
+            </a:lvl2pPr>
+            <a:lvl3pPr marL="180000" indent="-180000">
+              <a:spcBef>
+                <a:spcPts val="600"/>
+              </a:spcBef>
+              <a:spcAft>
+                <a:spcPts val="600"/>
+              </a:spcAft>
+              <a:buClrTx/>
+              <a:buSzPct val="100000"/>
+              <a:buFont typeface="Arial" panose="020B0604020202020204" pitchFamily="34" charset="0"/>
+              <a:buChar char="•"/>
+              <a:tabLst>
+                <a:tab pos="6705432" algn="r"/>
+              </a:tabLst>
+              <a:defRPr sz="1200"/>
+            </a:lvl3pPr>
+            <a:lvl4pPr marL="360000" indent="-180000">
+              <a:spcBef>
+                <a:spcPts val="600"/>
+              </a:spcBef>
+              <a:spcAft>
+                <a:spcPts val="600"/>
+              </a:spcAft>
+              <a:buClrTx/>
+              <a:buSzPct val="100000"/>
+              <a:buFont typeface="Verdana" panose="020B0604030504040204" pitchFamily="34" charset="0"/>
+              <a:buChar char="−"/>
+              <a:tabLst>
+                <a:tab pos="6705432" algn="r"/>
+              </a:tabLst>
+              <a:defRPr sz="1200" baseline="0"/>
+            </a:lvl4pPr>
+            <a:lvl5pPr marL="540000" indent="-180000" defTabSz="1064657">
+              <a:spcBef>
+                <a:spcPts val="600"/>
+              </a:spcBef>
+              <a:spcAft>
+                <a:spcPts val="600"/>
+              </a:spcAft>
+              <a:buClrTx/>
+              <a:buSzPct val="100000"/>
+              <a:buFont typeface="Arial" panose="020B0604020202020204" pitchFamily="34" charset="0"/>
+              <a:buChar char="•"/>
+              <a:tabLst>
+                <a:tab pos="6705432" algn="r"/>
+              </a:tabLst>
+              <a:defRPr sz="1200" baseline="0"/>
+            </a:lvl5pPr>
+            <a:lvl6pPr marL="710382" indent="-235194">
+              <a:spcBef>
+                <a:spcPts val="0"/>
+              </a:spcBef>
+              <a:spcAft>
+                <a:spcPts val="1333"/>
+              </a:spcAft>
+              <a:buFont typeface="Verdana" panose="020B0604030504040204" pitchFamily="34" charset="0"/>
+              <a:buChar char="−"/>
+              <a:defRPr sz="1600" baseline="0"/>
+            </a:lvl6pPr>
+            <a:lvl7pPr marL="710382" indent="-235194">
+              <a:spcBef>
+                <a:spcPts val="0"/>
+              </a:spcBef>
+              <a:spcAft>
+                <a:spcPts val="1333"/>
+              </a:spcAft>
+              <a:buFont typeface="Verdana" panose="020B0604030504040204" pitchFamily="34" charset="0"/>
+              <a:buChar char="−"/>
+              <a:defRPr sz="1600"/>
+            </a:lvl7pPr>
+            <a:lvl8pPr marL="710382" indent="-235194">
+              <a:spcBef>
+                <a:spcPts val="0"/>
+              </a:spcBef>
+              <a:spcAft>
+                <a:spcPts val="1333"/>
+              </a:spcAft>
+              <a:buFont typeface="Verdana" panose="020B0604030504040204" pitchFamily="34" charset="0"/>
+              <a:buChar char="−"/>
+              <a:defRPr sz="1600" baseline="0"/>
+            </a:lvl8pPr>
+            <a:lvl9pPr marL="710382" indent="-235194">
+              <a:spcBef>
+                <a:spcPts val="0"/>
+              </a:spcBef>
+              <a:spcAft>
+                <a:spcPts val="1333"/>
+              </a:spcAft>
+              <a:buFont typeface="Verdana" panose="020B0604030504040204" pitchFamily="34" charset="0"/>
+              <a:buChar char="−"/>
+              <a:defRPr sz="1600" baseline="0"/>
+            </a:lvl9pPr>
+          </a:lstStyle>
+          <a:p>
+            <a:r>
+              <a:rPr lang="en-US" sz="1200" dirty="0">
+                <a:solidFill>
+                  <a:schemeClr val="tx1"/>
+                </a:solidFill>
+              </a:rPr>
+              <a:t>Issue Explanations</a:t>
+            </a:r>
+          </a:p>
+        </p:txBody>
+      </p:sp>
+      <p:sp>
+        <p:nvSpPr>
+          <p:cNvPr id="16" name="Text Placeholder 5">
+            <a:hlinkClick r:id="" action="ppaction://noaction"/>
+            <a:extLst>
+              <a:ext uri="{FF2B5EF4-FFF2-40B4-BE49-F238E27FC236}">
+                <a16:creationId xmlns:a16="http://schemas.microsoft.com/office/drawing/2014/main" id="{5991F167-EB5D-40D9-BB8B-FB6570C2AAD2}"/>
+              </a:ext>
+            </a:extLst>
+          </p:cNvPr>
+          <p:cNvSpPr txBox="1">
+            <a:spLocks/>
+          </p:cNvSpPr>
+          <p:nvPr/>
+        </p:nvSpPr>
+        <p:spPr>
+          <a:xfrm>
+            <a:off x="10318114" y="2388102"/>
+            <a:ext cx="1724660" cy="184666"/>
+          </a:xfrm>
+          <a:prstGeom prst="rect">
+            <a:avLst/>
+          </a:prstGeom>
+        </p:spPr>
+        <p:txBody>
+          <a:bodyPr vert="horz" wrap="square" lIns="0" tIns="0" rIns="0" bIns="0" rtlCol="0">
+            <a:spAutoFit/>
+          </a:bodyPr>
+          <a:lstStyle>
+            <a:defPPr>
+              <a:defRPr lang="en-US"/>
+            </a:defPPr>
+            <a:lvl1pPr indent="0">
+              <a:spcBef>
+                <a:spcPts val="600"/>
+              </a:spcBef>
+              <a:spcAft>
+                <a:spcPts val="0"/>
+              </a:spcAft>
+              <a:buSzPct val="100000"/>
+              <a:buFont typeface="Arial" panose="020B0604020202020204" pitchFamily="34" charset="0"/>
+              <a:buNone/>
+              <a:tabLst>
+                <a:tab pos="6705432" algn="r"/>
+              </a:tabLst>
+              <a:defRPr sz="1100" b="0">
+                <a:solidFill>
+                  <a:srgbClr val="BBBCBC"/>
+                </a:solidFill>
+              </a:defRPr>
+            </a:lvl1pPr>
+            <a:lvl2pPr marL="0" indent="0">
+              <a:spcBef>
+                <a:spcPts val="600"/>
+              </a:spcBef>
+              <a:spcAft>
+                <a:spcPts val="600"/>
+              </a:spcAft>
+              <a:buClrTx/>
+              <a:buSzPct val="100000"/>
+              <a:buFont typeface="Arial"/>
+              <a:buNone/>
+              <a:tabLst>
+                <a:tab pos="6705432" algn="r"/>
+              </a:tabLst>
+              <a:defRPr sz="1200" b="1"/>
+            </a:lvl2pPr>
+            <a:lvl3pPr marL="180000" indent="-180000">
+              <a:spcBef>
+                <a:spcPts val="600"/>
+              </a:spcBef>
+              <a:spcAft>
+                <a:spcPts val="600"/>
+              </a:spcAft>
+              <a:buClrTx/>
+              <a:buSzPct val="100000"/>
+              <a:buFont typeface="Arial" panose="020B0604020202020204" pitchFamily="34" charset="0"/>
+              <a:buChar char="•"/>
+              <a:tabLst>
+                <a:tab pos="6705432" algn="r"/>
+              </a:tabLst>
+              <a:defRPr sz="1200"/>
+            </a:lvl3pPr>
+            <a:lvl4pPr marL="360000" indent="-180000">
+              <a:spcBef>
+                <a:spcPts val="600"/>
+              </a:spcBef>
+              <a:spcAft>
+                <a:spcPts val="600"/>
+              </a:spcAft>
+              <a:buClrTx/>
+              <a:buSzPct val="100000"/>
+              <a:buFont typeface="Verdana" panose="020B0604030504040204" pitchFamily="34" charset="0"/>
+              <a:buChar char="−"/>
+              <a:tabLst>
+                <a:tab pos="6705432" algn="r"/>
+              </a:tabLst>
+              <a:defRPr sz="1200" baseline="0"/>
+            </a:lvl4pPr>
+            <a:lvl5pPr marL="540000" indent="-180000" defTabSz="1064657">
+              <a:spcBef>
+                <a:spcPts val="600"/>
+              </a:spcBef>
+              <a:spcAft>
+                <a:spcPts val="600"/>
+              </a:spcAft>
+              <a:buClrTx/>
+              <a:buSzPct val="100000"/>
+              <a:buFont typeface="Arial" panose="020B0604020202020204" pitchFamily="34" charset="0"/>
+              <a:buChar char="•"/>
+              <a:tabLst>
+                <a:tab pos="6705432" algn="r"/>
+              </a:tabLst>
+              <a:defRPr sz="1200" baseline="0"/>
+            </a:lvl5pPr>
+            <a:lvl6pPr marL="710382" indent="-235194">
+              <a:spcBef>
+                <a:spcPts val="0"/>
+              </a:spcBef>
+              <a:spcAft>
+                <a:spcPts val="1333"/>
+              </a:spcAft>
+              <a:buFont typeface="Verdana" panose="020B0604030504040204" pitchFamily="34" charset="0"/>
+              <a:buChar char="−"/>
+              <a:defRPr sz="1600" baseline="0"/>
+            </a:lvl6pPr>
+            <a:lvl7pPr marL="710382" indent="-235194">
+              <a:spcBef>
+                <a:spcPts val="0"/>
+              </a:spcBef>
+              <a:spcAft>
+                <a:spcPts val="1333"/>
+              </a:spcAft>
+              <a:buFont typeface="Verdana" panose="020B0604030504040204" pitchFamily="34" charset="0"/>
+              <a:buChar char="−"/>
+              <a:defRPr sz="1600"/>
+            </a:lvl7pPr>
+            <a:lvl8pPr marL="710382" indent="-235194">
+              <a:spcBef>
+                <a:spcPts val="0"/>
+              </a:spcBef>
+              <a:spcAft>
+                <a:spcPts val="1333"/>
+              </a:spcAft>
+              <a:buFont typeface="Verdana" panose="020B0604030504040204" pitchFamily="34" charset="0"/>
+              <a:buChar char="−"/>
+              <a:defRPr sz="1600" baseline="0"/>
+            </a:lvl8pPr>
+            <a:lvl9pPr marL="710382" indent="-235194">
+              <a:spcBef>
+                <a:spcPts val="0"/>
+              </a:spcBef>
+              <a:spcAft>
+                <a:spcPts val="1333"/>
+              </a:spcAft>
+              <a:buFont typeface="Verdana" panose="020B0604030504040204" pitchFamily="34" charset="0"/>
+              <a:buChar char="−"/>
+              <a:defRPr sz="1600" baseline="0"/>
+            </a:lvl9pPr>
+          </a:lstStyle>
+          <a:p>
+            <a:r>
+              <a:rPr lang="en-US" sz="1200" b="1" dirty="0">
+                <a:solidFill>
+                  <a:srgbClr val="FFC000"/>
+                </a:solidFill>
+              </a:rPr>
+              <a:t>Algorithm &amp; App Result</a:t>
+            </a:r>
+          </a:p>
+        </p:txBody>
+      </p:sp>
+      <p:sp>
+        <p:nvSpPr>
+          <p:cNvPr id="17" name="Text Placeholder 5">
+            <a:hlinkClick r:id="" action="ppaction://noaction"/>
+            <a:extLst>
+              <a:ext uri="{FF2B5EF4-FFF2-40B4-BE49-F238E27FC236}">
+                <a16:creationId xmlns:a16="http://schemas.microsoft.com/office/drawing/2014/main" id="{E5D07B7A-C25E-4257-8A39-4152B9EC957D}"/>
+              </a:ext>
+            </a:extLst>
+          </p:cNvPr>
+          <p:cNvSpPr txBox="1">
+            <a:spLocks/>
+          </p:cNvSpPr>
+          <p:nvPr/>
+        </p:nvSpPr>
+        <p:spPr>
+          <a:xfrm>
+            <a:off x="10318113" y="3082494"/>
+            <a:ext cx="1724660" cy="184666"/>
+          </a:xfrm>
+          <a:prstGeom prst="rect">
+            <a:avLst/>
+          </a:prstGeom>
+        </p:spPr>
+        <p:txBody>
+          <a:bodyPr vert="horz" wrap="square" lIns="0" tIns="0" rIns="0" bIns="0" rtlCol="0">
+            <a:spAutoFit/>
+          </a:bodyPr>
+          <a:lstStyle>
+            <a:defPPr>
+              <a:defRPr lang="en-US"/>
+            </a:defPPr>
+            <a:lvl1pPr indent="0">
+              <a:spcBef>
+                <a:spcPts val="600"/>
+              </a:spcBef>
+              <a:spcAft>
+                <a:spcPts val="0"/>
+              </a:spcAft>
+              <a:buSzPct val="100000"/>
+              <a:buFont typeface="Arial" panose="020B0604020202020204" pitchFamily="34" charset="0"/>
+              <a:buNone/>
+              <a:tabLst>
+                <a:tab pos="6705432" algn="r"/>
+              </a:tabLst>
+              <a:defRPr sz="1100" b="0">
+                <a:solidFill>
+                  <a:srgbClr val="BBBCBC"/>
+                </a:solidFill>
+              </a:defRPr>
+            </a:lvl1pPr>
+            <a:lvl2pPr marL="0" indent="0">
+              <a:spcBef>
+                <a:spcPts val="600"/>
+              </a:spcBef>
+              <a:spcAft>
+                <a:spcPts val="600"/>
+              </a:spcAft>
+              <a:buClrTx/>
+              <a:buSzPct val="100000"/>
+              <a:buFont typeface="Arial"/>
+              <a:buNone/>
+              <a:tabLst>
+                <a:tab pos="6705432" algn="r"/>
+              </a:tabLst>
+              <a:defRPr sz="1200" b="1"/>
+            </a:lvl2pPr>
+            <a:lvl3pPr marL="180000" indent="-180000">
+              <a:spcBef>
+                <a:spcPts val="600"/>
+              </a:spcBef>
+              <a:spcAft>
+                <a:spcPts val="600"/>
+              </a:spcAft>
+              <a:buClrTx/>
+              <a:buSzPct val="100000"/>
+              <a:buFont typeface="Arial" panose="020B0604020202020204" pitchFamily="34" charset="0"/>
+              <a:buChar char="•"/>
+              <a:tabLst>
+                <a:tab pos="6705432" algn="r"/>
+              </a:tabLst>
+              <a:defRPr sz="1200"/>
+            </a:lvl3pPr>
+            <a:lvl4pPr marL="360000" indent="-180000">
+              <a:spcBef>
+                <a:spcPts val="600"/>
+              </a:spcBef>
+              <a:spcAft>
+                <a:spcPts val="600"/>
+              </a:spcAft>
+              <a:buClrTx/>
+              <a:buSzPct val="100000"/>
+              <a:buFont typeface="Verdana" panose="020B0604030504040204" pitchFamily="34" charset="0"/>
+              <a:buChar char="−"/>
+              <a:tabLst>
+                <a:tab pos="6705432" algn="r"/>
+              </a:tabLst>
+              <a:defRPr sz="1200" baseline="0"/>
+            </a:lvl4pPr>
+            <a:lvl5pPr marL="540000" indent="-180000" defTabSz="1064657">
+              <a:spcBef>
+                <a:spcPts val="600"/>
+              </a:spcBef>
+              <a:spcAft>
+                <a:spcPts val="600"/>
+              </a:spcAft>
+              <a:buClrTx/>
+              <a:buSzPct val="100000"/>
+              <a:buFont typeface="Arial" panose="020B0604020202020204" pitchFamily="34" charset="0"/>
+              <a:buChar char="•"/>
+              <a:tabLst>
+                <a:tab pos="6705432" algn="r"/>
+              </a:tabLst>
+              <a:defRPr sz="1200" baseline="0"/>
+            </a:lvl5pPr>
+            <a:lvl6pPr marL="710382" indent="-235194">
+              <a:spcBef>
+                <a:spcPts val="0"/>
+              </a:spcBef>
+              <a:spcAft>
+                <a:spcPts val="1333"/>
+              </a:spcAft>
+              <a:buFont typeface="Verdana" panose="020B0604030504040204" pitchFamily="34" charset="0"/>
+              <a:buChar char="−"/>
+              <a:defRPr sz="1600" baseline="0"/>
+            </a:lvl6pPr>
+            <a:lvl7pPr marL="710382" indent="-235194">
+              <a:spcBef>
+                <a:spcPts val="0"/>
+              </a:spcBef>
+              <a:spcAft>
+                <a:spcPts val="1333"/>
+              </a:spcAft>
+              <a:buFont typeface="Verdana" panose="020B0604030504040204" pitchFamily="34" charset="0"/>
+              <a:buChar char="−"/>
+              <a:defRPr sz="1600"/>
+            </a:lvl7pPr>
+            <a:lvl8pPr marL="710382" indent="-235194">
+              <a:spcBef>
+                <a:spcPts val="0"/>
+              </a:spcBef>
+              <a:spcAft>
+                <a:spcPts val="1333"/>
+              </a:spcAft>
+              <a:buFont typeface="Verdana" panose="020B0604030504040204" pitchFamily="34" charset="0"/>
+              <a:buChar char="−"/>
+              <a:defRPr sz="1600" baseline="0"/>
+            </a:lvl8pPr>
+            <a:lvl9pPr marL="710382" indent="-235194">
+              <a:spcBef>
+                <a:spcPts val="0"/>
+              </a:spcBef>
+              <a:spcAft>
+                <a:spcPts val="1333"/>
+              </a:spcAft>
+              <a:buFont typeface="Verdana" panose="020B0604030504040204" pitchFamily="34" charset="0"/>
+              <a:buChar char="−"/>
+              <a:defRPr sz="1600" baseline="0"/>
+            </a:lvl9pPr>
+          </a:lstStyle>
+          <a:p>
+            <a:r>
+              <a:rPr lang="en-US" sz="1200" dirty="0">
+                <a:solidFill>
+                  <a:schemeClr val="tx1"/>
+                </a:solidFill>
+              </a:rPr>
+              <a:t>Conclusion</a:t>
+            </a:r>
+          </a:p>
+        </p:txBody>
+      </p:sp>
+    </p:spTree>
+    <p:extLst>
+      <p:ext uri="{BB962C8B-B14F-4D97-AF65-F5344CB8AC3E}">
+        <p14:creationId xmlns:p14="http://schemas.microsoft.com/office/powerpoint/2010/main" val="1438813788"/>
+      </p:ext>
+    </p:extLst>
+  </p:cSld>
+  <p:clrMapOvr>
+    <a:masterClrMapping/>
+  </p:clrMapOvr>
+</p:sld>
+</file>
+
+<file path=ppt/slides/slide8.xml><?xml version="1.0" encoding="utf-8"?>
+<p:sld xmlns:a="http://schemas.openxmlformats.org/drawingml/2006/main" xmlns:r="http://schemas.openxmlformats.org/officeDocument/2006/relationships" xmlns:p="http://schemas.openxmlformats.org/presentationml/2006/main">
+  <p:cSld>
+    <p:spTree>
+      <p:nvGrpSpPr>
+        <p:cNvPr id="1" name=""/>
+        <p:cNvGrpSpPr/>
+        <p:nvPr/>
+      </p:nvGrpSpPr>
+      <p:grpSpPr>
+        <a:xfrm>
+          <a:off x="0" y="0"/>
+          <a:ext cx="0" cy="0"/>
+          <a:chOff x="0" y="0"/>
+          <a:chExt cx="0" cy="0"/>
+        </a:xfrm>
+      </p:grpSpPr>
+      <p:sp>
+        <p:nvSpPr>
+          <p:cNvPr id="3" name="Title 2">
+            <a:extLst>
+              <a:ext uri="{FF2B5EF4-FFF2-40B4-BE49-F238E27FC236}">
+                <a16:creationId xmlns:a16="http://schemas.microsoft.com/office/drawing/2014/main" id="{F09E6107-0034-E143-AC3E-82426BEF2760}"/>
+              </a:ext>
+            </a:extLst>
+          </p:cNvPr>
+          <p:cNvSpPr>
+            <a:spLocks noGrp="1"/>
+          </p:cNvSpPr>
+          <p:nvPr>
+            <p:ph type="title"/>
+          </p:nvPr>
+        </p:nvSpPr>
+        <p:spPr>
+          <a:xfrm>
+            <a:off x="504001" y="504000"/>
+            <a:ext cx="7092000" cy="369332"/>
+          </a:xfrm>
+        </p:spPr>
+        <p:txBody>
+          <a:bodyPr/>
+          <a:lstStyle/>
+          <a:p>
+            <a:r>
+              <a:rPr lang="en-US" dirty="0"/>
               <a:t>Issue Explanations</a:t>
             </a:r>
           </a:p>
@@ -18420,7 +20262,7 @@
 </p:sld>
 </file>
 
-<file path=ppt/slides/slide8.xml><?xml version="1.0" encoding="utf-8"?>
+<file path=ppt/slides/slide9.xml><?xml version="1.0" encoding="utf-8"?>
 <p:sld xmlns:a="http://schemas.openxmlformats.org/drawingml/2006/main" xmlns:r="http://schemas.openxmlformats.org/officeDocument/2006/relationships" xmlns:p="http://schemas.openxmlformats.org/presentationml/2006/main">
   <p:cSld>
     <p:spTree>
@@ -18528,7 +20370,7 @@
           </a:ln>
           <a:extLst>
             <a:ext uri="{C572A759-6A51-4108-AA02-DFA0A04FC94B}">
-              <ma14:wrappingTextBoxFlag xmlns:ma14="http://schemas.microsoft.com/office/mac/drawingml/2011/main" xmlns="" val="1"/>
+              <ma14:wrappingTextBoxFlag xmlns="" xmlns:ma14="http://schemas.microsoft.com/office/mac/drawingml/2011/main" val="1"/>
             </a:ext>
           </a:extLst>
         </p:spPr>
@@ -18627,7 +20469,7 @@
           </a:ln>
           <a:extLst>
             <a:ext uri="{C572A759-6A51-4108-AA02-DFA0A04FC94B}">
-              <ma14:wrappingTextBoxFlag xmlns:ma14="http://schemas.microsoft.com/office/mac/drawingml/2011/main" xmlns="" val="1"/>
+              <ma14:wrappingTextBoxFlag xmlns="" xmlns:ma14="http://schemas.microsoft.com/office/mac/drawingml/2011/main" val="1"/>
             </a:ext>
           </a:extLst>
         </p:spPr>

--- a/project_yelp_recommendation/15_Apr10_HuyNguyen_TungNguyen_Yelp_Restaurant_Recommendation.pptx
+++ b/project_yelp_recommendation/15_Apr10_HuyNguyen_TungNguyen_Yelp_Restaurant_Recommendation.pptx
@@ -16,8 +16,8 @@
     <p:sldId id="476" r:id="rId4"/>
     <p:sldId id="465" r:id="rId5"/>
     <p:sldId id="452" r:id="rId6"/>
-    <p:sldId id="478" r:id="rId7"/>
-    <p:sldId id="480" r:id="rId8"/>
+    <p:sldId id="480" r:id="rId7"/>
+    <p:sldId id="478" r:id="rId8"/>
     <p:sldId id="477" r:id="rId9"/>
     <p:sldId id="479" r:id="rId10"/>
   </p:sldIdLst>
@@ -858,7 +858,7 @@
     </p:spTree>
     <p:extLst>
       <p:ext uri="{BB962C8B-B14F-4D97-AF65-F5344CB8AC3E}">
-        <p14:creationId xmlns:p14="http://schemas.microsoft.com/office/powerpoint/2010/main" val="1122420863"/>
+        <p14:creationId xmlns:p14="http://schemas.microsoft.com/office/powerpoint/2010/main" val="73114318"/>
       </p:ext>
     </p:extLst>
   </p:cSld>
@@ -943,7 +943,7 @@
     </p:spTree>
     <p:extLst>
       <p:ext uri="{BB962C8B-B14F-4D97-AF65-F5344CB8AC3E}">
-        <p14:creationId xmlns:p14="http://schemas.microsoft.com/office/powerpoint/2010/main" val="2892743716"/>
+        <p14:creationId xmlns:p14="http://schemas.microsoft.com/office/powerpoint/2010/main" val="1122420863"/>
       </p:ext>
     </p:extLst>
   </p:cSld>
@@ -9424,7 +9424,7 @@
           </a:ln>
           <a:extLst>
             <a:ext uri="{C572A759-6A51-4108-AA02-DFA0A04FC94B}">
-              <ma14:wrappingTextBoxFlag xmlns="" xmlns:ma14="http://schemas.microsoft.com/office/mac/drawingml/2011/main" val="1"/>
+              <ma14:wrappingTextBoxFlag xmlns:ma14="http://schemas.microsoft.com/office/mac/drawingml/2011/main" xmlns="" val="1"/>
             </a:ext>
           </a:extLst>
         </p:spPr>
@@ -9928,7 +9928,7 @@
           </a:ln>
           <a:extLst>
             <a:ext uri="{C572A759-6A51-4108-AA02-DFA0A04FC94B}">
-              <ma14:wrappingTextBoxFlag xmlns="" xmlns:ma14="http://schemas.microsoft.com/office/mac/drawingml/2011/main" val="1"/>
+              <ma14:wrappingTextBoxFlag xmlns:ma14="http://schemas.microsoft.com/office/mac/drawingml/2011/main" xmlns="" val="1"/>
             </a:ext>
           </a:extLst>
         </p:spPr>
@@ -11176,7 +11176,7 @@
           </a:ln>
           <a:extLst>
             <a:ext uri="{C572A759-6A51-4108-AA02-DFA0A04FC94B}">
-              <ma14:wrappingTextBoxFlag xmlns="" xmlns:ma14="http://schemas.microsoft.com/office/mac/drawingml/2011/main" val="1"/>
+              <ma14:wrappingTextBoxFlag xmlns:ma14="http://schemas.microsoft.com/office/mac/drawingml/2011/main" xmlns="" val="1"/>
             </a:ext>
           </a:extLst>
         </p:spPr>
@@ -11793,7 +11793,7 @@
           </a:ln>
           <a:extLst>
             <a:ext uri="{C572A759-6A51-4108-AA02-DFA0A04FC94B}">
-              <ma14:wrappingTextBoxFlag xmlns="" xmlns:ma14="http://schemas.microsoft.com/office/mac/drawingml/2011/main" val="1"/>
+              <ma14:wrappingTextBoxFlag xmlns:ma14="http://schemas.microsoft.com/office/mac/drawingml/2011/main" xmlns="" val="1"/>
             </a:ext>
           </a:extLst>
         </p:spPr>
@@ -13587,14 +13587,14 @@
           <p:nvPr>
             <p:extLst>
               <p:ext uri="{D42A27DB-BD31-4B8C-83A1-F6EECF244321}">
-                <p14:modId xmlns:p14="http://schemas.microsoft.com/office/powerpoint/2010/main" val="1747738148"/>
+                <p14:modId xmlns:p14="http://schemas.microsoft.com/office/powerpoint/2010/main" val="4096821605"/>
               </p:ext>
             </p:extLst>
           </p:nvPr>
         </p:nvGraphicFramePr>
         <p:xfrm>
-          <a:off x="503999" y="1496985"/>
-          <a:ext cx="9159463" cy="4917108"/>
+          <a:off x="503999" y="1496984"/>
+          <a:ext cx="9159463" cy="4241965"/>
         </p:xfrm>
         <a:graphic>
           <a:graphicData uri="http://schemas.openxmlformats.org/drawingml/2006/table">
@@ -13610,14 +13610,14 @@
                     </a:ext>
                   </a:extLst>
                 </a:gridCol>
-                <a:gridCol w="4405032">
+                <a:gridCol w="3678897">
                   <a:extLst>
                     <a:ext uri="{9D8B030D-6E8A-4147-A177-3AD203B41FA5}">
                       <a16:colId xmlns:a16="http://schemas.microsoft.com/office/drawing/2014/main" val="1283340500"/>
                     </a:ext>
                   </a:extLst>
                 </a:gridCol>
-                <a:gridCol w="4217281">
+                <a:gridCol w="4943416">
                   <a:extLst>
                     <a:ext uri="{9D8B030D-6E8A-4147-A177-3AD203B41FA5}">
                       <a16:colId xmlns:a16="http://schemas.microsoft.com/office/drawing/2014/main" val="2874386777"/>
@@ -13625,7 +13625,1806 @@
                   </a:extLst>
                 </a:gridCol>
               </a:tblGrid>
-              <a:tr h="0">
+              <a:tr h="622917">
+                <a:tc>
+                  <a:txBody>
+                    <a:bodyPr/>
+                    <a:lstStyle/>
+                    <a:p>
+                      <a:r>
+                        <a:rPr lang="en-US" sz="1200" b="1" u="none" strike="noStrike" kern="1200" dirty="0">
+                          <a:solidFill>
+                            <a:schemeClr val="tx1"/>
+                          </a:solidFill>
+                          <a:effectLst/>
+                          <a:latin typeface="+mn-lt"/>
+                          <a:ea typeface="+mn-ea"/>
+                          <a:cs typeface="+mn-cs"/>
+                        </a:rPr>
+                        <a:t>SN</a:t>
+                      </a:r>
+                    </a:p>
+                  </a:txBody>
+                  <a:tcPr marL="156003" marR="156003" marT="78002" marB="78002">
+                    <a:solidFill>
+                      <a:srgbClr val="FFC000"/>
+                    </a:solidFill>
+                  </a:tcPr>
+                </a:tc>
+                <a:tc>
+                  <a:txBody>
+                    <a:bodyPr/>
+                    <a:lstStyle/>
+                    <a:p>
+                      <a:pPr algn="l" rtl="0" fontAlgn="ctr"/>
+                      <a:r>
+                        <a:rPr lang="en-CA" sz="1200" b="1" u="none" strike="noStrike" kern="1200" dirty="0">
+                          <a:solidFill>
+                            <a:schemeClr val="tx1"/>
+                          </a:solidFill>
+                          <a:effectLst/>
+                          <a:latin typeface="+mn-lt"/>
+                          <a:ea typeface="+mn-ea"/>
+                          <a:cs typeface="+mn-cs"/>
+                        </a:rPr>
+                        <a:t>Algorithms</a:t>
+                      </a:r>
+                    </a:p>
+                  </a:txBody>
+                  <a:tcPr marL="5828" marR="5828" marT="5828" marB="0" anchor="ctr">
+                    <a:solidFill>
+                      <a:srgbClr val="FFC000"/>
+                    </a:solidFill>
+                  </a:tcPr>
+                </a:tc>
+                <a:tc>
+                  <a:txBody>
+                    <a:bodyPr/>
+                    <a:lstStyle/>
+                    <a:p>
+                      <a:pPr algn="l" rtl="0" fontAlgn="ctr"/>
+                      <a:r>
+                        <a:rPr lang="en-CA" sz="1200" b="1" u="none" strike="noStrike" kern="1200" dirty="0">
+                          <a:solidFill>
+                            <a:schemeClr val="tx1"/>
+                          </a:solidFill>
+                          <a:effectLst/>
+                          <a:latin typeface="+mn-lt"/>
+                          <a:ea typeface="+mn-ea"/>
+                          <a:cs typeface="+mn-cs"/>
+                        </a:rPr>
+                        <a:t> Result</a:t>
+                      </a:r>
+                    </a:p>
+                  </a:txBody>
+                  <a:tcPr marL="5828" marR="5828" marT="5828" marB="0" anchor="ctr">
+                    <a:solidFill>
+                      <a:srgbClr val="FFC000"/>
+                    </a:solidFill>
+                  </a:tcPr>
+                </a:tc>
+                <a:extLst>
+                  <a:ext uri="{0D108BD9-81ED-4DB2-BD59-A6C34878D82A}">
+                    <a16:rowId xmlns:a16="http://schemas.microsoft.com/office/drawing/2014/main" val="2754745575"/>
+                  </a:ext>
+                </a:extLst>
+              </a:tr>
+              <a:tr h="1819093">
+                <a:tc>
+                  <a:txBody>
+                    <a:bodyPr/>
+                    <a:lstStyle/>
+                    <a:p>
+                      <a:pPr algn="ctr" rtl="0" fontAlgn="ctr"/>
+                      <a:r>
+                        <a:rPr lang="en-CA" sz="1200" b="1" u="none" strike="noStrike" dirty="0">
+                          <a:effectLst/>
+                        </a:rPr>
+                        <a:t>Step 1</a:t>
+                      </a:r>
+                      <a:endParaRPr lang="en-CA" sz="1200" b="1" i="0" u="none" strike="noStrike" dirty="0">
+                        <a:solidFill>
+                          <a:srgbClr val="000000"/>
+                        </a:solidFill>
+                        <a:effectLst/>
+                        <a:latin typeface="Arial" panose="020B0604020202020204" pitchFamily="34" charset="0"/>
+                      </a:endParaRPr>
+                    </a:p>
+                  </a:txBody>
+                  <a:tcPr marL="5828" marR="5828" marT="5828" marB="0"/>
+                </a:tc>
+                <a:tc>
+                  <a:txBody>
+                    <a:bodyPr/>
+                    <a:lstStyle/>
+                    <a:p>
+                      <a:pPr marL="171450" indent="-171450" algn="l" rtl="0" fontAlgn="ctr">
+                        <a:buFont typeface="Arial" panose="020B0604020202020204" pitchFamily="34" charset="0"/>
+                        <a:buChar char="•"/>
+                      </a:pPr>
+                      <a:r>
+                        <a:rPr lang="en-CA" sz="1200" u="none" strike="noStrike" dirty="0">
+                          <a:effectLst/>
+                        </a:rPr>
+                        <a:t>In order to get a user with good history profile, we </a:t>
+                      </a:r>
+                      <a:r>
+                        <a:rPr lang="en-US" sz="1200" u="none" strike="noStrike" dirty="0">
+                          <a:effectLst/>
+                        </a:rPr>
+                        <a:t>sort top 100 most review users in Canada, then take 5 random users and select one.</a:t>
+                      </a:r>
+                      <a:endParaRPr lang="en-CA" sz="1200" b="0" i="0" u="none" strike="noStrike" dirty="0">
+                        <a:solidFill>
+                          <a:srgbClr val="000000"/>
+                        </a:solidFill>
+                        <a:effectLst/>
+                        <a:latin typeface="Arial" panose="020B0604020202020204" pitchFamily="34" charset="0"/>
+                      </a:endParaRPr>
+                    </a:p>
+                  </a:txBody>
+                  <a:tcPr marL="5828" marR="5828" marT="5828" marB="0"/>
+                </a:tc>
+                <a:tc>
+                  <a:txBody>
+                    <a:bodyPr/>
+                    <a:lstStyle/>
+                    <a:p>
+                      <a:pPr marL="0" indent="0" algn="l" rtl="0" fontAlgn="ctr">
+                        <a:buFont typeface="Arial" panose="020B0604020202020204" pitchFamily="34" charset="0"/>
+                        <a:buNone/>
+                      </a:pPr>
+                      <a:endParaRPr lang="en-CA" sz="1200" b="0" i="0" u="none" strike="noStrike" dirty="0">
+                        <a:solidFill>
+                          <a:srgbClr val="000000"/>
+                        </a:solidFill>
+                        <a:effectLst/>
+                        <a:latin typeface="Arial" panose="020B0604020202020204" pitchFamily="34" charset="0"/>
+                      </a:endParaRPr>
+                    </a:p>
+                  </a:txBody>
+                  <a:tcPr marL="5828" marR="5828" marT="5828" marB="0"/>
+                </a:tc>
+                <a:extLst>
+                  <a:ext uri="{0D108BD9-81ED-4DB2-BD59-A6C34878D82A}">
+                    <a16:rowId xmlns:a16="http://schemas.microsoft.com/office/drawing/2014/main" val="4285483050"/>
+                  </a:ext>
+                </a:extLst>
+              </a:tr>
+              <a:tr h="1799955">
+                <a:tc>
+                  <a:txBody>
+                    <a:bodyPr/>
+                    <a:lstStyle/>
+                    <a:p>
+                      <a:pPr algn="ctr" rtl="0" fontAlgn="ctr"/>
+                      <a:r>
+                        <a:rPr lang="en-CA" sz="1200" b="1" u="none" strike="noStrike" dirty="0">
+                          <a:effectLst/>
+                        </a:rPr>
+                        <a:t>Step 2</a:t>
+                      </a:r>
+                      <a:endParaRPr lang="en-CA" sz="1200" b="0" i="0" u="none" strike="noStrike" dirty="0">
+                        <a:solidFill>
+                          <a:srgbClr val="000000"/>
+                        </a:solidFill>
+                        <a:effectLst/>
+                        <a:latin typeface="Arial" panose="020B0604020202020204" pitchFamily="34" charset="0"/>
+                      </a:endParaRPr>
+                    </a:p>
+                  </a:txBody>
+                  <a:tcPr marL="5828" marR="5828" marT="5828" marB="0">
+                    <a:solidFill>
+                      <a:schemeClr val="bg2">
+                        <a:lumMod val="20000"/>
+                        <a:lumOff val="80000"/>
+                      </a:schemeClr>
+                    </a:solidFill>
+                  </a:tcPr>
+                </a:tc>
+                <a:tc>
+                  <a:txBody>
+                    <a:bodyPr/>
+                    <a:lstStyle/>
+                    <a:p>
+                      <a:pPr marL="171450" indent="-171450" algn="l" rtl="0" fontAlgn="ctr">
+                        <a:buFont typeface="Arial" panose="020B0604020202020204" pitchFamily="34" charset="0"/>
+                        <a:buChar char="•"/>
+                      </a:pPr>
+                      <a:r>
+                        <a:rPr lang="en-CA" sz="1200" u="none" strike="noStrike" dirty="0">
+                          <a:effectLst/>
+                        </a:rPr>
+                        <a:t>To make sure the user’s rating history and their restaurant choices are relevant, we find the base city AND top most reviewed postal codes of the user based on their rating history.</a:t>
+                      </a:r>
+                    </a:p>
+                    <a:p>
+                      <a:pPr marL="0" indent="0" algn="l" rtl="0" fontAlgn="ctr">
+                        <a:buFont typeface="Arial" panose="020B0604020202020204" pitchFamily="34" charset="0"/>
+                        <a:buNone/>
+                      </a:pPr>
+                      <a:endParaRPr lang="en-CA" sz="1200" u="none" strike="noStrike" dirty="0">
+                        <a:effectLst/>
+                      </a:endParaRPr>
+                    </a:p>
+                    <a:p>
+                      <a:pPr marL="171450" indent="-171450" algn="l" rtl="0" fontAlgn="ctr">
+                        <a:buFont typeface="Arial" panose="020B0604020202020204" pitchFamily="34" charset="0"/>
+                        <a:buChar char="•"/>
+                      </a:pPr>
+                      <a:r>
+                        <a:rPr lang="en-CA" sz="1200" u="none" strike="noStrike" dirty="0">
+                          <a:effectLst/>
+                        </a:rPr>
+                        <a:t>We then prompt the user input their location (select one of the top postal codes)</a:t>
+                      </a:r>
+                      <a:r>
+                        <a:rPr lang="en-US" sz="1200" u="none" strike="noStrike" dirty="0">
+                          <a:effectLst/>
+                        </a:rPr>
+                        <a:t>.</a:t>
+                      </a:r>
+                      <a:endParaRPr lang="en-CA" sz="1200" b="0" i="0" u="none" strike="noStrike" dirty="0">
+                        <a:solidFill>
+                          <a:srgbClr val="000000"/>
+                        </a:solidFill>
+                        <a:effectLst/>
+                        <a:latin typeface="Arial" panose="020B0604020202020204" pitchFamily="34" charset="0"/>
+                      </a:endParaRPr>
+                    </a:p>
+                  </a:txBody>
+                  <a:tcPr marL="5828" marR="5828" marT="5828" marB="0">
+                    <a:solidFill>
+                      <a:schemeClr val="bg2">
+                        <a:lumMod val="20000"/>
+                        <a:lumOff val="80000"/>
+                      </a:schemeClr>
+                    </a:solidFill>
+                  </a:tcPr>
+                </a:tc>
+                <a:tc>
+                  <a:txBody>
+                    <a:bodyPr/>
+                    <a:lstStyle/>
+                    <a:p>
+                      <a:pPr algn="l" rtl="0" fontAlgn="ctr"/>
+                      <a:endParaRPr lang="en-CA" sz="1200" b="0" i="0" u="none" strike="noStrike" dirty="0">
+                        <a:solidFill>
+                          <a:srgbClr val="000000"/>
+                        </a:solidFill>
+                        <a:effectLst/>
+                        <a:latin typeface="Arial" panose="020B0604020202020204" pitchFamily="34" charset="0"/>
+                      </a:endParaRPr>
+                    </a:p>
+                  </a:txBody>
+                  <a:tcPr marL="5828" marR="5828" marT="5828" marB="0">
+                    <a:solidFill>
+                      <a:schemeClr val="bg2">
+                        <a:lumMod val="20000"/>
+                        <a:lumOff val="80000"/>
+                      </a:schemeClr>
+                    </a:solidFill>
+                  </a:tcPr>
+                </a:tc>
+                <a:extLst>
+                  <a:ext uri="{0D108BD9-81ED-4DB2-BD59-A6C34878D82A}">
+                    <a16:rowId xmlns:a16="http://schemas.microsoft.com/office/drawing/2014/main" val="3472944759"/>
+                  </a:ext>
+                </a:extLst>
+              </a:tr>
+            </a:tbl>
+          </a:graphicData>
+        </a:graphic>
+      </p:graphicFrame>
+      <p:sp>
+        <p:nvSpPr>
+          <p:cNvPr id="15" name="Text Placeholder 5">
+            <a:hlinkClick r:id="" action="ppaction://noaction"/>
+            <a:extLst>
+              <a:ext uri="{FF2B5EF4-FFF2-40B4-BE49-F238E27FC236}">
+                <a16:creationId xmlns:a16="http://schemas.microsoft.com/office/drawing/2014/main" id="{A4A368A2-E5DE-4DA3-B254-BDCA38E15E5A}"/>
+              </a:ext>
+            </a:extLst>
+          </p:cNvPr>
+          <p:cNvSpPr txBox="1">
+            <a:spLocks/>
+          </p:cNvSpPr>
+          <p:nvPr/>
+        </p:nvSpPr>
+        <p:spPr>
+          <a:xfrm>
+            <a:off x="10318114" y="1716090"/>
+            <a:ext cx="1769109" cy="184666"/>
+          </a:xfrm>
+          <a:prstGeom prst="rect">
+            <a:avLst/>
+          </a:prstGeom>
+        </p:spPr>
+        <p:txBody>
+          <a:bodyPr vert="horz" wrap="square" lIns="0" tIns="0" rIns="0" bIns="0" rtlCol="0">
+            <a:spAutoFit/>
+          </a:bodyPr>
+          <a:lstStyle>
+            <a:defPPr>
+              <a:defRPr lang="de-DE"/>
+            </a:defPPr>
+            <a:lvl1pPr indent="0">
+              <a:spcBef>
+                <a:spcPts val="600"/>
+              </a:spcBef>
+              <a:spcAft>
+                <a:spcPts val="0"/>
+              </a:spcAft>
+              <a:buSzPct val="100000"/>
+              <a:buFont typeface="Arial" panose="020B0604020202020204" pitchFamily="34" charset="0"/>
+              <a:buNone/>
+              <a:tabLst>
+                <a:tab pos="6705432" algn="r"/>
+              </a:tabLst>
+              <a:defRPr sz="1200" b="0"/>
+            </a:lvl1pPr>
+            <a:lvl2pPr marL="0" indent="0">
+              <a:spcBef>
+                <a:spcPts val="600"/>
+              </a:spcBef>
+              <a:spcAft>
+                <a:spcPts val="600"/>
+              </a:spcAft>
+              <a:buClrTx/>
+              <a:buFont typeface="Arial"/>
+              <a:buNone/>
+              <a:tabLst>
+                <a:tab pos="6705432" algn="r"/>
+              </a:tabLst>
+              <a:defRPr sz="1200" b="1"/>
+            </a:lvl2pPr>
+            <a:lvl3pPr marL="180000" indent="-180000">
+              <a:spcBef>
+                <a:spcPts val="600"/>
+              </a:spcBef>
+              <a:spcAft>
+                <a:spcPts val="600"/>
+              </a:spcAft>
+              <a:buClrTx/>
+              <a:buSzPct val="100000"/>
+              <a:buFont typeface="Arial" panose="020B0604020202020204" pitchFamily="34" charset="0"/>
+              <a:buChar char="•"/>
+              <a:tabLst>
+                <a:tab pos="6705432" algn="r"/>
+              </a:tabLst>
+              <a:defRPr sz="1200"/>
+            </a:lvl3pPr>
+            <a:lvl4pPr marL="360000" indent="-180000">
+              <a:spcBef>
+                <a:spcPts val="600"/>
+              </a:spcBef>
+              <a:spcAft>
+                <a:spcPts val="600"/>
+              </a:spcAft>
+              <a:buClrTx/>
+              <a:buSzPct val="100000"/>
+              <a:buFont typeface="Verdana" panose="020B0604030504040204" pitchFamily="34" charset="0"/>
+              <a:buChar char="−"/>
+              <a:tabLst>
+                <a:tab pos="6705432" algn="r"/>
+              </a:tabLst>
+              <a:defRPr sz="1200" baseline="0"/>
+            </a:lvl4pPr>
+            <a:lvl5pPr marL="540000" indent="-180000" defTabSz="1064657">
+              <a:spcBef>
+                <a:spcPts val="600"/>
+              </a:spcBef>
+              <a:spcAft>
+                <a:spcPts val="600"/>
+              </a:spcAft>
+              <a:buClrTx/>
+              <a:buSzPct val="100000"/>
+              <a:buFont typeface="Arial" panose="020B0604020202020204" pitchFamily="34" charset="0"/>
+              <a:buChar char="•"/>
+              <a:tabLst>
+                <a:tab pos="6705432" algn="r"/>
+              </a:tabLst>
+              <a:defRPr baseline="0"/>
+            </a:lvl5pPr>
+            <a:lvl6pPr marL="710382" indent="-235194">
+              <a:spcBef>
+                <a:spcPts val="0"/>
+              </a:spcBef>
+              <a:spcAft>
+                <a:spcPts val="1333"/>
+              </a:spcAft>
+              <a:buFont typeface="Verdana" panose="020B0604030504040204" pitchFamily="34" charset="0"/>
+              <a:buChar char="−"/>
+              <a:defRPr sz="1600" baseline="0"/>
+            </a:lvl6pPr>
+            <a:lvl7pPr marL="710382" indent="-235194">
+              <a:spcBef>
+                <a:spcPts val="0"/>
+              </a:spcBef>
+              <a:spcAft>
+                <a:spcPts val="1333"/>
+              </a:spcAft>
+              <a:buFont typeface="Verdana" panose="020B0604030504040204" pitchFamily="34" charset="0"/>
+              <a:buChar char="−"/>
+              <a:defRPr sz="1600"/>
+            </a:lvl7pPr>
+            <a:lvl8pPr marL="710382" indent="-235194">
+              <a:spcBef>
+                <a:spcPts val="0"/>
+              </a:spcBef>
+              <a:spcAft>
+                <a:spcPts val="1333"/>
+              </a:spcAft>
+              <a:buFont typeface="Verdana" panose="020B0604030504040204" pitchFamily="34" charset="0"/>
+              <a:buChar char="−"/>
+              <a:defRPr sz="1600" baseline="0"/>
+            </a:lvl8pPr>
+            <a:lvl9pPr marL="710382" indent="-235194">
+              <a:spcBef>
+                <a:spcPts val="0"/>
+              </a:spcBef>
+              <a:spcAft>
+                <a:spcPts val="1333"/>
+              </a:spcAft>
+              <a:buFont typeface="Verdana" panose="020B0604030504040204" pitchFamily="34" charset="0"/>
+              <a:buChar char="−"/>
+              <a:defRPr sz="1600" baseline="0"/>
+            </a:lvl9pPr>
+          </a:lstStyle>
+          <a:p>
+            <a:r>
+              <a:rPr lang="en-US" dirty="0"/>
+              <a:t>Project Overview	</a:t>
+            </a:r>
+          </a:p>
+        </p:txBody>
+      </p:sp>
+      <p:sp>
+        <p:nvSpPr>
+          <p:cNvPr id="16" name="Text Placeholder 5">
+            <a:hlinkClick r:id="" action="ppaction://noaction"/>
+            <a:extLst>
+              <a:ext uri="{FF2B5EF4-FFF2-40B4-BE49-F238E27FC236}">
+                <a16:creationId xmlns:a16="http://schemas.microsoft.com/office/drawing/2014/main" id="{A33CA968-FFD2-4AFB-93CB-8C91AC2CB1B1}"/>
+              </a:ext>
+            </a:extLst>
+          </p:cNvPr>
+          <p:cNvSpPr txBox="1">
+            <a:spLocks/>
+          </p:cNvSpPr>
+          <p:nvPr/>
+        </p:nvSpPr>
+        <p:spPr>
+          <a:xfrm>
+            <a:off x="10318115" y="2052096"/>
+            <a:ext cx="1724660" cy="184666"/>
+          </a:xfrm>
+          <a:prstGeom prst="rect">
+            <a:avLst/>
+          </a:prstGeom>
+        </p:spPr>
+        <p:txBody>
+          <a:bodyPr vert="horz" wrap="square" lIns="0" tIns="0" rIns="0" bIns="0" rtlCol="0">
+            <a:spAutoFit/>
+          </a:bodyPr>
+          <a:lstStyle>
+            <a:defPPr>
+              <a:defRPr lang="de-DE"/>
+            </a:defPPr>
+            <a:lvl1pPr indent="0">
+              <a:spcBef>
+                <a:spcPts val="600"/>
+              </a:spcBef>
+              <a:spcAft>
+                <a:spcPts val="0"/>
+              </a:spcAft>
+              <a:buSzPct val="100000"/>
+              <a:buFont typeface="Arial" panose="020B0604020202020204" pitchFamily="34" charset="0"/>
+              <a:buNone/>
+              <a:tabLst>
+                <a:tab pos="6705432" algn="r"/>
+              </a:tabLst>
+              <a:defRPr sz="1200" b="0"/>
+            </a:lvl1pPr>
+            <a:lvl2pPr marL="0" indent="0">
+              <a:spcBef>
+                <a:spcPts val="600"/>
+              </a:spcBef>
+              <a:spcAft>
+                <a:spcPts val="600"/>
+              </a:spcAft>
+              <a:buClrTx/>
+              <a:buFont typeface="Arial"/>
+              <a:buNone/>
+              <a:tabLst>
+                <a:tab pos="6705432" algn="r"/>
+              </a:tabLst>
+              <a:defRPr sz="1200" b="1"/>
+            </a:lvl2pPr>
+            <a:lvl3pPr marL="180000" indent="-180000">
+              <a:spcBef>
+                <a:spcPts val="600"/>
+              </a:spcBef>
+              <a:spcAft>
+                <a:spcPts val="600"/>
+              </a:spcAft>
+              <a:buClrTx/>
+              <a:buSzPct val="100000"/>
+              <a:buFont typeface="Arial" panose="020B0604020202020204" pitchFamily="34" charset="0"/>
+              <a:buChar char="•"/>
+              <a:tabLst>
+                <a:tab pos="6705432" algn="r"/>
+              </a:tabLst>
+              <a:defRPr sz="1200"/>
+            </a:lvl3pPr>
+            <a:lvl4pPr marL="360000" indent="-180000">
+              <a:spcBef>
+                <a:spcPts val="600"/>
+              </a:spcBef>
+              <a:spcAft>
+                <a:spcPts val="600"/>
+              </a:spcAft>
+              <a:buClrTx/>
+              <a:buSzPct val="100000"/>
+              <a:buFont typeface="Verdana" panose="020B0604030504040204" pitchFamily="34" charset="0"/>
+              <a:buChar char="−"/>
+              <a:tabLst>
+                <a:tab pos="6705432" algn="r"/>
+              </a:tabLst>
+              <a:defRPr sz="1200" baseline="0"/>
+            </a:lvl4pPr>
+            <a:lvl5pPr marL="540000" indent="-180000" defTabSz="1064657">
+              <a:spcBef>
+                <a:spcPts val="600"/>
+              </a:spcBef>
+              <a:spcAft>
+                <a:spcPts val="600"/>
+              </a:spcAft>
+              <a:buClrTx/>
+              <a:buSzPct val="100000"/>
+              <a:buFont typeface="Arial" panose="020B0604020202020204" pitchFamily="34" charset="0"/>
+              <a:buChar char="•"/>
+              <a:tabLst>
+                <a:tab pos="6705432" algn="r"/>
+              </a:tabLst>
+              <a:defRPr baseline="0"/>
+            </a:lvl5pPr>
+            <a:lvl6pPr marL="710382" indent="-235194">
+              <a:spcBef>
+                <a:spcPts val="0"/>
+              </a:spcBef>
+              <a:spcAft>
+                <a:spcPts val="1333"/>
+              </a:spcAft>
+              <a:buFont typeface="Verdana" panose="020B0604030504040204" pitchFamily="34" charset="0"/>
+              <a:buChar char="−"/>
+              <a:defRPr sz="1600" baseline="0"/>
+            </a:lvl6pPr>
+            <a:lvl7pPr marL="710382" indent="-235194">
+              <a:spcBef>
+                <a:spcPts val="0"/>
+              </a:spcBef>
+              <a:spcAft>
+                <a:spcPts val="1333"/>
+              </a:spcAft>
+              <a:buFont typeface="Verdana" panose="020B0604030504040204" pitchFamily="34" charset="0"/>
+              <a:buChar char="−"/>
+              <a:defRPr sz="1600"/>
+            </a:lvl7pPr>
+            <a:lvl8pPr marL="710382" indent="-235194">
+              <a:spcBef>
+                <a:spcPts val="0"/>
+              </a:spcBef>
+              <a:spcAft>
+                <a:spcPts val="1333"/>
+              </a:spcAft>
+              <a:buFont typeface="Verdana" panose="020B0604030504040204" pitchFamily="34" charset="0"/>
+              <a:buChar char="−"/>
+              <a:defRPr sz="1600" baseline="0"/>
+            </a:lvl8pPr>
+            <a:lvl9pPr marL="710382" indent="-235194">
+              <a:spcBef>
+                <a:spcPts val="0"/>
+              </a:spcBef>
+              <a:spcAft>
+                <a:spcPts val="1333"/>
+              </a:spcAft>
+              <a:buFont typeface="Verdana" panose="020B0604030504040204" pitchFamily="34" charset="0"/>
+              <a:buChar char="−"/>
+              <a:defRPr sz="1600" baseline="0"/>
+            </a:lvl9pPr>
+          </a:lstStyle>
+          <a:p>
+            <a:r>
+              <a:rPr lang="en-US" dirty="0"/>
+              <a:t>Dataset &amp; Methods Used</a:t>
+            </a:r>
+          </a:p>
+        </p:txBody>
+      </p:sp>
+      <p:sp>
+        <p:nvSpPr>
+          <p:cNvPr id="17" name="Text Placeholder 5">
+            <a:hlinkClick r:id="" action="ppaction://noaction"/>
+            <a:extLst>
+              <a:ext uri="{FF2B5EF4-FFF2-40B4-BE49-F238E27FC236}">
+                <a16:creationId xmlns:a16="http://schemas.microsoft.com/office/drawing/2014/main" id="{8B8C4DAF-99C4-4262-91CC-5B0E54DB46E3}"/>
+              </a:ext>
+            </a:extLst>
+          </p:cNvPr>
+          <p:cNvSpPr txBox="1">
+            <a:spLocks/>
+          </p:cNvSpPr>
+          <p:nvPr/>
+        </p:nvSpPr>
+        <p:spPr>
+          <a:xfrm>
+            <a:off x="10318114" y="2724107"/>
+            <a:ext cx="1724660" cy="184666"/>
+          </a:xfrm>
+          <a:prstGeom prst="rect">
+            <a:avLst/>
+          </a:prstGeom>
+        </p:spPr>
+        <p:txBody>
+          <a:bodyPr vert="horz" wrap="square" lIns="0" tIns="0" rIns="0" bIns="0" rtlCol="0">
+            <a:spAutoFit/>
+          </a:bodyPr>
+          <a:lstStyle>
+            <a:defPPr>
+              <a:defRPr lang="en-US"/>
+            </a:defPPr>
+            <a:lvl1pPr indent="0">
+              <a:spcBef>
+                <a:spcPts val="600"/>
+              </a:spcBef>
+              <a:spcAft>
+                <a:spcPts val="0"/>
+              </a:spcAft>
+              <a:buSzPct val="100000"/>
+              <a:buFont typeface="Arial" panose="020B0604020202020204" pitchFamily="34" charset="0"/>
+              <a:buNone/>
+              <a:tabLst>
+                <a:tab pos="6705432" algn="r"/>
+              </a:tabLst>
+              <a:defRPr sz="1100" b="0">
+                <a:solidFill>
+                  <a:srgbClr val="BBBCBC"/>
+                </a:solidFill>
+              </a:defRPr>
+            </a:lvl1pPr>
+            <a:lvl2pPr marL="0" indent="0">
+              <a:spcBef>
+                <a:spcPts val="600"/>
+              </a:spcBef>
+              <a:spcAft>
+                <a:spcPts val="600"/>
+              </a:spcAft>
+              <a:buClrTx/>
+              <a:buSzPct val="100000"/>
+              <a:buFont typeface="Arial"/>
+              <a:buNone/>
+              <a:tabLst>
+                <a:tab pos="6705432" algn="r"/>
+              </a:tabLst>
+              <a:defRPr sz="1200" b="1"/>
+            </a:lvl2pPr>
+            <a:lvl3pPr marL="180000" indent="-180000">
+              <a:spcBef>
+                <a:spcPts val="600"/>
+              </a:spcBef>
+              <a:spcAft>
+                <a:spcPts val="600"/>
+              </a:spcAft>
+              <a:buClrTx/>
+              <a:buSzPct val="100000"/>
+              <a:buFont typeface="Arial" panose="020B0604020202020204" pitchFamily="34" charset="0"/>
+              <a:buChar char="•"/>
+              <a:tabLst>
+                <a:tab pos="6705432" algn="r"/>
+              </a:tabLst>
+              <a:defRPr sz="1200"/>
+            </a:lvl3pPr>
+            <a:lvl4pPr marL="360000" indent="-180000">
+              <a:spcBef>
+                <a:spcPts val="600"/>
+              </a:spcBef>
+              <a:spcAft>
+                <a:spcPts val="600"/>
+              </a:spcAft>
+              <a:buClrTx/>
+              <a:buSzPct val="100000"/>
+              <a:buFont typeface="Verdana" panose="020B0604030504040204" pitchFamily="34" charset="0"/>
+              <a:buChar char="−"/>
+              <a:tabLst>
+                <a:tab pos="6705432" algn="r"/>
+              </a:tabLst>
+              <a:defRPr sz="1200" baseline="0"/>
+            </a:lvl4pPr>
+            <a:lvl5pPr marL="540000" indent="-180000" defTabSz="1064657">
+              <a:spcBef>
+                <a:spcPts val="600"/>
+              </a:spcBef>
+              <a:spcAft>
+                <a:spcPts val="600"/>
+              </a:spcAft>
+              <a:buClrTx/>
+              <a:buSzPct val="100000"/>
+              <a:buFont typeface="Arial" panose="020B0604020202020204" pitchFamily="34" charset="0"/>
+              <a:buChar char="•"/>
+              <a:tabLst>
+                <a:tab pos="6705432" algn="r"/>
+              </a:tabLst>
+              <a:defRPr sz="1200" baseline="0"/>
+            </a:lvl5pPr>
+            <a:lvl6pPr marL="710382" indent="-235194">
+              <a:spcBef>
+                <a:spcPts val="0"/>
+              </a:spcBef>
+              <a:spcAft>
+                <a:spcPts val="1333"/>
+              </a:spcAft>
+              <a:buFont typeface="Verdana" panose="020B0604030504040204" pitchFamily="34" charset="0"/>
+              <a:buChar char="−"/>
+              <a:defRPr sz="1600" baseline="0"/>
+            </a:lvl6pPr>
+            <a:lvl7pPr marL="710382" indent="-235194">
+              <a:spcBef>
+                <a:spcPts val="0"/>
+              </a:spcBef>
+              <a:spcAft>
+                <a:spcPts val="1333"/>
+              </a:spcAft>
+              <a:buFont typeface="Verdana" panose="020B0604030504040204" pitchFamily="34" charset="0"/>
+              <a:buChar char="−"/>
+              <a:defRPr sz="1600"/>
+            </a:lvl7pPr>
+            <a:lvl8pPr marL="710382" indent="-235194">
+              <a:spcBef>
+                <a:spcPts val="0"/>
+              </a:spcBef>
+              <a:spcAft>
+                <a:spcPts val="1333"/>
+              </a:spcAft>
+              <a:buFont typeface="Verdana" panose="020B0604030504040204" pitchFamily="34" charset="0"/>
+              <a:buChar char="−"/>
+              <a:defRPr sz="1600" baseline="0"/>
+            </a:lvl8pPr>
+            <a:lvl9pPr marL="710382" indent="-235194">
+              <a:spcBef>
+                <a:spcPts val="0"/>
+              </a:spcBef>
+              <a:spcAft>
+                <a:spcPts val="1333"/>
+              </a:spcAft>
+              <a:buFont typeface="Verdana" panose="020B0604030504040204" pitchFamily="34" charset="0"/>
+              <a:buChar char="−"/>
+              <a:defRPr sz="1600" baseline="0"/>
+            </a:lvl9pPr>
+          </a:lstStyle>
+          <a:p>
+            <a:r>
+              <a:rPr lang="en-US" sz="1200" dirty="0">
+                <a:solidFill>
+                  <a:schemeClr val="tx1"/>
+                </a:solidFill>
+              </a:rPr>
+              <a:t>Issue Explanations</a:t>
+            </a:r>
+          </a:p>
+        </p:txBody>
+      </p:sp>
+      <p:sp>
+        <p:nvSpPr>
+          <p:cNvPr id="18" name="Text Placeholder 5">
+            <a:hlinkClick r:id="" action="ppaction://noaction"/>
+            <a:extLst>
+              <a:ext uri="{FF2B5EF4-FFF2-40B4-BE49-F238E27FC236}">
+                <a16:creationId xmlns:a16="http://schemas.microsoft.com/office/drawing/2014/main" id="{6D97FFD9-49A8-4789-A24D-A1F8AF9250F4}"/>
+              </a:ext>
+            </a:extLst>
+          </p:cNvPr>
+          <p:cNvSpPr txBox="1">
+            <a:spLocks/>
+          </p:cNvSpPr>
+          <p:nvPr/>
+        </p:nvSpPr>
+        <p:spPr>
+          <a:xfrm>
+            <a:off x="10318114" y="2388102"/>
+            <a:ext cx="1724660" cy="184666"/>
+          </a:xfrm>
+          <a:prstGeom prst="rect">
+            <a:avLst/>
+          </a:prstGeom>
+        </p:spPr>
+        <p:txBody>
+          <a:bodyPr vert="horz" wrap="square" lIns="0" tIns="0" rIns="0" bIns="0" rtlCol="0">
+            <a:spAutoFit/>
+          </a:bodyPr>
+          <a:lstStyle>
+            <a:defPPr>
+              <a:defRPr lang="en-US"/>
+            </a:defPPr>
+            <a:lvl1pPr indent="0">
+              <a:spcBef>
+                <a:spcPts val="600"/>
+              </a:spcBef>
+              <a:spcAft>
+                <a:spcPts val="0"/>
+              </a:spcAft>
+              <a:buSzPct val="100000"/>
+              <a:buFont typeface="Arial" panose="020B0604020202020204" pitchFamily="34" charset="0"/>
+              <a:buNone/>
+              <a:tabLst>
+                <a:tab pos="6705432" algn="r"/>
+              </a:tabLst>
+              <a:defRPr sz="1100" b="0">
+                <a:solidFill>
+                  <a:srgbClr val="BBBCBC"/>
+                </a:solidFill>
+              </a:defRPr>
+            </a:lvl1pPr>
+            <a:lvl2pPr marL="0" indent="0">
+              <a:spcBef>
+                <a:spcPts val="600"/>
+              </a:spcBef>
+              <a:spcAft>
+                <a:spcPts val="600"/>
+              </a:spcAft>
+              <a:buClrTx/>
+              <a:buSzPct val="100000"/>
+              <a:buFont typeface="Arial"/>
+              <a:buNone/>
+              <a:tabLst>
+                <a:tab pos="6705432" algn="r"/>
+              </a:tabLst>
+              <a:defRPr sz="1200" b="1"/>
+            </a:lvl2pPr>
+            <a:lvl3pPr marL="180000" indent="-180000">
+              <a:spcBef>
+                <a:spcPts val="600"/>
+              </a:spcBef>
+              <a:spcAft>
+                <a:spcPts val="600"/>
+              </a:spcAft>
+              <a:buClrTx/>
+              <a:buSzPct val="100000"/>
+              <a:buFont typeface="Arial" panose="020B0604020202020204" pitchFamily="34" charset="0"/>
+              <a:buChar char="•"/>
+              <a:tabLst>
+                <a:tab pos="6705432" algn="r"/>
+              </a:tabLst>
+              <a:defRPr sz="1200"/>
+            </a:lvl3pPr>
+            <a:lvl4pPr marL="360000" indent="-180000">
+              <a:spcBef>
+                <a:spcPts val="600"/>
+              </a:spcBef>
+              <a:spcAft>
+                <a:spcPts val="600"/>
+              </a:spcAft>
+              <a:buClrTx/>
+              <a:buSzPct val="100000"/>
+              <a:buFont typeface="Verdana" panose="020B0604030504040204" pitchFamily="34" charset="0"/>
+              <a:buChar char="−"/>
+              <a:tabLst>
+                <a:tab pos="6705432" algn="r"/>
+              </a:tabLst>
+              <a:defRPr sz="1200" baseline="0"/>
+            </a:lvl4pPr>
+            <a:lvl5pPr marL="540000" indent="-180000" defTabSz="1064657">
+              <a:spcBef>
+                <a:spcPts val="600"/>
+              </a:spcBef>
+              <a:spcAft>
+                <a:spcPts val="600"/>
+              </a:spcAft>
+              <a:buClrTx/>
+              <a:buSzPct val="100000"/>
+              <a:buFont typeface="Arial" panose="020B0604020202020204" pitchFamily="34" charset="0"/>
+              <a:buChar char="•"/>
+              <a:tabLst>
+                <a:tab pos="6705432" algn="r"/>
+              </a:tabLst>
+              <a:defRPr sz="1200" baseline="0"/>
+            </a:lvl5pPr>
+            <a:lvl6pPr marL="710382" indent="-235194">
+              <a:spcBef>
+                <a:spcPts val="0"/>
+              </a:spcBef>
+              <a:spcAft>
+                <a:spcPts val="1333"/>
+              </a:spcAft>
+              <a:buFont typeface="Verdana" panose="020B0604030504040204" pitchFamily="34" charset="0"/>
+              <a:buChar char="−"/>
+              <a:defRPr sz="1600" baseline="0"/>
+            </a:lvl6pPr>
+            <a:lvl7pPr marL="710382" indent="-235194">
+              <a:spcBef>
+                <a:spcPts val="0"/>
+              </a:spcBef>
+              <a:spcAft>
+                <a:spcPts val="1333"/>
+              </a:spcAft>
+              <a:buFont typeface="Verdana" panose="020B0604030504040204" pitchFamily="34" charset="0"/>
+              <a:buChar char="−"/>
+              <a:defRPr sz="1600"/>
+            </a:lvl7pPr>
+            <a:lvl8pPr marL="710382" indent="-235194">
+              <a:spcBef>
+                <a:spcPts val="0"/>
+              </a:spcBef>
+              <a:spcAft>
+                <a:spcPts val="1333"/>
+              </a:spcAft>
+              <a:buFont typeface="Verdana" panose="020B0604030504040204" pitchFamily="34" charset="0"/>
+              <a:buChar char="−"/>
+              <a:defRPr sz="1600" baseline="0"/>
+            </a:lvl8pPr>
+            <a:lvl9pPr marL="710382" indent="-235194">
+              <a:spcBef>
+                <a:spcPts val="0"/>
+              </a:spcBef>
+              <a:spcAft>
+                <a:spcPts val="1333"/>
+              </a:spcAft>
+              <a:buFont typeface="Verdana" panose="020B0604030504040204" pitchFamily="34" charset="0"/>
+              <a:buChar char="−"/>
+              <a:defRPr sz="1600" baseline="0"/>
+            </a:lvl9pPr>
+          </a:lstStyle>
+          <a:p>
+            <a:r>
+              <a:rPr lang="en-US" sz="1200" b="1" dirty="0">
+                <a:solidFill>
+                  <a:srgbClr val="FFC000"/>
+                </a:solidFill>
+              </a:rPr>
+              <a:t>Algorithm &amp; App Result</a:t>
+            </a:r>
+          </a:p>
+        </p:txBody>
+      </p:sp>
+      <p:sp>
+        <p:nvSpPr>
+          <p:cNvPr id="19" name="Text Placeholder 5">
+            <a:hlinkClick r:id="" action="ppaction://noaction"/>
+            <a:extLst>
+              <a:ext uri="{FF2B5EF4-FFF2-40B4-BE49-F238E27FC236}">
+                <a16:creationId xmlns:a16="http://schemas.microsoft.com/office/drawing/2014/main" id="{5D8B0DB3-515C-4B59-9340-07BDDC8FC0AD}"/>
+              </a:ext>
+            </a:extLst>
+          </p:cNvPr>
+          <p:cNvSpPr txBox="1">
+            <a:spLocks/>
+          </p:cNvSpPr>
+          <p:nvPr/>
+        </p:nvSpPr>
+        <p:spPr>
+          <a:xfrm>
+            <a:off x="10318113" y="3082494"/>
+            <a:ext cx="1724660" cy="184666"/>
+          </a:xfrm>
+          <a:prstGeom prst="rect">
+            <a:avLst/>
+          </a:prstGeom>
+        </p:spPr>
+        <p:txBody>
+          <a:bodyPr vert="horz" wrap="square" lIns="0" tIns="0" rIns="0" bIns="0" rtlCol="0">
+            <a:spAutoFit/>
+          </a:bodyPr>
+          <a:lstStyle>
+            <a:defPPr>
+              <a:defRPr lang="en-US"/>
+            </a:defPPr>
+            <a:lvl1pPr indent="0">
+              <a:spcBef>
+                <a:spcPts val="600"/>
+              </a:spcBef>
+              <a:spcAft>
+                <a:spcPts val="0"/>
+              </a:spcAft>
+              <a:buSzPct val="100000"/>
+              <a:buFont typeface="Arial" panose="020B0604020202020204" pitchFamily="34" charset="0"/>
+              <a:buNone/>
+              <a:tabLst>
+                <a:tab pos="6705432" algn="r"/>
+              </a:tabLst>
+              <a:defRPr sz="1100" b="0">
+                <a:solidFill>
+                  <a:srgbClr val="BBBCBC"/>
+                </a:solidFill>
+              </a:defRPr>
+            </a:lvl1pPr>
+            <a:lvl2pPr marL="0" indent="0">
+              <a:spcBef>
+                <a:spcPts val="600"/>
+              </a:spcBef>
+              <a:spcAft>
+                <a:spcPts val="600"/>
+              </a:spcAft>
+              <a:buClrTx/>
+              <a:buSzPct val="100000"/>
+              <a:buFont typeface="Arial"/>
+              <a:buNone/>
+              <a:tabLst>
+                <a:tab pos="6705432" algn="r"/>
+              </a:tabLst>
+              <a:defRPr sz="1200" b="1"/>
+            </a:lvl2pPr>
+            <a:lvl3pPr marL="180000" indent="-180000">
+              <a:spcBef>
+                <a:spcPts val="600"/>
+              </a:spcBef>
+              <a:spcAft>
+                <a:spcPts val="600"/>
+              </a:spcAft>
+              <a:buClrTx/>
+              <a:buSzPct val="100000"/>
+              <a:buFont typeface="Arial" panose="020B0604020202020204" pitchFamily="34" charset="0"/>
+              <a:buChar char="•"/>
+              <a:tabLst>
+                <a:tab pos="6705432" algn="r"/>
+              </a:tabLst>
+              <a:defRPr sz="1200"/>
+            </a:lvl3pPr>
+            <a:lvl4pPr marL="360000" indent="-180000">
+              <a:spcBef>
+                <a:spcPts val="600"/>
+              </a:spcBef>
+              <a:spcAft>
+                <a:spcPts val="600"/>
+              </a:spcAft>
+              <a:buClrTx/>
+              <a:buSzPct val="100000"/>
+              <a:buFont typeface="Verdana" panose="020B0604030504040204" pitchFamily="34" charset="0"/>
+              <a:buChar char="−"/>
+              <a:tabLst>
+                <a:tab pos="6705432" algn="r"/>
+              </a:tabLst>
+              <a:defRPr sz="1200" baseline="0"/>
+            </a:lvl4pPr>
+            <a:lvl5pPr marL="540000" indent="-180000" defTabSz="1064657">
+              <a:spcBef>
+                <a:spcPts val="600"/>
+              </a:spcBef>
+              <a:spcAft>
+                <a:spcPts val="600"/>
+              </a:spcAft>
+              <a:buClrTx/>
+              <a:buSzPct val="100000"/>
+              <a:buFont typeface="Arial" panose="020B0604020202020204" pitchFamily="34" charset="0"/>
+              <a:buChar char="•"/>
+              <a:tabLst>
+                <a:tab pos="6705432" algn="r"/>
+              </a:tabLst>
+              <a:defRPr sz="1200" baseline="0"/>
+            </a:lvl5pPr>
+            <a:lvl6pPr marL="710382" indent="-235194">
+              <a:spcBef>
+                <a:spcPts val="0"/>
+              </a:spcBef>
+              <a:spcAft>
+                <a:spcPts val="1333"/>
+              </a:spcAft>
+              <a:buFont typeface="Verdana" panose="020B0604030504040204" pitchFamily="34" charset="0"/>
+              <a:buChar char="−"/>
+              <a:defRPr sz="1600" baseline="0"/>
+            </a:lvl6pPr>
+            <a:lvl7pPr marL="710382" indent="-235194">
+              <a:spcBef>
+                <a:spcPts val="0"/>
+              </a:spcBef>
+              <a:spcAft>
+                <a:spcPts val="1333"/>
+              </a:spcAft>
+              <a:buFont typeface="Verdana" panose="020B0604030504040204" pitchFamily="34" charset="0"/>
+              <a:buChar char="−"/>
+              <a:defRPr sz="1600"/>
+            </a:lvl7pPr>
+            <a:lvl8pPr marL="710382" indent="-235194">
+              <a:spcBef>
+                <a:spcPts val="0"/>
+              </a:spcBef>
+              <a:spcAft>
+                <a:spcPts val="1333"/>
+              </a:spcAft>
+              <a:buFont typeface="Verdana" panose="020B0604030504040204" pitchFamily="34" charset="0"/>
+              <a:buChar char="−"/>
+              <a:defRPr sz="1600" baseline="0"/>
+            </a:lvl8pPr>
+            <a:lvl9pPr marL="710382" indent="-235194">
+              <a:spcBef>
+                <a:spcPts val="0"/>
+              </a:spcBef>
+              <a:spcAft>
+                <a:spcPts val="1333"/>
+              </a:spcAft>
+              <a:buFont typeface="Verdana" panose="020B0604030504040204" pitchFamily="34" charset="0"/>
+              <a:buChar char="−"/>
+              <a:defRPr sz="1600" baseline="0"/>
+            </a:lvl9pPr>
+          </a:lstStyle>
+          <a:p>
+            <a:r>
+              <a:rPr lang="en-US" sz="1200" dirty="0">
+                <a:solidFill>
+                  <a:schemeClr val="tx1"/>
+                </a:solidFill>
+              </a:rPr>
+              <a:t>Conclusion</a:t>
+            </a:r>
+          </a:p>
+        </p:txBody>
+      </p:sp>
+      <p:graphicFrame>
+        <p:nvGraphicFramePr>
+          <p:cNvPr id="5" name="Table 4">
+            <a:extLst>
+              <a:ext uri="{FF2B5EF4-FFF2-40B4-BE49-F238E27FC236}">
+                <a16:creationId xmlns:a16="http://schemas.microsoft.com/office/drawing/2014/main" id="{8F625750-BC3F-4846-AE33-95DD8E5D76C1}"/>
+              </a:ext>
+            </a:extLst>
+          </p:cNvPr>
+          <p:cNvGraphicFramePr>
+            <a:graphicFrameLocks noGrp="1"/>
+          </p:cNvGraphicFramePr>
+          <p:nvPr>
+            <p:extLst>
+              <p:ext uri="{D42A27DB-BD31-4B8C-83A1-F6EECF244321}">
+                <p14:modId xmlns:p14="http://schemas.microsoft.com/office/powerpoint/2010/main" val="2180746749"/>
+              </p:ext>
+            </p:extLst>
+          </p:nvPr>
+        </p:nvGraphicFramePr>
+        <p:xfrm>
+          <a:off x="4737986" y="2146127"/>
+          <a:ext cx="2554177" cy="1598560"/>
+        </p:xfrm>
+        <a:graphic>
+          <a:graphicData uri="http://schemas.openxmlformats.org/drawingml/2006/table">
+            <a:tbl>
+              <a:tblPr firstRow="1" bandRow="1">
+                <a:tableStyleId>{775DCB02-9BB8-47FD-8907-85C794F793BA}</a:tableStyleId>
+              </a:tblPr>
+              <a:tblGrid>
+                <a:gridCol w="2554177">
+                  <a:extLst>
+                    <a:ext uri="{9D8B030D-6E8A-4147-A177-3AD203B41FA5}">
+                      <a16:colId xmlns:a16="http://schemas.microsoft.com/office/drawing/2014/main" val="2655390216"/>
+                    </a:ext>
+                  </a:extLst>
+                </a:gridCol>
+              </a:tblGrid>
+              <a:tr h="319712">
+                <a:tc>
+                  <a:txBody>
+                    <a:bodyPr/>
+                    <a:lstStyle/>
+                    <a:p>
+                      <a:pPr algn="l" fontAlgn="b"/>
+                      <a:r>
+                        <a:rPr lang="en-US" sz="1400" b="0" i="0" u="none" strike="noStrike" dirty="0">
+                          <a:solidFill>
+                            <a:srgbClr val="000000"/>
+                          </a:solidFill>
+                          <a:effectLst/>
+                          <a:latin typeface="Calibri" panose="020F0502020204030204" pitchFamily="34" charset="0"/>
+                        </a:rPr>
+                        <a:t>1. 65yB0ydGXOZ_-T6J_GbKfw</a:t>
+                      </a:r>
+                    </a:p>
+                  </a:txBody>
+                  <a:tcPr marL="7620" marR="7620" marT="7620" marB="0" anchor="b"/>
+                </a:tc>
+                <a:extLst>
+                  <a:ext uri="{0D108BD9-81ED-4DB2-BD59-A6C34878D82A}">
+                    <a16:rowId xmlns:a16="http://schemas.microsoft.com/office/drawing/2014/main" val="257461835"/>
+                  </a:ext>
+                </a:extLst>
+              </a:tr>
+              <a:tr h="319712">
+                <a:tc>
+                  <a:txBody>
+                    <a:bodyPr/>
+                    <a:lstStyle/>
+                    <a:p>
+                      <a:pPr algn="l" fontAlgn="b"/>
+                      <a:r>
+                        <a:rPr lang="en-US" sz="1400" b="0" i="0" u="none" strike="noStrike" dirty="0">
+                          <a:solidFill>
+                            <a:srgbClr val="000000"/>
+                          </a:solidFill>
+                          <a:effectLst/>
+                          <a:latin typeface="Calibri" panose="020F0502020204030204" pitchFamily="34" charset="0"/>
+                        </a:rPr>
+                        <a:t>2. </a:t>
+                      </a:r>
+                      <a:r>
+                        <a:rPr lang="en-US" sz="1400" b="0" i="0" u="none" strike="noStrike" dirty="0" err="1">
+                          <a:solidFill>
+                            <a:srgbClr val="000000"/>
+                          </a:solidFill>
+                          <a:effectLst/>
+                          <a:latin typeface="Calibri" panose="020F0502020204030204" pitchFamily="34" charset="0"/>
+                        </a:rPr>
+                        <a:t>jnB_saJqNfOmVoCWquhAzg</a:t>
+                      </a:r>
+                      <a:endParaRPr lang="en-US" sz="1400" b="0" i="0" u="none" strike="noStrike" dirty="0">
+                        <a:solidFill>
+                          <a:srgbClr val="000000"/>
+                        </a:solidFill>
+                        <a:effectLst/>
+                        <a:latin typeface="Calibri" panose="020F0502020204030204" pitchFamily="34" charset="0"/>
+                      </a:endParaRPr>
+                    </a:p>
+                  </a:txBody>
+                  <a:tcPr marL="7620" marR="7620" marT="7620" marB="0" anchor="b"/>
+                </a:tc>
+                <a:extLst>
+                  <a:ext uri="{0D108BD9-81ED-4DB2-BD59-A6C34878D82A}">
+                    <a16:rowId xmlns:a16="http://schemas.microsoft.com/office/drawing/2014/main" val="2379566667"/>
+                  </a:ext>
+                </a:extLst>
+              </a:tr>
+              <a:tr h="319712">
+                <a:tc>
+                  <a:txBody>
+                    <a:bodyPr/>
+                    <a:lstStyle/>
+                    <a:p>
+                      <a:pPr algn="l" fontAlgn="b"/>
+                      <a:r>
+                        <a:rPr lang="en-US" sz="1400" b="0" i="0" u="none" strike="noStrike" dirty="0">
+                          <a:solidFill>
+                            <a:srgbClr val="000000"/>
+                          </a:solidFill>
+                          <a:effectLst/>
+                          <a:latin typeface="Calibri" panose="020F0502020204030204" pitchFamily="34" charset="0"/>
+                        </a:rPr>
+                        <a:t>3. iRQ_YKpCBdaCwvc2X8_3NQ</a:t>
+                      </a:r>
+                    </a:p>
+                  </a:txBody>
+                  <a:tcPr marL="7620" marR="7620" marT="7620" marB="0" anchor="b"/>
+                </a:tc>
+                <a:extLst>
+                  <a:ext uri="{0D108BD9-81ED-4DB2-BD59-A6C34878D82A}">
+                    <a16:rowId xmlns:a16="http://schemas.microsoft.com/office/drawing/2014/main" val="996161814"/>
+                  </a:ext>
+                </a:extLst>
+              </a:tr>
+              <a:tr h="319712">
+                <a:tc>
+                  <a:txBody>
+                    <a:bodyPr/>
+                    <a:lstStyle/>
+                    <a:p>
+                      <a:pPr algn="l" fontAlgn="b"/>
+                      <a:r>
+                        <a:rPr lang="en-US" sz="1400" b="0" i="0" u="none" strike="noStrike" dirty="0">
+                          <a:solidFill>
+                            <a:srgbClr val="000000"/>
+                          </a:solidFill>
+                          <a:effectLst/>
+                          <a:latin typeface="Calibri" panose="020F0502020204030204" pitchFamily="34" charset="0"/>
+                        </a:rPr>
+                        <a:t>4. tWBLn4k1M7PLBtAtwAg73g</a:t>
+                      </a:r>
+                    </a:p>
+                  </a:txBody>
+                  <a:tcPr marL="7620" marR="7620" marT="7620" marB="0" anchor="b"/>
+                </a:tc>
+                <a:extLst>
+                  <a:ext uri="{0D108BD9-81ED-4DB2-BD59-A6C34878D82A}">
+                    <a16:rowId xmlns:a16="http://schemas.microsoft.com/office/drawing/2014/main" val="3211208878"/>
+                  </a:ext>
+                </a:extLst>
+              </a:tr>
+              <a:tr h="319712">
+                <a:tc>
+                  <a:txBody>
+                    <a:bodyPr/>
+                    <a:lstStyle/>
+                    <a:p>
+                      <a:pPr algn="l" fontAlgn="b"/>
+                      <a:r>
+                        <a:rPr lang="en-US" sz="1400" b="0" i="0" u="none" strike="noStrike" dirty="0">
+                          <a:solidFill>
+                            <a:srgbClr val="000000"/>
+                          </a:solidFill>
+                          <a:effectLst/>
+                          <a:latin typeface="Calibri" panose="020F0502020204030204" pitchFamily="34" charset="0"/>
+                        </a:rPr>
+                        <a:t>5. Wu0yySWcHQ5tZ_59HNiamg</a:t>
+                      </a:r>
+                    </a:p>
+                  </a:txBody>
+                  <a:tcPr marL="7620" marR="7620" marT="7620" marB="0" anchor="b"/>
+                </a:tc>
+                <a:extLst>
+                  <a:ext uri="{0D108BD9-81ED-4DB2-BD59-A6C34878D82A}">
+                    <a16:rowId xmlns:a16="http://schemas.microsoft.com/office/drawing/2014/main" val="3694635930"/>
+                  </a:ext>
+                </a:extLst>
+              </a:tr>
+            </a:tbl>
+          </a:graphicData>
+        </a:graphic>
+      </p:graphicFrame>
+      <p:sp>
+        <p:nvSpPr>
+          <p:cNvPr id="7" name="Arrow: Left 6">
+            <a:extLst>
+              <a:ext uri="{FF2B5EF4-FFF2-40B4-BE49-F238E27FC236}">
+                <a16:creationId xmlns:a16="http://schemas.microsoft.com/office/drawing/2014/main" id="{1F11CAE4-6390-4463-9465-26C94F7B3341}"/>
+              </a:ext>
+            </a:extLst>
+          </p:cNvPr>
+          <p:cNvSpPr/>
+          <p:nvPr/>
+        </p:nvSpPr>
+        <p:spPr bwMode="gray">
+          <a:xfrm>
+            <a:off x="7292163" y="3148141"/>
+            <a:ext cx="928728" cy="312063"/>
+          </a:xfrm>
+          <a:prstGeom prst="leftArrow">
+            <a:avLst/>
+          </a:prstGeom>
+          <a:solidFill>
+            <a:schemeClr val="accent1"/>
+          </a:solidFill>
+          <a:ln w="6350" algn="ctr">
+            <a:noFill/>
+            <a:miter lim="800000"/>
+            <a:headEnd/>
+            <a:tailEnd/>
+          </a:ln>
+        </p:spPr>
+        <p:txBody>
+          <a:bodyPr lIns="90000" tIns="72000" rIns="90000" bIns="72000" rtlCol="0" anchor="ctr"/>
+          <a:lstStyle/>
+          <a:p>
+            <a:pPr marR="0" algn="ctr" defTabSz="914400" eaLnBrk="1" fontAlgn="base" latinLnBrk="0" hangingPunct="1">
+              <a:lnSpc>
+                <a:spcPct val="100000"/>
+              </a:lnSpc>
+              <a:spcBef>
+                <a:spcPct val="50000"/>
+              </a:spcBef>
+              <a:spcAft>
+                <a:spcPct val="0"/>
+              </a:spcAft>
+              <a:buClr>
+                <a:srgbClr val="F0AB00"/>
+              </a:buClr>
+              <a:buSzPct val="80000"/>
+              <a:tabLst/>
+            </a:pPr>
+            <a:endParaRPr kumimoji="0" lang="en-US" sz="1800" b="0" i="0" u="none" strike="noStrike" kern="0" cap="none" spc="0" normalizeH="0" baseline="0" noProof="0" dirty="0" err="1">
+              <a:ln>
+                <a:noFill/>
+              </a:ln>
+              <a:effectLst/>
+              <a:uLnTx/>
+              <a:uFillTx/>
+              <a:ea typeface="Arial Unicode MS" pitchFamily="34" charset="-128"/>
+              <a:cs typeface="Arial Unicode MS" pitchFamily="34" charset="-128"/>
+            </a:endParaRPr>
+          </a:p>
+        </p:txBody>
+      </p:sp>
+      <p:graphicFrame>
+        <p:nvGraphicFramePr>
+          <p:cNvPr id="8" name="Table 7">
+            <a:extLst>
+              <a:ext uri="{FF2B5EF4-FFF2-40B4-BE49-F238E27FC236}">
+                <a16:creationId xmlns:a16="http://schemas.microsoft.com/office/drawing/2014/main" id="{5170CB7B-E7D3-451C-ACC3-B21D09756AF0}"/>
+              </a:ext>
+            </a:extLst>
+          </p:cNvPr>
+          <p:cNvGraphicFramePr>
+            <a:graphicFrameLocks noGrp="1"/>
+          </p:cNvGraphicFramePr>
+          <p:nvPr>
+            <p:extLst>
+              <p:ext uri="{D42A27DB-BD31-4B8C-83A1-F6EECF244321}">
+                <p14:modId xmlns:p14="http://schemas.microsoft.com/office/powerpoint/2010/main" val="3734400531"/>
+              </p:ext>
+            </p:extLst>
+          </p:nvPr>
+        </p:nvGraphicFramePr>
+        <p:xfrm>
+          <a:off x="4737987" y="4082661"/>
+          <a:ext cx="1549602" cy="1598561"/>
+        </p:xfrm>
+        <a:graphic>
+          <a:graphicData uri="http://schemas.openxmlformats.org/drawingml/2006/table">
+            <a:tbl>
+              <a:tblPr firstRow="1" bandRow="1">
+                <a:tableStyleId>{69C7853C-536D-4A76-A0AE-DD22124D55A5}</a:tableStyleId>
+              </a:tblPr>
+              <a:tblGrid>
+                <a:gridCol w="1549602">
+                  <a:extLst>
+                    <a:ext uri="{9D8B030D-6E8A-4147-A177-3AD203B41FA5}">
+                      <a16:colId xmlns:a16="http://schemas.microsoft.com/office/drawing/2014/main" val="1672189300"/>
+                    </a:ext>
+                  </a:extLst>
+                </a:gridCol>
+              </a:tblGrid>
+              <a:tr h="314885">
+                <a:tc>
+                  <a:txBody>
+                    <a:bodyPr/>
+                    <a:lstStyle/>
+                    <a:p>
+                      <a:pPr algn="l" fontAlgn="b"/>
+                      <a:r>
+                        <a:rPr lang="en-US" sz="1200" u="none" strike="noStrike" dirty="0">
+                          <a:effectLst/>
+                        </a:rPr>
+                        <a:t>1. M8X 1E9</a:t>
+                      </a:r>
+                      <a:endParaRPr lang="en-US" sz="1200" b="0" i="0" u="none" strike="noStrike" dirty="0">
+                        <a:solidFill>
+                          <a:srgbClr val="000000"/>
+                        </a:solidFill>
+                        <a:effectLst/>
+                        <a:latin typeface="Calibri" panose="020F0502020204030204" pitchFamily="34" charset="0"/>
+                      </a:endParaRPr>
+                    </a:p>
+                  </a:txBody>
+                  <a:tcPr marL="7620" marR="7620" marT="7620" marB="0" anchor="b"/>
+                </a:tc>
+                <a:extLst>
+                  <a:ext uri="{0D108BD9-81ED-4DB2-BD59-A6C34878D82A}">
+                    <a16:rowId xmlns:a16="http://schemas.microsoft.com/office/drawing/2014/main" val="2332610841"/>
+                  </a:ext>
+                </a:extLst>
+              </a:tr>
+              <a:tr h="320919">
+                <a:tc>
+                  <a:txBody>
+                    <a:bodyPr/>
+                    <a:lstStyle/>
+                    <a:p>
+                      <a:pPr algn="l" fontAlgn="b"/>
+                      <a:r>
+                        <a:rPr lang="en-US" sz="1200" u="none" strike="noStrike" dirty="0">
+                          <a:effectLst/>
+                        </a:rPr>
+                        <a:t>2. M5A 2L2</a:t>
+                      </a:r>
+                      <a:endParaRPr lang="en-US" sz="1200" b="0" i="0" u="none" strike="noStrike" dirty="0">
+                        <a:solidFill>
+                          <a:srgbClr val="000000"/>
+                        </a:solidFill>
+                        <a:effectLst/>
+                        <a:latin typeface="Calibri" panose="020F0502020204030204" pitchFamily="34" charset="0"/>
+                      </a:endParaRPr>
+                    </a:p>
+                  </a:txBody>
+                  <a:tcPr marL="7620" marR="7620" marT="7620" marB="0" anchor="b"/>
+                </a:tc>
+                <a:extLst>
+                  <a:ext uri="{0D108BD9-81ED-4DB2-BD59-A6C34878D82A}">
+                    <a16:rowId xmlns:a16="http://schemas.microsoft.com/office/drawing/2014/main" val="2605225883"/>
+                  </a:ext>
+                </a:extLst>
+              </a:tr>
+              <a:tr h="320919">
+                <a:tc>
+                  <a:txBody>
+                    <a:bodyPr/>
+                    <a:lstStyle/>
+                    <a:p>
+                      <a:pPr algn="l" fontAlgn="b"/>
+                      <a:r>
+                        <a:rPr lang="en-US" sz="1200" u="none" strike="noStrike" dirty="0">
+                          <a:effectLst/>
+                        </a:rPr>
+                        <a:t>3. M6K 1L4</a:t>
+                      </a:r>
+                      <a:endParaRPr lang="en-US" sz="1200" b="0" i="0" u="none" strike="noStrike" dirty="0">
+                        <a:solidFill>
+                          <a:srgbClr val="000000"/>
+                        </a:solidFill>
+                        <a:effectLst/>
+                        <a:latin typeface="Calibri" panose="020F0502020204030204" pitchFamily="34" charset="0"/>
+                      </a:endParaRPr>
+                    </a:p>
+                  </a:txBody>
+                  <a:tcPr marL="7620" marR="7620" marT="7620" marB="0" anchor="b"/>
+                </a:tc>
+                <a:extLst>
+                  <a:ext uri="{0D108BD9-81ED-4DB2-BD59-A6C34878D82A}">
+                    <a16:rowId xmlns:a16="http://schemas.microsoft.com/office/drawing/2014/main" val="1668330483"/>
+                  </a:ext>
+                </a:extLst>
+              </a:tr>
+              <a:tr h="320919">
+                <a:tc>
+                  <a:txBody>
+                    <a:bodyPr/>
+                    <a:lstStyle/>
+                    <a:p>
+                      <a:pPr algn="l" fontAlgn="b"/>
+                      <a:r>
+                        <a:rPr lang="en-US" sz="1200" u="none" strike="noStrike" dirty="0">
+                          <a:effectLst/>
+                        </a:rPr>
+                        <a:t>4. 89109</a:t>
+                      </a:r>
+                      <a:endParaRPr lang="en-US" sz="1200" b="0" i="0" u="none" strike="noStrike" dirty="0">
+                        <a:solidFill>
+                          <a:srgbClr val="000000"/>
+                        </a:solidFill>
+                        <a:effectLst/>
+                        <a:latin typeface="Calibri" panose="020F0502020204030204" pitchFamily="34" charset="0"/>
+                      </a:endParaRPr>
+                    </a:p>
+                  </a:txBody>
+                  <a:tcPr marL="7620" marR="7620" marT="7620" marB="0" anchor="b"/>
+                </a:tc>
+                <a:extLst>
+                  <a:ext uri="{0D108BD9-81ED-4DB2-BD59-A6C34878D82A}">
+                    <a16:rowId xmlns:a16="http://schemas.microsoft.com/office/drawing/2014/main" val="2924113833"/>
+                  </a:ext>
+                </a:extLst>
+              </a:tr>
+              <a:tr h="320919">
+                <a:tc>
+                  <a:txBody>
+                    <a:bodyPr/>
+                    <a:lstStyle/>
+                    <a:p>
+                      <a:pPr algn="l" fontAlgn="b"/>
+                      <a:r>
+                        <a:rPr lang="en-US" sz="1200" u="none" strike="noStrike" dirty="0">
+                          <a:effectLst/>
+                        </a:rPr>
+                        <a:t>5. 89101</a:t>
+                      </a:r>
+                      <a:endParaRPr lang="en-US" sz="1200" b="0" i="0" u="none" strike="noStrike" dirty="0">
+                        <a:solidFill>
+                          <a:srgbClr val="000000"/>
+                        </a:solidFill>
+                        <a:effectLst/>
+                        <a:latin typeface="Calibri" panose="020F0502020204030204" pitchFamily="34" charset="0"/>
+                      </a:endParaRPr>
+                    </a:p>
+                  </a:txBody>
+                  <a:tcPr marL="7620" marR="7620" marT="7620" marB="0" anchor="b"/>
+                </a:tc>
+                <a:extLst>
+                  <a:ext uri="{0D108BD9-81ED-4DB2-BD59-A6C34878D82A}">
+                    <a16:rowId xmlns:a16="http://schemas.microsoft.com/office/drawing/2014/main" val="684430052"/>
+                  </a:ext>
+                </a:extLst>
+              </a:tr>
+            </a:tbl>
+          </a:graphicData>
+        </a:graphic>
+      </p:graphicFrame>
+      <p:sp>
+        <p:nvSpPr>
+          <p:cNvPr id="14" name="Arrow: Left 13">
+            <a:extLst>
+              <a:ext uri="{FF2B5EF4-FFF2-40B4-BE49-F238E27FC236}">
+                <a16:creationId xmlns:a16="http://schemas.microsoft.com/office/drawing/2014/main" id="{B9D2E911-B050-42AC-82C6-CC6C8431F3DB}"/>
+              </a:ext>
+            </a:extLst>
+          </p:cNvPr>
+          <p:cNvSpPr/>
+          <p:nvPr/>
+        </p:nvSpPr>
+        <p:spPr bwMode="gray">
+          <a:xfrm>
+            <a:off x="6363435" y="4131482"/>
+            <a:ext cx="928728" cy="312063"/>
+          </a:xfrm>
+          <a:prstGeom prst="leftArrow">
+            <a:avLst/>
+          </a:prstGeom>
+          <a:solidFill>
+            <a:schemeClr val="accent1"/>
+          </a:solidFill>
+          <a:ln w="6350" algn="ctr">
+            <a:noFill/>
+            <a:miter lim="800000"/>
+            <a:headEnd/>
+            <a:tailEnd/>
+          </a:ln>
+        </p:spPr>
+        <p:txBody>
+          <a:bodyPr lIns="90000" tIns="72000" rIns="90000" bIns="72000" rtlCol="0" anchor="ctr"/>
+          <a:lstStyle/>
+          <a:p>
+            <a:pPr marR="0" algn="ctr" defTabSz="914400" eaLnBrk="1" fontAlgn="base" latinLnBrk="0" hangingPunct="1">
+              <a:lnSpc>
+                <a:spcPct val="100000"/>
+              </a:lnSpc>
+              <a:spcBef>
+                <a:spcPct val="50000"/>
+              </a:spcBef>
+              <a:spcAft>
+                <a:spcPct val="0"/>
+              </a:spcAft>
+              <a:buClr>
+                <a:srgbClr val="F0AB00"/>
+              </a:buClr>
+              <a:buSzPct val="80000"/>
+              <a:tabLst/>
+            </a:pPr>
+            <a:endParaRPr kumimoji="0" lang="en-US" sz="1800" b="0" i="0" u="none" strike="noStrike" kern="0" cap="none" spc="0" normalizeH="0" baseline="0" noProof="0" dirty="0" err="1">
+              <a:ln>
+                <a:noFill/>
+              </a:ln>
+              <a:solidFill>
+                <a:schemeClr val="bg1"/>
+              </a:solidFill>
+              <a:effectLst/>
+              <a:uLnTx/>
+              <a:uFillTx/>
+              <a:ea typeface="Arial Unicode MS" pitchFamily="34" charset="-128"/>
+              <a:cs typeface="Arial Unicode MS" pitchFamily="34" charset="-128"/>
+            </a:endParaRPr>
+          </a:p>
+        </p:txBody>
+      </p:sp>
+    </p:spTree>
+    <p:extLst>
+      <p:ext uri="{BB962C8B-B14F-4D97-AF65-F5344CB8AC3E}">
+        <p14:creationId xmlns:p14="http://schemas.microsoft.com/office/powerpoint/2010/main" val="2790338093"/>
+      </p:ext>
+    </p:extLst>
+  </p:cSld>
+  <p:clrMapOvr>
+    <a:masterClrMapping/>
+  </p:clrMapOvr>
+</p:sld>
+</file>
+
+<file path=ppt/slides/slide6.xml><?xml version="1.0" encoding="utf-8"?>
+<p:sld xmlns:a="http://schemas.openxmlformats.org/drawingml/2006/main" xmlns:r="http://schemas.openxmlformats.org/officeDocument/2006/relationships" xmlns:p="http://schemas.openxmlformats.org/presentationml/2006/main">
+  <p:cSld>
+    <p:spTree>
+      <p:nvGrpSpPr>
+        <p:cNvPr id="1" name=""/>
+        <p:cNvGrpSpPr/>
+        <p:nvPr/>
+      </p:nvGrpSpPr>
+      <p:grpSpPr>
+        <a:xfrm>
+          <a:off x="0" y="0"/>
+          <a:ext cx="0" cy="0"/>
+          <a:chOff x="0" y="0"/>
+          <a:chExt cx="0" cy="0"/>
+        </a:xfrm>
+      </p:grpSpPr>
+      <p:sp>
+        <p:nvSpPr>
+          <p:cNvPr id="3" name="Title 2">
+            <a:extLst>
+              <a:ext uri="{FF2B5EF4-FFF2-40B4-BE49-F238E27FC236}">
+                <a16:creationId xmlns:a16="http://schemas.microsoft.com/office/drawing/2014/main" id="{F09E6107-0034-E143-AC3E-82426BEF2760}"/>
+              </a:ext>
+            </a:extLst>
+          </p:cNvPr>
+          <p:cNvSpPr>
+            <a:spLocks noGrp="1"/>
+          </p:cNvSpPr>
+          <p:nvPr>
+            <p:ph type="title"/>
+          </p:nvPr>
+        </p:nvSpPr>
+        <p:spPr>
+          <a:xfrm>
+            <a:off x="504001" y="504000"/>
+            <a:ext cx="7092000" cy="369332"/>
+          </a:xfrm>
+        </p:spPr>
+        <p:txBody>
+          <a:bodyPr/>
+          <a:lstStyle/>
+          <a:p>
+            <a:r>
+              <a:rPr lang="en-US" dirty="0"/>
+              <a:t>Algorithms &amp; App Results</a:t>
+            </a:r>
+          </a:p>
+        </p:txBody>
+      </p:sp>
+      <p:sp>
+        <p:nvSpPr>
+          <p:cNvPr id="4" name="Text Placeholder 3">
+            <a:extLst>
+              <a:ext uri="{FF2B5EF4-FFF2-40B4-BE49-F238E27FC236}">
+                <a16:creationId xmlns:a16="http://schemas.microsoft.com/office/drawing/2014/main" id="{7786F7B0-D16B-BE40-89AB-05988BD33EA4}"/>
+              </a:ext>
+            </a:extLst>
+          </p:cNvPr>
+          <p:cNvSpPr>
+            <a:spLocks noGrp="1"/>
+          </p:cNvSpPr>
+          <p:nvPr>
+            <p:ph type="body" sz="quarter" idx="13"/>
+          </p:nvPr>
+        </p:nvSpPr>
+        <p:spPr>
+          <a:xfrm>
+            <a:off x="503999" y="918838"/>
+            <a:ext cx="9163050" cy="369333"/>
+          </a:xfrm>
+        </p:spPr>
+        <p:txBody>
+          <a:bodyPr/>
+          <a:lstStyle/>
+          <a:p>
+            <a:r>
+              <a:rPr lang="en-US" dirty="0"/>
+              <a:t>Algorithms &amp; Results</a:t>
+            </a:r>
+          </a:p>
+        </p:txBody>
+      </p:sp>
+      <p:graphicFrame>
+        <p:nvGraphicFramePr>
+          <p:cNvPr id="2" name="Table 1">
+            <a:extLst>
+              <a:ext uri="{FF2B5EF4-FFF2-40B4-BE49-F238E27FC236}">
+                <a16:creationId xmlns:a16="http://schemas.microsoft.com/office/drawing/2014/main" id="{C61928AA-7EE8-4F8D-AA4E-717573056F20}"/>
+              </a:ext>
+            </a:extLst>
+          </p:cNvPr>
+          <p:cNvGraphicFramePr>
+            <a:graphicFrameLocks noGrp="1"/>
+          </p:cNvGraphicFramePr>
+          <p:nvPr>
+            <p:extLst>
+              <p:ext uri="{D42A27DB-BD31-4B8C-83A1-F6EECF244321}">
+                <p14:modId xmlns:p14="http://schemas.microsoft.com/office/powerpoint/2010/main" val="4045363035"/>
+              </p:ext>
+            </p:extLst>
+          </p:nvPr>
+        </p:nvGraphicFramePr>
+        <p:xfrm>
+          <a:off x="503999" y="1496985"/>
+          <a:ext cx="9159463" cy="3617716"/>
+        </p:xfrm>
+        <a:graphic>
+          <a:graphicData uri="http://schemas.openxmlformats.org/drawingml/2006/table">
+            <a:tbl>
+              <a:tblPr>
+                <a:tableStyleId>{2D5ABB26-0587-4C30-8999-92F81FD0307C}</a:tableStyleId>
+              </a:tblPr>
+              <a:tblGrid>
+                <a:gridCol w="537150">
+                  <a:extLst>
+                    <a:ext uri="{9D8B030D-6E8A-4147-A177-3AD203B41FA5}">
+                      <a16:colId xmlns:a16="http://schemas.microsoft.com/office/drawing/2014/main" val="2182237645"/>
+                    </a:ext>
+                  </a:extLst>
+                </a:gridCol>
+                <a:gridCol w="3374097">
+                  <a:extLst>
+                    <a:ext uri="{9D8B030D-6E8A-4147-A177-3AD203B41FA5}">
+                      <a16:colId xmlns:a16="http://schemas.microsoft.com/office/drawing/2014/main" val="1283340500"/>
+                    </a:ext>
+                  </a:extLst>
+                </a:gridCol>
+                <a:gridCol w="5248216">
+                  <a:extLst>
+                    <a:ext uri="{9D8B030D-6E8A-4147-A177-3AD203B41FA5}">
+                      <a16:colId xmlns:a16="http://schemas.microsoft.com/office/drawing/2014/main" val="2874386777"/>
+                    </a:ext>
+                  </a:extLst>
+                </a:gridCol>
+              </a:tblGrid>
+              <a:tr h="518621">
                 <a:tc>
                   <a:txBody>
                     <a:bodyPr/>
@@ -13709,323 +15508,7 @@
                   </a:ext>
                 </a:extLst>
               </a:tr>
-              <a:tr h="989638">
-                <a:tc>
-                  <a:txBody>
-                    <a:bodyPr/>
-                    <a:lstStyle/>
-                    <a:p>
-                      <a:pPr algn="ctr" rtl="0" fontAlgn="ctr"/>
-                      <a:r>
-                        <a:rPr lang="en-CA" sz="1200" b="1" u="none" strike="noStrike" dirty="0">
-                          <a:effectLst/>
-                        </a:rPr>
-                        <a:t>Step 1</a:t>
-                      </a:r>
-                      <a:endParaRPr lang="en-CA" sz="1200" b="1" i="0" u="none" strike="noStrike" dirty="0">
-                        <a:solidFill>
-                          <a:srgbClr val="000000"/>
-                        </a:solidFill>
-                        <a:effectLst/>
-                        <a:latin typeface="Arial" panose="020B0604020202020204" pitchFamily="34" charset="0"/>
-                      </a:endParaRPr>
-                    </a:p>
-                  </a:txBody>
-                  <a:tcPr marL="5828" marR="5828" marT="5828" marB="0"/>
-                </a:tc>
-                <a:tc>
-                  <a:txBody>
-                    <a:bodyPr/>
-                    <a:lstStyle/>
-                    <a:p>
-                      <a:pPr marL="171450" indent="-171450" algn="l" rtl="0" fontAlgn="ctr">
-                        <a:buFont typeface="Arial" panose="020B0604020202020204" pitchFamily="34" charset="0"/>
-                        <a:buChar char="•"/>
-                      </a:pPr>
-                      <a:r>
-                        <a:rPr lang="en-CA" sz="1200" u="none" strike="noStrike" dirty="0">
-                          <a:effectLst/>
-                        </a:rPr>
-                        <a:t>In order to get a user with good history profile, we </a:t>
-                      </a:r>
-                      <a:r>
-                        <a:rPr lang="en-US" sz="1200" u="none" strike="noStrike" dirty="0">
-                          <a:effectLst/>
-                        </a:rPr>
-                        <a:t>sort top 100 users with the greatest number of reviews in Canada, then take 5 random users and select one.</a:t>
-                      </a:r>
-                      <a:endParaRPr lang="en-CA" sz="1200" b="0" i="0" u="none" strike="noStrike" dirty="0">
-                        <a:solidFill>
-                          <a:srgbClr val="000000"/>
-                        </a:solidFill>
-                        <a:effectLst/>
-                        <a:latin typeface="Arial" panose="020B0604020202020204" pitchFamily="34" charset="0"/>
-                      </a:endParaRPr>
-                    </a:p>
-                  </a:txBody>
-                  <a:tcPr marL="5828" marR="5828" marT="5828" marB="0"/>
-                </a:tc>
-                <a:tc>
-                  <a:txBody>
-                    <a:bodyPr/>
-                    <a:lstStyle/>
-                    <a:p>
-                      <a:pPr marL="171450" indent="-171450" algn="l" rtl="0" fontAlgn="ctr">
-                        <a:buFont typeface="Arial" panose="020B0604020202020204" pitchFamily="34" charset="0"/>
-                        <a:buChar char="•"/>
-                      </a:pPr>
-                      <a:r>
-                        <a:rPr lang="en-CA" sz="1200" b="0" i="0" u="none" strike="noStrike" dirty="0">
-                          <a:solidFill>
-                            <a:srgbClr val="000000"/>
-                          </a:solidFill>
-                          <a:effectLst/>
-                          <a:latin typeface="Arial" panose="020B0604020202020204" pitchFamily="34" charset="0"/>
-                        </a:rPr>
-                        <a:t>Top 100 users → → </a:t>
-                      </a:r>
-                      <a:r>
-                        <a:rPr lang="en-CA" sz="1200" b="1" i="0" u="none" strike="noStrike" dirty="0">
-                          <a:solidFill>
-                            <a:srgbClr val="000000"/>
-                          </a:solidFill>
-                          <a:effectLst/>
-                          <a:latin typeface="Arial" panose="020B0604020202020204" pitchFamily="34" charset="0"/>
-                        </a:rPr>
-                        <a:t>tWBLn4k1M7PLBtAtwAg73g</a:t>
-                      </a:r>
-                      <a:r>
-                        <a:rPr lang="en-CA" sz="1200" b="0" i="0" u="none" strike="noStrike" dirty="0">
-                          <a:solidFill>
-                            <a:srgbClr val="000000"/>
-                          </a:solidFill>
-                          <a:effectLst/>
-                          <a:latin typeface="Arial" panose="020B0604020202020204" pitchFamily="34" charset="0"/>
-                        </a:rPr>
-                        <a:t>  </a:t>
-                      </a:r>
-                    </a:p>
-                  </a:txBody>
-                  <a:tcPr marL="5828" marR="5828" marT="5828" marB="0"/>
-                </a:tc>
-                <a:extLst>
-                  <a:ext uri="{0D108BD9-81ED-4DB2-BD59-A6C34878D82A}">
-                    <a16:rowId xmlns:a16="http://schemas.microsoft.com/office/drawing/2014/main" val="4285483050"/>
-                  </a:ext>
-                </a:extLst>
-              </a:tr>
-              <a:tr h="979227">
-                <a:tc>
-                  <a:txBody>
-                    <a:bodyPr/>
-                    <a:lstStyle/>
-                    <a:p>
-                      <a:pPr algn="ctr" rtl="0" fontAlgn="ctr"/>
-                      <a:r>
-                        <a:rPr lang="en-CA" sz="1200" b="1" u="none" strike="noStrike" dirty="0">
-                          <a:effectLst/>
-                        </a:rPr>
-                        <a:t>Step 2</a:t>
-                      </a:r>
-                      <a:endParaRPr lang="en-CA" sz="1200" b="0" i="0" u="none" strike="noStrike" dirty="0">
-                        <a:solidFill>
-                          <a:srgbClr val="000000"/>
-                        </a:solidFill>
-                        <a:effectLst/>
-                        <a:latin typeface="Arial" panose="020B0604020202020204" pitchFamily="34" charset="0"/>
-                      </a:endParaRPr>
-                    </a:p>
-                  </a:txBody>
-                  <a:tcPr marL="5828" marR="5828" marT="5828" marB="0">
-                    <a:solidFill>
-                      <a:schemeClr val="bg2">
-                        <a:lumMod val="20000"/>
-                        <a:lumOff val="80000"/>
-                      </a:schemeClr>
-                    </a:solidFill>
-                  </a:tcPr>
-                </a:tc>
-                <a:tc>
-                  <a:txBody>
-                    <a:bodyPr/>
-                    <a:lstStyle/>
-                    <a:p>
-                      <a:pPr marL="171450" indent="-171450" algn="l" rtl="0" fontAlgn="ctr">
-                        <a:buFont typeface="Arial" panose="020B0604020202020204" pitchFamily="34" charset="0"/>
-                        <a:buChar char="•"/>
-                      </a:pPr>
-                      <a:r>
-                        <a:rPr lang="en-CA" sz="1200" u="none" strike="noStrike" dirty="0">
-                          <a:effectLst/>
-                        </a:rPr>
-                        <a:t>To make sure the user’s rating history and their restaurant choices are relevant, we find the base city AND top most reviewed postal codes of the user based on their rating history.</a:t>
-                      </a:r>
-                    </a:p>
-                    <a:p>
-                      <a:pPr marL="171450" indent="-171450" algn="l" rtl="0" fontAlgn="ctr">
-                        <a:buFont typeface="Arial" panose="020B0604020202020204" pitchFamily="34" charset="0"/>
-                        <a:buChar char="•"/>
-                      </a:pPr>
-                      <a:r>
-                        <a:rPr lang="en-CA" sz="1200" u="none" strike="noStrike" dirty="0">
-                          <a:effectLst/>
-                        </a:rPr>
-                        <a:t>We then prompt the user input their location (select one of the top postal codes)</a:t>
-                      </a:r>
-                      <a:r>
-                        <a:rPr lang="en-US" sz="1200" u="none" strike="noStrike" dirty="0">
-                          <a:effectLst/>
-                        </a:rPr>
-                        <a:t>.</a:t>
-                      </a:r>
-                      <a:endParaRPr lang="en-CA" sz="1200" b="0" i="0" u="none" strike="noStrike" dirty="0">
-                        <a:solidFill>
-                          <a:srgbClr val="000000"/>
-                        </a:solidFill>
-                        <a:effectLst/>
-                        <a:latin typeface="Arial" panose="020B0604020202020204" pitchFamily="34" charset="0"/>
-                      </a:endParaRPr>
-                    </a:p>
-                  </a:txBody>
-                  <a:tcPr marL="5828" marR="5828" marT="5828" marB="0">
-                    <a:solidFill>
-                      <a:schemeClr val="bg2">
-                        <a:lumMod val="20000"/>
-                        <a:lumOff val="80000"/>
-                      </a:schemeClr>
-                    </a:solidFill>
-                  </a:tcPr>
-                </a:tc>
-                <a:tc>
-                  <a:txBody>
-                    <a:bodyPr/>
-                    <a:lstStyle/>
-                    <a:p>
-                      <a:pPr algn="l" rtl="0" fontAlgn="ctr"/>
-                      <a:endParaRPr lang="en-CA" sz="1200" b="0" i="0" u="none" strike="noStrike" dirty="0">
-                        <a:solidFill>
-                          <a:srgbClr val="000000"/>
-                        </a:solidFill>
-                        <a:effectLst/>
-                        <a:latin typeface="Arial" panose="020B0604020202020204" pitchFamily="34" charset="0"/>
-                      </a:endParaRPr>
-                    </a:p>
-                  </a:txBody>
-                  <a:tcPr marL="5828" marR="5828" marT="5828" marB="0">
-                    <a:solidFill>
-                      <a:schemeClr val="bg2">
-                        <a:lumMod val="20000"/>
-                        <a:lumOff val="80000"/>
-                      </a:schemeClr>
-                    </a:solidFill>
-                  </a:tcPr>
-                </a:tc>
-                <a:extLst>
-                  <a:ext uri="{0D108BD9-81ED-4DB2-BD59-A6C34878D82A}">
-                    <a16:rowId xmlns:a16="http://schemas.microsoft.com/office/drawing/2014/main" val="3472944759"/>
-                  </a:ext>
-                </a:extLst>
-              </a:tr>
-              <a:tr h="743387">
-                <a:tc>
-                  <a:txBody>
-                    <a:bodyPr/>
-                    <a:lstStyle/>
-                    <a:p>
-                      <a:pPr algn="ctr" rtl="0" fontAlgn="ctr"/>
-                      <a:r>
-                        <a:rPr lang="en-CA" sz="1200" b="1" u="none" strike="noStrike" dirty="0">
-                          <a:effectLst/>
-                        </a:rPr>
-                        <a:t>Step 3</a:t>
-                      </a:r>
-                      <a:endParaRPr lang="en-CA" sz="1200" b="0" i="0" u="none" strike="noStrike" dirty="0">
-                        <a:solidFill>
-                          <a:srgbClr val="000000"/>
-                        </a:solidFill>
-                        <a:effectLst/>
-                        <a:latin typeface="Arial" panose="020B0604020202020204" pitchFamily="34" charset="0"/>
-                      </a:endParaRPr>
-                    </a:p>
-                  </a:txBody>
-                  <a:tcPr marL="5828" marR="5828" marT="5828" marB="0"/>
-                </a:tc>
-                <a:tc>
-                  <a:txBody>
-                    <a:bodyPr/>
-                    <a:lstStyle/>
-                    <a:p>
-                      <a:pPr marL="171450" indent="-171450" algn="l" rtl="0" fontAlgn="ctr">
-                        <a:buFont typeface="Arial" panose="020B0604020202020204" pitchFamily="34" charset="0"/>
-                        <a:buChar char="•"/>
-                      </a:pPr>
-                      <a:r>
-                        <a:rPr lang="en-CA" sz="1200" u="none" strike="noStrike" dirty="0">
-                          <a:effectLst/>
-                        </a:rPr>
-                        <a:t>Find all postal codes and their associated businesses</a:t>
-                      </a:r>
-                    </a:p>
-                    <a:p>
-                      <a:pPr marL="0" indent="0" algn="l" rtl="0" fontAlgn="ctr">
-                        <a:buFont typeface="Arial" panose="020B0604020202020204" pitchFamily="34" charset="0"/>
-                        <a:buNone/>
-                      </a:pPr>
-                      <a:r>
-                        <a:rPr lang="en-US" sz="1200" b="0" i="0" u="none" strike="noStrike" dirty="0">
-                          <a:solidFill>
-                            <a:srgbClr val="000000"/>
-                          </a:solidFill>
-                          <a:effectLst/>
-                          <a:latin typeface="Arial" panose="020B0604020202020204" pitchFamily="34" charset="0"/>
-                        </a:rPr>
-                        <a:t> located within a 5-km radius from </a:t>
-                      </a:r>
-                      <a:r>
-                        <a:rPr lang="en-US" sz="1200" b="1" i="0" u="none" strike="noStrike" dirty="0">
-                          <a:solidFill>
-                            <a:srgbClr val="000000"/>
-                          </a:solidFill>
-                          <a:effectLst/>
-                          <a:latin typeface="Arial" panose="020B0604020202020204" pitchFamily="34" charset="0"/>
-                        </a:rPr>
-                        <a:t>the chosen postal code</a:t>
-                      </a:r>
-                      <a:endParaRPr lang="en-CA" sz="1200" b="1" i="0" u="none" strike="noStrike" dirty="0">
-                        <a:solidFill>
-                          <a:srgbClr val="000000"/>
-                        </a:solidFill>
-                        <a:effectLst/>
-                        <a:latin typeface="Arial" panose="020B0604020202020204" pitchFamily="34" charset="0"/>
-                      </a:endParaRPr>
-                    </a:p>
-                  </a:txBody>
-                  <a:tcPr marL="5828" marR="5828" marT="5828" marB="0"/>
-                </a:tc>
-                <a:tc>
-                  <a:txBody>
-                    <a:bodyPr/>
-                    <a:lstStyle/>
-                    <a:p>
-                      <a:pPr algn="l" rtl="0" fontAlgn="ctr"/>
-                      <a:endParaRPr lang="en-CA" sz="1200" b="0" i="0" u="none" strike="noStrike" dirty="0">
-                        <a:solidFill>
-                          <a:srgbClr val="000000"/>
-                        </a:solidFill>
-                        <a:effectLst/>
-                        <a:latin typeface="Arial" panose="020B0604020202020204" pitchFamily="34" charset="0"/>
-                      </a:endParaRPr>
-                    </a:p>
-                  </a:txBody>
-                  <a:tcPr marL="5828" marR="5828" marT="5828" marB="0"/>
-                </a:tc>
-                <a:extLst>
-                  <a:ext uri="{0D108BD9-81ED-4DB2-BD59-A6C34878D82A}">
-                    <a16:rowId xmlns:a16="http://schemas.microsoft.com/office/drawing/2014/main" val="834576522"/>
-                  </a:ext>
-                </a:extLst>
-              </a:tr>
-              <a:tr h="720996">
+              <a:tr h="1408298">
                 <a:tc>
                   <a:txBody>
                     <a:bodyPr/>
@@ -14040,7 +15523,7 @@
                           <a:effectLst/>
                           <a:latin typeface="Arial" panose="020B0604020202020204" pitchFamily="34" charset="0"/>
                         </a:rPr>
-                        <a:t>Step 4</a:t>
+                        <a:t>Step 3</a:t>
                       </a:r>
                     </a:p>
                   </a:txBody>
@@ -14120,11 +15603,38 @@
                           <a:ea typeface="+mn-ea"/>
                           <a:cs typeface="+mn-cs"/>
                         </a:rPr>
-                        <a:t> ALS library to do recommendation, sorting out top 10 restaurants with the highest predicted ratings.</a:t>
+                        <a:t> ALS library to do </a:t>
+                      </a:r>
+                      <a:r>
+                        <a:rPr lang="en-US" sz="1200" u="none" strike="noStrike" kern="1200" dirty="0" err="1">
+                          <a:solidFill>
+                            <a:schemeClr val="tx1"/>
+                          </a:solidFill>
+                          <a:effectLst/>
+                          <a:latin typeface="+mn-lt"/>
+                          <a:ea typeface="+mn-ea"/>
+                          <a:cs typeface="+mn-cs"/>
+                        </a:rPr>
+                        <a:t>baisc</a:t>
+                      </a:r>
+                      <a:r>
+                        <a:rPr lang="en-US" sz="1200" u="none" strike="noStrike" kern="1200" dirty="0">
+                          <a:solidFill>
+                            <a:schemeClr val="tx1"/>
+                          </a:solidFill>
+                          <a:effectLst/>
+                          <a:latin typeface="+mn-lt"/>
+                          <a:ea typeface="+mn-ea"/>
+                          <a:cs typeface="+mn-cs"/>
+                        </a:rPr>
+                        <a:t> ALS recommender, as well as global average recommender. Compute RMSE and MAE for both approach and take recommend from the lower RMSE approach</a:t>
                       </a:r>
                     </a:p>
                     <a:p>
-                      <a:pPr algn="l" rtl="0" fontAlgn="ctr"/>
+                      <a:pPr marL="171450" indent="-171450" algn="l" rtl="0" fontAlgn="ctr">
+                        <a:buFont typeface="Arial" panose="020B0604020202020204" pitchFamily="34" charset="0"/>
+                        <a:buChar char="•"/>
+                      </a:pPr>
                       <a:endParaRPr lang="en-US" sz="1200" u="none" strike="noStrike" kern="1200" dirty="0">
                         <a:solidFill>
                           <a:schemeClr val="tx1"/>
@@ -14136,22 +15646,34 @@
                       </a:endParaRPr>
                     </a:p>
                     <a:p>
-                      <a:pPr marL="171450" indent="-171450" algn="l" rtl="0" fontAlgn="ctr">
+                      <a:pPr marL="0" indent="0" algn="l" rtl="0" fontAlgn="ctr">
                         <a:buFont typeface="Arial" panose="020B0604020202020204" pitchFamily="34" charset="0"/>
-                        <a:buChar char="•"/>
+                        <a:buNone/>
                       </a:pPr>
-                      <a:r>
-                        <a:rPr lang="en-US" sz="1200" u="none" strike="noStrike" kern="1200" dirty="0">
-                          <a:solidFill>
-                            <a:schemeClr val="tx1"/>
-                          </a:solidFill>
-                          <a:effectLst/>
-                          <a:latin typeface="+mn-lt"/>
-                          <a:ea typeface="+mn-ea"/>
-                          <a:cs typeface="+mn-cs"/>
-                        </a:rPr>
-                        <a:t>Prompt user to select one restaurant</a:t>
-                      </a:r>
+                      <a:endParaRPr lang="en-US" sz="1200" u="none" strike="noStrike" kern="1200" dirty="0">
+                        <a:solidFill>
+                          <a:schemeClr val="tx1"/>
+                        </a:solidFill>
+                        <a:effectLst/>
+                        <a:latin typeface="+mn-lt"/>
+                        <a:ea typeface="+mn-ea"/>
+                        <a:cs typeface="+mn-cs"/>
+                      </a:endParaRPr>
+                    </a:p>
+                    <a:p>
+                      <a:pPr marL="0" indent="0" algn="l" rtl="0" fontAlgn="ctr">
+                        <a:buFont typeface="Arial" panose="020B0604020202020204" pitchFamily="34" charset="0"/>
+                        <a:buNone/>
+                      </a:pPr>
+                      <a:endParaRPr lang="en-US" sz="1200" u="none" strike="noStrike" kern="1200" dirty="0">
+                        <a:solidFill>
+                          <a:schemeClr val="tx1"/>
+                        </a:solidFill>
+                        <a:effectLst/>
+                        <a:latin typeface="+mn-lt"/>
+                        <a:ea typeface="+mn-ea"/>
+                        <a:cs typeface="+mn-cs"/>
+                      </a:endParaRPr>
                     </a:p>
                     <a:p>
                       <a:pPr algn="l" rtl="0" fontAlgn="ctr"/>
@@ -14181,13 +15703,16 @@
                     <a:lstStyle/>
                     <a:p>
                       <a:pPr algn="l" rtl="0" fontAlgn="ctr"/>
-                      <a:endParaRPr lang="en-CA" sz="1200" b="0" i="0" u="none" strike="noStrike" dirty="0">
-                        <a:solidFill>
-                          <a:srgbClr val="000000"/>
-                        </a:solidFill>
-                        <a:effectLst/>
-                        <a:latin typeface="Arial" panose="020B0604020202020204" pitchFamily="34" charset="0"/>
-                      </a:endParaRPr>
+                      <a:r>
+                        <a:rPr lang="en-CA" sz="1200" b="0" i="0" u="none" strike="noStrike" dirty="0">
+                          <a:solidFill>
+                            <a:srgbClr val="000000"/>
+                          </a:solidFill>
+                          <a:effectLst/>
+                          <a:latin typeface="Arial" panose="020B0604020202020204" pitchFamily="34" charset="0"/>
+                        </a:rPr>
+                        <a:t> </a:t>
+                      </a:r>
                     </a:p>
                   </a:txBody>
                   <a:tcPr marL="5828" marR="5828" marT="5828" marB="0">
@@ -14205,7 +15730,7 @@
                   </a:ext>
                 </a:extLst>
               </a:tr>
-              <a:tr h="945744">
+              <a:tr h="1447347">
                 <a:tc>
                   <a:txBody>
                     <a:bodyPr/>
@@ -14216,7 +15741,7 @@
                         <a:rPr lang="en-CA" sz="1200" b="1" u="none" strike="noStrike" dirty="0">
                           <a:effectLst/>
                         </a:rPr>
-                        <a:t>Step 5</a:t>
+                        <a:t>Step 4</a:t>
                       </a:r>
                       <a:endParaRPr lang="en-CA" sz="1200" b="1" i="0" u="none" strike="noStrike" dirty="0">
                         <a:solidFill>
@@ -15175,10 +16700,452 @@
           </a:p>
         </p:txBody>
       </p:sp>
+      <p:graphicFrame>
+        <p:nvGraphicFramePr>
+          <p:cNvPr id="5" name="Table 4">
+            <a:extLst>
+              <a:ext uri="{FF2B5EF4-FFF2-40B4-BE49-F238E27FC236}">
+                <a16:creationId xmlns:a16="http://schemas.microsoft.com/office/drawing/2014/main" id="{D2D57C0A-02A1-429C-BE0E-D5EE3CD1D91D}"/>
+              </a:ext>
+            </a:extLst>
+          </p:cNvPr>
+          <p:cNvGraphicFramePr>
+            <a:graphicFrameLocks noGrp="1"/>
+          </p:cNvGraphicFramePr>
+          <p:nvPr>
+            <p:extLst>
+              <p:ext uri="{D42A27DB-BD31-4B8C-83A1-F6EECF244321}">
+                <p14:modId xmlns:p14="http://schemas.microsoft.com/office/powerpoint/2010/main" val="3337966230"/>
+              </p:ext>
+            </p:extLst>
+          </p:nvPr>
+        </p:nvGraphicFramePr>
+        <p:xfrm>
+          <a:off x="6571564" y="1659311"/>
+          <a:ext cx="2497236" cy="1826914"/>
+        </p:xfrm>
+        <a:graphic>
+          <a:graphicData uri="http://schemas.openxmlformats.org/drawingml/2006/table">
+            <a:tbl>
+              <a:tblPr firstRow="1" bandRow="1">
+                <a:tableStyleId>{08FB837D-C827-4EFA-A057-4D05807E0F7C}</a:tableStyleId>
+              </a:tblPr>
+              <a:tblGrid>
+                <a:gridCol w="832412">
+                  <a:extLst>
+                    <a:ext uri="{9D8B030D-6E8A-4147-A177-3AD203B41FA5}">
+                      <a16:colId xmlns:a16="http://schemas.microsoft.com/office/drawing/2014/main" val="1816437062"/>
+                    </a:ext>
+                  </a:extLst>
+                </a:gridCol>
+                <a:gridCol w="832412">
+                  <a:extLst>
+                    <a:ext uri="{9D8B030D-6E8A-4147-A177-3AD203B41FA5}">
+                      <a16:colId xmlns:a16="http://schemas.microsoft.com/office/drawing/2014/main" val="1749158242"/>
+                    </a:ext>
+                  </a:extLst>
+                </a:gridCol>
+                <a:gridCol w="832412">
+                  <a:extLst>
+                    <a:ext uri="{9D8B030D-6E8A-4147-A177-3AD203B41FA5}">
+                      <a16:colId xmlns:a16="http://schemas.microsoft.com/office/drawing/2014/main" val="3041315910"/>
+                    </a:ext>
+                  </a:extLst>
+                </a:gridCol>
+              </a:tblGrid>
+              <a:tr h="333394">
+                <a:tc>
+                  <a:txBody>
+                    <a:bodyPr/>
+                    <a:lstStyle/>
+                    <a:p>
+                      <a:pPr marL="0" indent="0" algn="ctr"/>
+                      <a:r>
+                        <a:rPr lang="en-US" sz="1400" dirty="0">
+                          <a:effectLst/>
+                          <a:latin typeface="Times" panose="02020603050405020304" pitchFamily="18" charset="0"/>
+                          <a:cs typeface="Times New Roman" panose="02020603050405020304" pitchFamily="18" charset="0"/>
+                        </a:rPr>
+                        <a:t> </a:t>
+                      </a:r>
+                    </a:p>
+                  </a:txBody>
+                  <a:tcPr marL="68580" marR="68580" marT="0" marB="0"/>
+                </a:tc>
+                <a:tc>
+                  <a:txBody>
+                    <a:bodyPr/>
+                    <a:lstStyle/>
+                    <a:p>
+                      <a:pPr marL="0" indent="0" algn="ctr"/>
+                      <a:r>
+                        <a:rPr lang="en-US" sz="1400" dirty="0">
+                          <a:effectLst/>
+                          <a:latin typeface="Times" panose="02020603050405020304" pitchFamily="18" charset="0"/>
+                          <a:cs typeface="Times New Roman" panose="02020603050405020304" pitchFamily="18" charset="0"/>
+                        </a:rPr>
+                        <a:t>RMSE</a:t>
+                      </a:r>
+                    </a:p>
+                  </a:txBody>
+                  <a:tcPr marL="68580" marR="68580" marT="0" marB="0"/>
+                </a:tc>
+                <a:tc>
+                  <a:txBody>
+                    <a:bodyPr/>
+                    <a:lstStyle/>
+                    <a:p>
+                      <a:pPr marL="0" marR="0" indent="0" algn="ctr" hangingPunct="0">
+                        <a:spcBef>
+                          <a:spcPts val="0"/>
+                        </a:spcBef>
+                        <a:spcAft>
+                          <a:spcPts val="400"/>
+                        </a:spcAft>
+                        <a:tabLst>
+                          <a:tab pos="114300" algn="l"/>
+                        </a:tabLst>
+                      </a:pPr>
+                      <a:r>
+                        <a:rPr lang="en-US" sz="1400" dirty="0">
+                          <a:effectLst/>
+                          <a:latin typeface="Times" panose="02020603050405020304" pitchFamily="18" charset="0"/>
+                          <a:ea typeface="Times New Roman" panose="02020603050405020304" pitchFamily="18" charset="0"/>
+                          <a:cs typeface="Times" panose="02020603050405020304" pitchFamily="18" charset="0"/>
+                        </a:rPr>
+                        <a:t>MAE</a:t>
+                      </a:r>
+                      <a:endParaRPr lang="en-US" sz="1000" dirty="0">
+                        <a:effectLst/>
+                        <a:latin typeface="Times" panose="02020603050405020304" pitchFamily="18" charset="0"/>
+                        <a:ea typeface="Times New Roman" panose="02020603050405020304" pitchFamily="18" charset="0"/>
+                        <a:cs typeface="Times" panose="02020603050405020304" pitchFamily="18" charset="0"/>
+                      </a:endParaRPr>
+                    </a:p>
+                  </a:txBody>
+                  <a:tcPr marL="68580" marR="68580" marT="0" marB="0"/>
+                </a:tc>
+                <a:extLst>
+                  <a:ext uri="{0D108BD9-81ED-4DB2-BD59-A6C34878D82A}">
+                    <a16:rowId xmlns:a16="http://schemas.microsoft.com/office/drawing/2014/main" val="2261237275"/>
+                  </a:ext>
+                </a:extLst>
+              </a:tr>
+              <a:tr h="612024">
+                <a:tc>
+                  <a:txBody>
+                    <a:bodyPr/>
+                    <a:lstStyle/>
+                    <a:p>
+                      <a:pPr marL="0" marR="0" indent="0" algn="ctr" hangingPunct="0">
+                        <a:spcBef>
+                          <a:spcPts val="0"/>
+                        </a:spcBef>
+                        <a:spcAft>
+                          <a:spcPts val="400"/>
+                        </a:spcAft>
+                        <a:tabLst>
+                          <a:tab pos="114300" algn="l"/>
+                        </a:tabLst>
+                      </a:pPr>
+                      <a:r>
+                        <a:rPr lang="en-US" sz="1400">
+                          <a:effectLst/>
+                          <a:latin typeface="Georgia" panose="02040502050405020303" pitchFamily="18" charset="0"/>
+                          <a:ea typeface="Times New Roman" panose="02020603050405020304" pitchFamily="18" charset="0"/>
+                          <a:cs typeface="Times New Roman" panose="02020603050405020304" pitchFamily="18" charset="0"/>
+                        </a:rPr>
+                        <a:t>basic als recommender</a:t>
+                      </a:r>
+                    </a:p>
+                  </a:txBody>
+                  <a:tcPr marL="68580" marR="68580" marT="0" marB="0"/>
+                </a:tc>
+                <a:tc>
+                  <a:txBody>
+                    <a:bodyPr/>
+                    <a:lstStyle/>
+                    <a:p>
+                      <a:pPr marL="0" marR="0" algn="ctr">
+                        <a:spcBef>
+                          <a:spcPts val="0"/>
+                        </a:spcBef>
+                        <a:spcAft>
+                          <a:spcPts val="0"/>
+                        </a:spcAft>
+                      </a:pPr>
+                      <a:r>
+                        <a:rPr lang="en-US" sz="1400" dirty="0">
+                          <a:solidFill>
+                            <a:srgbClr val="000000"/>
+                          </a:solidFill>
+                          <a:effectLst/>
+                          <a:latin typeface="Calibri" panose="020F0502020204030204" pitchFamily="34" charset="0"/>
+                          <a:ea typeface="Times New Roman" panose="02020603050405020304" pitchFamily="18" charset="0"/>
+                          <a:cs typeface="Times New Roman" panose="02020603050405020304" pitchFamily="18" charset="0"/>
+                        </a:rPr>
+                        <a:t>2.127391175</a:t>
+                      </a:r>
+                      <a:endParaRPr lang="en-US" sz="1400" dirty="0">
+                        <a:effectLst/>
+                        <a:latin typeface="Georgia" panose="02040502050405020303" pitchFamily="18" charset="0"/>
+                        <a:ea typeface="Times New Roman" panose="02020603050405020304" pitchFamily="18" charset="0"/>
+                        <a:cs typeface="Times New Roman" panose="02020603050405020304" pitchFamily="18" charset="0"/>
+                      </a:endParaRPr>
+                    </a:p>
+                  </a:txBody>
+                  <a:tcPr marL="68580" marR="68580" marT="0" marB="0"/>
+                </a:tc>
+                <a:tc>
+                  <a:txBody>
+                    <a:bodyPr/>
+                    <a:lstStyle/>
+                    <a:p>
+                      <a:pPr marL="0" marR="0" algn="ctr">
+                        <a:spcBef>
+                          <a:spcPts val="0"/>
+                        </a:spcBef>
+                        <a:spcAft>
+                          <a:spcPts val="0"/>
+                        </a:spcAft>
+                      </a:pPr>
+                      <a:r>
+                        <a:rPr lang="en-US" sz="1400" dirty="0">
+                          <a:solidFill>
+                            <a:srgbClr val="000000"/>
+                          </a:solidFill>
+                          <a:effectLst/>
+                          <a:latin typeface="Calibri" panose="020F0502020204030204" pitchFamily="34" charset="0"/>
+                          <a:ea typeface="Times New Roman" panose="02020603050405020304" pitchFamily="18" charset="0"/>
+                          <a:cs typeface="Times New Roman" panose="02020603050405020304" pitchFamily="18" charset="0"/>
+                        </a:rPr>
+                        <a:t>1.722178277</a:t>
+                      </a:r>
+                      <a:endParaRPr lang="en-US" sz="1400" dirty="0">
+                        <a:effectLst/>
+                        <a:latin typeface="Georgia" panose="02040502050405020303" pitchFamily="18" charset="0"/>
+                        <a:ea typeface="Times New Roman" panose="02020603050405020304" pitchFamily="18" charset="0"/>
+                        <a:cs typeface="Times New Roman" panose="02020603050405020304" pitchFamily="18" charset="0"/>
+                      </a:endParaRPr>
+                    </a:p>
+                  </a:txBody>
+                  <a:tcPr marL="68580" marR="68580" marT="0" marB="0" anchor="b"/>
+                </a:tc>
+                <a:extLst>
+                  <a:ext uri="{0D108BD9-81ED-4DB2-BD59-A6C34878D82A}">
+                    <a16:rowId xmlns:a16="http://schemas.microsoft.com/office/drawing/2014/main" val="2952091907"/>
+                  </a:ext>
+                </a:extLst>
+              </a:tr>
+              <a:tr h="816033">
+                <a:tc>
+                  <a:txBody>
+                    <a:bodyPr/>
+                    <a:lstStyle/>
+                    <a:p>
+                      <a:pPr marL="0" marR="0" algn="ctr">
+                        <a:spcBef>
+                          <a:spcPts val="0"/>
+                        </a:spcBef>
+                        <a:spcAft>
+                          <a:spcPts val="0"/>
+                        </a:spcAft>
+                      </a:pPr>
+                      <a:r>
+                        <a:rPr lang="en-US" sz="1400">
+                          <a:solidFill>
+                            <a:srgbClr val="000000"/>
+                          </a:solidFill>
+                          <a:effectLst/>
+                          <a:latin typeface="Calibri" panose="020F0502020204030204" pitchFamily="34" charset="0"/>
+                          <a:ea typeface="Times New Roman" panose="02020603050405020304" pitchFamily="18" charset="0"/>
+                          <a:cs typeface="Times New Roman" panose="02020603050405020304" pitchFamily="18" charset="0"/>
+                        </a:rPr>
+                        <a:t>global average recommende</a:t>
+                      </a:r>
+                      <a:endParaRPr lang="en-US" sz="1400">
+                        <a:effectLst/>
+                        <a:latin typeface="Georgia" panose="02040502050405020303" pitchFamily="18" charset="0"/>
+                        <a:ea typeface="Times New Roman" panose="02020603050405020304" pitchFamily="18" charset="0"/>
+                        <a:cs typeface="Times New Roman" panose="02020603050405020304" pitchFamily="18" charset="0"/>
+                      </a:endParaRPr>
+                    </a:p>
+                  </a:txBody>
+                  <a:tcPr marL="68580" marR="68580" marT="0" marB="0"/>
+                </a:tc>
+                <a:tc>
+                  <a:txBody>
+                    <a:bodyPr/>
+                    <a:lstStyle/>
+                    <a:p>
+                      <a:pPr marL="0" marR="0" algn="ctr">
+                        <a:spcBef>
+                          <a:spcPts val="0"/>
+                        </a:spcBef>
+                        <a:spcAft>
+                          <a:spcPts val="0"/>
+                        </a:spcAft>
+                      </a:pPr>
+                      <a:r>
+                        <a:rPr lang="en-US" sz="1400" dirty="0">
+                          <a:solidFill>
+                            <a:srgbClr val="000000"/>
+                          </a:solidFill>
+                          <a:effectLst/>
+                          <a:latin typeface="Calibri" panose="020F0502020204030204" pitchFamily="34" charset="0"/>
+                          <a:ea typeface="Times New Roman" panose="02020603050405020304" pitchFamily="18" charset="0"/>
+                          <a:cs typeface="Times New Roman" panose="02020603050405020304" pitchFamily="18" charset="0"/>
+                        </a:rPr>
+                        <a:t>1.435300565</a:t>
+                      </a:r>
+                      <a:endParaRPr lang="en-US" sz="1400" dirty="0">
+                        <a:effectLst/>
+                        <a:latin typeface="Georgia" panose="02040502050405020303" pitchFamily="18" charset="0"/>
+                        <a:ea typeface="Times New Roman" panose="02020603050405020304" pitchFamily="18" charset="0"/>
+                        <a:cs typeface="Times New Roman" panose="02020603050405020304" pitchFamily="18" charset="0"/>
+                      </a:endParaRPr>
+                    </a:p>
+                  </a:txBody>
+                  <a:tcPr marL="68580" marR="68580" marT="0" marB="0" anchor="b"/>
+                </a:tc>
+                <a:tc>
+                  <a:txBody>
+                    <a:bodyPr/>
+                    <a:lstStyle/>
+                    <a:p>
+                      <a:pPr marL="0" marR="0" algn="ctr">
+                        <a:spcBef>
+                          <a:spcPts val="0"/>
+                        </a:spcBef>
+                        <a:spcAft>
+                          <a:spcPts val="600"/>
+                        </a:spcAft>
+                      </a:pPr>
+                      <a:r>
+                        <a:rPr lang="en-US" sz="1400" dirty="0">
+                          <a:solidFill>
+                            <a:srgbClr val="000000"/>
+                          </a:solidFill>
+                          <a:effectLst/>
+                          <a:latin typeface="Calibri" panose="020F0502020204030204" pitchFamily="34" charset="0"/>
+                          <a:ea typeface="Times New Roman" panose="02020603050405020304" pitchFamily="18" charset="0"/>
+                          <a:cs typeface="Times New Roman" panose="02020603050405020304" pitchFamily="18" charset="0"/>
+                        </a:rPr>
+                        <a:t>1.242512298</a:t>
+                      </a:r>
+                      <a:endParaRPr lang="en-US" sz="1400" dirty="0">
+                        <a:effectLst/>
+                        <a:latin typeface="Georgia" panose="02040502050405020303" pitchFamily="18" charset="0"/>
+                        <a:ea typeface="Times New Roman" panose="02020603050405020304" pitchFamily="18" charset="0"/>
+                        <a:cs typeface="Times New Roman" panose="02020603050405020304" pitchFamily="18" charset="0"/>
+                      </a:endParaRPr>
+                    </a:p>
+                  </a:txBody>
+                  <a:tcPr marL="68580" marR="68580" marT="0" marB="0" anchor="b"/>
+                </a:tc>
+                <a:extLst>
+                  <a:ext uri="{0D108BD9-81ED-4DB2-BD59-A6C34878D82A}">
+                    <a16:rowId xmlns:a16="http://schemas.microsoft.com/office/drawing/2014/main" val="2203611285"/>
+                  </a:ext>
+                </a:extLst>
+              </a:tr>
+            </a:tbl>
+          </a:graphicData>
+        </a:graphic>
+      </p:graphicFrame>
+      <p:pic>
+        <p:nvPicPr>
+          <p:cNvPr id="13" name="Picture 12">
+            <a:extLst>
+              <a:ext uri="{FF2B5EF4-FFF2-40B4-BE49-F238E27FC236}">
+                <a16:creationId xmlns:a16="http://schemas.microsoft.com/office/drawing/2014/main" id="{E1974577-67E5-4ADF-A5B2-CDE6B13B2D70}"/>
+              </a:ext>
+            </a:extLst>
+          </p:cNvPr>
+          <p:cNvPicPr>
+            <a:picLocks noChangeAspect="1"/>
+          </p:cNvPicPr>
+          <p:nvPr/>
+        </p:nvPicPr>
+        <p:blipFill>
+          <a:blip r:embed="rId3"/>
+          <a:stretch>
+            <a:fillRect/>
+          </a:stretch>
+        </p:blipFill>
+        <p:spPr>
+          <a:xfrm>
+            <a:off x="4441372" y="3718560"/>
+            <a:ext cx="3622766" cy="2922719"/>
+          </a:xfrm>
+          <a:prstGeom prst="rect">
+            <a:avLst/>
+          </a:prstGeom>
+        </p:spPr>
+      </p:pic>
+      <p:pic>
+        <p:nvPicPr>
+          <p:cNvPr id="20" name="Picture 19">
+            <a:extLst>
+              <a:ext uri="{FF2B5EF4-FFF2-40B4-BE49-F238E27FC236}">
+                <a16:creationId xmlns:a16="http://schemas.microsoft.com/office/drawing/2014/main" id="{E4210552-08DD-4DDC-AD10-A32754848234}"/>
+              </a:ext>
+            </a:extLst>
+          </p:cNvPr>
+          <p:cNvPicPr>
+            <a:picLocks noChangeAspect="1"/>
+          </p:cNvPicPr>
+          <p:nvPr/>
+        </p:nvPicPr>
+        <p:blipFill>
+          <a:blip r:embed="rId4"/>
+          <a:stretch>
+            <a:fillRect/>
+          </a:stretch>
+        </p:blipFill>
+        <p:spPr>
+          <a:xfrm>
+            <a:off x="1165851" y="4184968"/>
+            <a:ext cx="2827265" cy="716342"/>
+          </a:xfrm>
+          <a:prstGeom prst="rect">
+            <a:avLst/>
+          </a:prstGeom>
+        </p:spPr>
+      </p:pic>
+      <p:pic>
+        <p:nvPicPr>
+          <p:cNvPr id="26" name="Picture 25">
+            <a:extLst>
+              <a:ext uri="{FF2B5EF4-FFF2-40B4-BE49-F238E27FC236}">
+                <a16:creationId xmlns:a16="http://schemas.microsoft.com/office/drawing/2014/main" id="{A5522FC7-5560-49FD-9742-2BE16E542763}"/>
+              </a:ext>
+            </a:extLst>
+          </p:cNvPr>
+          <p:cNvPicPr>
+            <a:picLocks noChangeAspect="1"/>
+          </p:cNvPicPr>
+          <p:nvPr/>
+        </p:nvPicPr>
+        <p:blipFill rotWithShape="1">
+          <a:blip r:embed="rId5"/>
+          <a:srcRect r="50000" b="90340"/>
+          <a:stretch/>
+        </p:blipFill>
+        <p:spPr>
+          <a:xfrm>
+            <a:off x="1165851" y="2951961"/>
+            <a:ext cx="4743861" cy="477039"/>
+          </a:xfrm>
+          <a:prstGeom prst="rect">
+            <a:avLst/>
+          </a:prstGeom>
+        </p:spPr>
+      </p:pic>
     </p:spTree>
     <p:extLst>
       <p:ext uri="{BB962C8B-B14F-4D97-AF65-F5344CB8AC3E}">
-        <p14:creationId xmlns:p14="http://schemas.microsoft.com/office/powerpoint/2010/main" val="2790338093"/>
+        <p14:creationId xmlns:p14="http://schemas.microsoft.com/office/powerpoint/2010/main" val="2031416653"/>
       </p:ext>
     </p:extLst>
   </p:cSld>
@@ -15188,7 +17155,7 @@
 </p:sld>
 </file>
 
-<file path=ppt/slides/slide6.xml><?xml version="1.0" encoding="utf-8"?>
+<file path=ppt/slides/slide7.xml><?xml version="1.0" encoding="utf-8"?>
 <p:sld xmlns:a="http://schemas.openxmlformats.org/drawingml/2006/main" xmlns:r="http://schemas.openxmlformats.org/officeDocument/2006/relationships" xmlns:p="http://schemas.openxmlformats.org/presentationml/2006/main">
   <p:cSld>
     <p:spTree>
@@ -16948,1762 +18915,6 @@
 </p:sld>
 </file>
 
-<file path=ppt/slides/slide7.xml><?xml version="1.0" encoding="utf-8"?>
-<p:sld xmlns:a="http://schemas.openxmlformats.org/drawingml/2006/main" xmlns:r="http://schemas.openxmlformats.org/officeDocument/2006/relationships" xmlns:p="http://schemas.openxmlformats.org/presentationml/2006/main">
-  <p:cSld>
-    <p:spTree>
-      <p:nvGrpSpPr>
-        <p:cNvPr id="1" name=""/>
-        <p:cNvGrpSpPr/>
-        <p:nvPr/>
-      </p:nvGrpSpPr>
-      <p:grpSpPr>
-        <a:xfrm>
-          <a:off x="0" y="0"/>
-          <a:ext cx="0" cy="0"/>
-          <a:chOff x="0" y="0"/>
-          <a:chExt cx="0" cy="0"/>
-        </a:xfrm>
-      </p:grpSpPr>
-      <p:sp>
-        <p:nvSpPr>
-          <p:cNvPr id="3" name="Title 2">
-            <a:extLst>
-              <a:ext uri="{FF2B5EF4-FFF2-40B4-BE49-F238E27FC236}">
-                <a16:creationId xmlns:a16="http://schemas.microsoft.com/office/drawing/2014/main" id="{F09E6107-0034-E143-AC3E-82426BEF2760}"/>
-              </a:ext>
-            </a:extLst>
-          </p:cNvPr>
-          <p:cNvSpPr>
-            <a:spLocks noGrp="1"/>
-          </p:cNvSpPr>
-          <p:nvPr>
-            <p:ph type="title"/>
-          </p:nvPr>
-        </p:nvSpPr>
-        <p:spPr>
-          <a:xfrm>
-            <a:off x="504001" y="504000"/>
-            <a:ext cx="7092000" cy="369332"/>
-          </a:xfrm>
-        </p:spPr>
-        <p:txBody>
-          <a:bodyPr/>
-          <a:lstStyle/>
-          <a:p>
-            <a:r>
-              <a:rPr lang="en-US" dirty="0"/>
-              <a:t>Algorithms &amp; App Results</a:t>
-            </a:r>
-          </a:p>
-        </p:txBody>
-      </p:sp>
-      <p:sp>
-        <p:nvSpPr>
-          <p:cNvPr id="4" name="Text Placeholder 3">
-            <a:extLst>
-              <a:ext uri="{FF2B5EF4-FFF2-40B4-BE49-F238E27FC236}">
-                <a16:creationId xmlns:a16="http://schemas.microsoft.com/office/drawing/2014/main" id="{7786F7B0-D16B-BE40-89AB-05988BD33EA4}"/>
-              </a:ext>
-            </a:extLst>
-          </p:cNvPr>
-          <p:cNvSpPr>
-            <a:spLocks noGrp="1"/>
-          </p:cNvSpPr>
-          <p:nvPr>
-            <p:ph type="body" sz="quarter" idx="13"/>
-          </p:nvPr>
-        </p:nvSpPr>
-        <p:spPr>
-          <a:xfrm>
-            <a:off x="503999" y="918838"/>
-            <a:ext cx="9163050" cy="369333"/>
-          </a:xfrm>
-        </p:spPr>
-        <p:txBody>
-          <a:bodyPr/>
-          <a:lstStyle/>
-          <a:p>
-            <a:r>
-              <a:rPr lang="en-US" dirty="0"/>
-              <a:t>The Erroneous Results &amp; Solutions </a:t>
-            </a:r>
-          </a:p>
-        </p:txBody>
-      </p:sp>
-      <p:graphicFrame>
-        <p:nvGraphicFramePr>
-          <p:cNvPr id="2" name="Table 1">
-            <a:extLst>
-              <a:ext uri="{FF2B5EF4-FFF2-40B4-BE49-F238E27FC236}">
-                <a16:creationId xmlns:a16="http://schemas.microsoft.com/office/drawing/2014/main" id="{C61928AA-7EE8-4F8D-AA4E-717573056F20}"/>
-              </a:ext>
-            </a:extLst>
-          </p:cNvPr>
-          <p:cNvGraphicFramePr>
-            <a:graphicFrameLocks noGrp="1"/>
-          </p:cNvGraphicFramePr>
-          <p:nvPr>
-            <p:extLst/>
-          </p:nvPr>
-        </p:nvGraphicFramePr>
-        <p:xfrm>
-          <a:off x="503999" y="1496985"/>
-          <a:ext cx="9159463" cy="4917108"/>
-        </p:xfrm>
-        <a:graphic>
-          <a:graphicData uri="http://schemas.openxmlformats.org/drawingml/2006/table">
-            <a:tbl>
-              <a:tblPr>
-                <a:tableStyleId>{2D5ABB26-0587-4C30-8999-92F81FD0307C}</a:tableStyleId>
-              </a:tblPr>
-              <a:tblGrid>
-                <a:gridCol w="537150">
-                  <a:extLst>
-                    <a:ext uri="{9D8B030D-6E8A-4147-A177-3AD203B41FA5}">
-                      <a16:colId xmlns:a16="http://schemas.microsoft.com/office/drawing/2014/main" val="2182237645"/>
-                    </a:ext>
-                  </a:extLst>
-                </a:gridCol>
-                <a:gridCol w="4405032">
-                  <a:extLst>
-                    <a:ext uri="{9D8B030D-6E8A-4147-A177-3AD203B41FA5}">
-                      <a16:colId xmlns:a16="http://schemas.microsoft.com/office/drawing/2014/main" val="1283340500"/>
-                    </a:ext>
-                  </a:extLst>
-                </a:gridCol>
-                <a:gridCol w="4217281">
-                  <a:extLst>
-                    <a:ext uri="{9D8B030D-6E8A-4147-A177-3AD203B41FA5}">
-                      <a16:colId xmlns:a16="http://schemas.microsoft.com/office/drawing/2014/main" val="2874386777"/>
-                    </a:ext>
-                  </a:extLst>
-                </a:gridCol>
-              </a:tblGrid>
-              <a:tr h="0">
-                <a:tc>
-                  <a:txBody>
-                    <a:bodyPr/>
-                    <a:lstStyle/>
-                    <a:p>
-                      <a:r>
-                        <a:rPr lang="en-US" sz="1200" b="1" u="none" strike="noStrike" kern="1200" dirty="0">
-                          <a:solidFill>
-                            <a:schemeClr val="tx1"/>
-                          </a:solidFill>
-                          <a:effectLst/>
-                          <a:latin typeface="+mn-lt"/>
-                          <a:ea typeface="+mn-ea"/>
-                          <a:cs typeface="+mn-cs"/>
-                        </a:rPr>
-                        <a:t>SN</a:t>
-                      </a:r>
-                    </a:p>
-                  </a:txBody>
-                  <a:tcPr marL="156003" marR="156003" marT="78002" marB="78002">
-                    <a:solidFill>
-                      <a:srgbClr val="FFC000"/>
-                    </a:solidFill>
-                  </a:tcPr>
-                </a:tc>
-                <a:tc>
-                  <a:txBody>
-                    <a:bodyPr/>
-                    <a:lstStyle/>
-                    <a:p>
-                      <a:pPr algn="l" rtl="0" fontAlgn="ctr"/>
-                      <a:r>
-                        <a:rPr lang="en-CA" sz="1200" b="1" u="none" strike="noStrike" kern="1200" dirty="0">
-                          <a:solidFill>
-                            <a:schemeClr val="tx1"/>
-                          </a:solidFill>
-                          <a:effectLst/>
-                          <a:latin typeface="+mn-lt"/>
-                          <a:ea typeface="+mn-ea"/>
-                          <a:cs typeface="+mn-cs"/>
-                        </a:rPr>
-                        <a:t>Algorithms</a:t>
-                      </a:r>
-                    </a:p>
-                  </a:txBody>
-                  <a:tcPr marL="5828" marR="5828" marT="5828" marB="0" anchor="ctr">
-                    <a:solidFill>
-                      <a:srgbClr val="FFC000"/>
-                    </a:solidFill>
-                  </a:tcPr>
-                </a:tc>
-                <a:tc>
-                  <a:txBody>
-                    <a:bodyPr/>
-                    <a:lstStyle/>
-                    <a:p>
-                      <a:pPr algn="l" rtl="0" fontAlgn="ctr"/>
-                      <a:r>
-                        <a:rPr lang="en-CA" sz="1200" b="1" u="none" strike="noStrike" kern="1200" dirty="0">
-                          <a:solidFill>
-                            <a:schemeClr val="tx1"/>
-                          </a:solidFill>
-                          <a:effectLst/>
-                          <a:latin typeface="+mn-lt"/>
-                          <a:ea typeface="+mn-ea"/>
-                          <a:cs typeface="+mn-cs"/>
-                        </a:rPr>
-                        <a:t>Result</a:t>
-                      </a:r>
-                    </a:p>
-                  </a:txBody>
-                  <a:tcPr marL="5828" marR="5828" marT="5828" marB="0" anchor="ctr">
-                    <a:solidFill>
-                      <a:srgbClr val="FFC000"/>
-                    </a:solidFill>
-                  </a:tcPr>
-                </a:tc>
-                <a:extLst>
-                  <a:ext uri="{0D108BD9-81ED-4DB2-BD59-A6C34878D82A}">
-                    <a16:rowId xmlns:a16="http://schemas.microsoft.com/office/drawing/2014/main" val="2754745575"/>
-                  </a:ext>
-                </a:extLst>
-              </a:tr>
-              <a:tr h="989638">
-                <a:tc>
-                  <a:txBody>
-                    <a:bodyPr/>
-                    <a:lstStyle/>
-                    <a:p>
-                      <a:pPr algn="ctr" rtl="0" fontAlgn="ctr"/>
-                      <a:r>
-                        <a:rPr lang="en-CA" sz="1200" b="1" u="none" strike="noStrike" dirty="0">
-                          <a:effectLst/>
-                        </a:rPr>
-                        <a:t>Step 1</a:t>
-                      </a:r>
-                      <a:endParaRPr lang="en-CA" sz="1200" b="1" i="0" u="none" strike="noStrike" dirty="0">
-                        <a:solidFill>
-                          <a:srgbClr val="000000"/>
-                        </a:solidFill>
-                        <a:effectLst/>
-                        <a:latin typeface="Arial" panose="020B0604020202020204" pitchFamily="34" charset="0"/>
-                      </a:endParaRPr>
-                    </a:p>
-                  </a:txBody>
-                  <a:tcPr marL="5828" marR="5828" marT="5828" marB="0"/>
-                </a:tc>
-                <a:tc>
-                  <a:txBody>
-                    <a:bodyPr/>
-                    <a:lstStyle/>
-                    <a:p>
-                      <a:pPr marL="171450" indent="-171450" algn="l" rtl="0" fontAlgn="ctr">
-                        <a:buFont typeface="Arial" panose="020B0604020202020204" pitchFamily="34" charset="0"/>
-                        <a:buChar char="•"/>
-                      </a:pPr>
-                      <a:r>
-                        <a:rPr lang="en-CA" sz="1200" u="none" strike="noStrike" dirty="0">
-                          <a:effectLst/>
-                        </a:rPr>
-                        <a:t>In order to get a user with good history profile, we </a:t>
-                      </a:r>
-                      <a:r>
-                        <a:rPr lang="en-US" sz="1200" u="none" strike="noStrike" dirty="0">
-                          <a:effectLst/>
-                        </a:rPr>
-                        <a:t>sort top 100 users with the greatest number of reviews in Canada, then take 5 random users and select one.</a:t>
-                      </a:r>
-                      <a:endParaRPr lang="en-CA" sz="1200" b="0" i="0" u="none" strike="noStrike" dirty="0">
-                        <a:solidFill>
-                          <a:srgbClr val="000000"/>
-                        </a:solidFill>
-                        <a:effectLst/>
-                        <a:latin typeface="Arial" panose="020B0604020202020204" pitchFamily="34" charset="0"/>
-                      </a:endParaRPr>
-                    </a:p>
-                  </a:txBody>
-                  <a:tcPr marL="5828" marR="5828" marT="5828" marB="0"/>
-                </a:tc>
-                <a:tc>
-                  <a:txBody>
-                    <a:bodyPr/>
-                    <a:lstStyle/>
-                    <a:p>
-                      <a:pPr marL="171450" indent="-171450" algn="l" rtl="0" fontAlgn="ctr">
-                        <a:buFont typeface="Arial" panose="020B0604020202020204" pitchFamily="34" charset="0"/>
-                        <a:buChar char="•"/>
-                      </a:pPr>
-                      <a:r>
-                        <a:rPr lang="en-CA" sz="1200" b="0" i="0" u="none" strike="noStrike" dirty="0">
-                          <a:solidFill>
-                            <a:srgbClr val="000000"/>
-                          </a:solidFill>
-                          <a:effectLst/>
-                          <a:latin typeface="Arial" panose="020B0604020202020204" pitchFamily="34" charset="0"/>
-                        </a:rPr>
-                        <a:t>Top 100 users → → </a:t>
-                      </a:r>
-                      <a:r>
-                        <a:rPr lang="en-CA" sz="1200" b="1" i="0" u="none" strike="noStrike" dirty="0">
-                          <a:solidFill>
-                            <a:srgbClr val="000000"/>
-                          </a:solidFill>
-                          <a:effectLst/>
-                          <a:latin typeface="Arial" panose="020B0604020202020204" pitchFamily="34" charset="0"/>
-                        </a:rPr>
-                        <a:t>tWBLn4k1M7PLBtAtwAg73g</a:t>
-                      </a:r>
-                      <a:r>
-                        <a:rPr lang="en-CA" sz="1200" b="0" i="0" u="none" strike="noStrike" dirty="0">
-                          <a:solidFill>
-                            <a:srgbClr val="000000"/>
-                          </a:solidFill>
-                          <a:effectLst/>
-                          <a:latin typeface="Arial" panose="020B0604020202020204" pitchFamily="34" charset="0"/>
-                        </a:rPr>
-                        <a:t>  </a:t>
-                      </a:r>
-                    </a:p>
-                  </a:txBody>
-                  <a:tcPr marL="5828" marR="5828" marT="5828" marB="0"/>
-                </a:tc>
-                <a:extLst>
-                  <a:ext uri="{0D108BD9-81ED-4DB2-BD59-A6C34878D82A}">
-                    <a16:rowId xmlns:a16="http://schemas.microsoft.com/office/drawing/2014/main" val="4285483050"/>
-                  </a:ext>
-                </a:extLst>
-              </a:tr>
-              <a:tr h="979227">
-                <a:tc>
-                  <a:txBody>
-                    <a:bodyPr/>
-                    <a:lstStyle/>
-                    <a:p>
-                      <a:pPr algn="ctr" rtl="0" fontAlgn="ctr"/>
-                      <a:r>
-                        <a:rPr lang="en-CA" sz="1200" b="1" u="none" strike="noStrike" dirty="0">
-                          <a:effectLst/>
-                        </a:rPr>
-                        <a:t>Step 2</a:t>
-                      </a:r>
-                      <a:endParaRPr lang="en-CA" sz="1200" b="0" i="0" u="none" strike="noStrike" dirty="0">
-                        <a:solidFill>
-                          <a:srgbClr val="000000"/>
-                        </a:solidFill>
-                        <a:effectLst/>
-                        <a:latin typeface="Arial" panose="020B0604020202020204" pitchFamily="34" charset="0"/>
-                      </a:endParaRPr>
-                    </a:p>
-                  </a:txBody>
-                  <a:tcPr marL="5828" marR="5828" marT="5828" marB="0">
-                    <a:solidFill>
-                      <a:schemeClr val="bg2">
-                        <a:lumMod val="20000"/>
-                        <a:lumOff val="80000"/>
-                      </a:schemeClr>
-                    </a:solidFill>
-                  </a:tcPr>
-                </a:tc>
-                <a:tc>
-                  <a:txBody>
-                    <a:bodyPr/>
-                    <a:lstStyle/>
-                    <a:p>
-                      <a:pPr marL="171450" indent="-171450" algn="l" rtl="0" fontAlgn="ctr">
-                        <a:buFont typeface="Arial" panose="020B0604020202020204" pitchFamily="34" charset="0"/>
-                        <a:buChar char="•"/>
-                      </a:pPr>
-                      <a:r>
-                        <a:rPr lang="en-CA" sz="1200" u="none" strike="noStrike" dirty="0">
-                          <a:effectLst/>
-                        </a:rPr>
-                        <a:t>To make sure the user’s rating history and their restaurant choices are relevant, we find the base city AND top most reviewed postal codes of the user based on their rating history.</a:t>
-                      </a:r>
-                    </a:p>
-                    <a:p>
-                      <a:pPr marL="171450" indent="-171450" algn="l" rtl="0" fontAlgn="ctr">
-                        <a:buFont typeface="Arial" panose="020B0604020202020204" pitchFamily="34" charset="0"/>
-                        <a:buChar char="•"/>
-                      </a:pPr>
-                      <a:r>
-                        <a:rPr lang="en-CA" sz="1200" u="none" strike="noStrike" dirty="0">
-                          <a:effectLst/>
-                        </a:rPr>
-                        <a:t>We then prompt the user input their location (select one of the top postal codes)</a:t>
-                      </a:r>
-                      <a:r>
-                        <a:rPr lang="en-US" sz="1200" u="none" strike="noStrike" dirty="0">
-                          <a:effectLst/>
-                        </a:rPr>
-                        <a:t>.</a:t>
-                      </a:r>
-                      <a:endParaRPr lang="en-CA" sz="1200" b="0" i="0" u="none" strike="noStrike" dirty="0">
-                        <a:solidFill>
-                          <a:srgbClr val="000000"/>
-                        </a:solidFill>
-                        <a:effectLst/>
-                        <a:latin typeface="Arial" panose="020B0604020202020204" pitchFamily="34" charset="0"/>
-                      </a:endParaRPr>
-                    </a:p>
-                  </a:txBody>
-                  <a:tcPr marL="5828" marR="5828" marT="5828" marB="0">
-                    <a:solidFill>
-                      <a:schemeClr val="bg2">
-                        <a:lumMod val="20000"/>
-                        <a:lumOff val="80000"/>
-                      </a:schemeClr>
-                    </a:solidFill>
-                  </a:tcPr>
-                </a:tc>
-                <a:tc>
-                  <a:txBody>
-                    <a:bodyPr/>
-                    <a:lstStyle/>
-                    <a:p>
-                      <a:pPr algn="l" rtl="0" fontAlgn="ctr"/>
-                      <a:endParaRPr lang="en-CA" sz="1200" b="0" i="0" u="none" strike="noStrike" dirty="0">
-                        <a:solidFill>
-                          <a:srgbClr val="000000"/>
-                        </a:solidFill>
-                        <a:effectLst/>
-                        <a:latin typeface="Arial" panose="020B0604020202020204" pitchFamily="34" charset="0"/>
-                      </a:endParaRPr>
-                    </a:p>
-                  </a:txBody>
-                  <a:tcPr marL="5828" marR="5828" marT="5828" marB="0">
-                    <a:solidFill>
-                      <a:schemeClr val="bg2">
-                        <a:lumMod val="20000"/>
-                        <a:lumOff val="80000"/>
-                      </a:schemeClr>
-                    </a:solidFill>
-                  </a:tcPr>
-                </a:tc>
-                <a:extLst>
-                  <a:ext uri="{0D108BD9-81ED-4DB2-BD59-A6C34878D82A}">
-                    <a16:rowId xmlns:a16="http://schemas.microsoft.com/office/drawing/2014/main" val="3472944759"/>
-                  </a:ext>
-                </a:extLst>
-              </a:tr>
-              <a:tr h="743387">
-                <a:tc>
-                  <a:txBody>
-                    <a:bodyPr/>
-                    <a:lstStyle/>
-                    <a:p>
-                      <a:pPr algn="ctr" rtl="0" fontAlgn="ctr"/>
-                      <a:r>
-                        <a:rPr lang="en-CA" sz="1200" b="1" u="none" strike="noStrike" dirty="0">
-                          <a:effectLst/>
-                        </a:rPr>
-                        <a:t>Step 3</a:t>
-                      </a:r>
-                      <a:endParaRPr lang="en-CA" sz="1200" b="0" i="0" u="none" strike="noStrike" dirty="0">
-                        <a:solidFill>
-                          <a:srgbClr val="000000"/>
-                        </a:solidFill>
-                        <a:effectLst/>
-                        <a:latin typeface="Arial" panose="020B0604020202020204" pitchFamily="34" charset="0"/>
-                      </a:endParaRPr>
-                    </a:p>
-                  </a:txBody>
-                  <a:tcPr marL="5828" marR="5828" marT="5828" marB="0"/>
-                </a:tc>
-                <a:tc>
-                  <a:txBody>
-                    <a:bodyPr/>
-                    <a:lstStyle/>
-                    <a:p>
-                      <a:pPr marL="171450" indent="-171450" algn="l" rtl="0" fontAlgn="ctr">
-                        <a:buFont typeface="Arial" panose="020B0604020202020204" pitchFamily="34" charset="0"/>
-                        <a:buChar char="•"/>
-                      </a:pPr>
-                      <a:r>
-                        <a:rPr lang="en-CA" sz="1200" u="none" strike="noStrike" dirty="0">
-                          <a:effectLst/>
-                        </a:rPr>
-                        <a:t>Find all postal codes and their associated businesses</a:t>
-                      </a:r>
-                    </a:p>
-                    <a:p>
-                      <a:pPr marL="0" indent="0" algn="l" rtl="0" fontAlgn="ctr">
-                        <a:buFont typeface="Arial" panose="020B0604020202020204" pitchFamily="34" charset="0"/>
-                        <a:buNone/>
-                      </a:pPr>
-                      <a:r>
-                        <a:rPr lang="en-US" sz="1200" b="0" i="0" u="none" strike="noStrike" dirty="0">
-                          <a:solidFill>
-                            <a:srgbClr val="000000"/>
-                          </a:solidFill>
-                          <a:effectLst/>
-                          <a:latin typeface="Arial" panose="020B0604020202020204" pitchFamily="34" charset="0"/>
-                        </a:rPr>
-                        <a:t> located within a 5-km radius from </a:t>
-                      </a:r>
-                      <a:r>
-                        <a:rPr lang="en-US" sz="1200" b="1" i="0" u="none" strike="noStrike" dirty="0">
-                          <a:solidFill>
-                            <a:srgbClr val="000000"/>
-                          </a:solidFill>
-                          <a:effectLst/>
-                          <a:latin typeface="Arial" panose="020B0604020202020204" pitchFamily="34" charset="0"/>
-                        </a:rPr>
-                        <a:t>the chosen postal code</a:t>
-                      </a:r>
-                      <a:endParaRPr lang="en-CA" sz="1200" b="1" i="0" u="none" strike="noStrike" dirty="0">
-                        <a:solidFill>
-                          <a:srgbClr val="000000"/>
-                        </a:solidFill>
-                        <a:effectLst/>
-                        <a:latin typeface="Arial" panose="020B0604020202020204" pitchFamily="34" charset="0"/>
-                      </a:endParaRPr>
-                    </a:p>
-                  </a:txBody>
-                  <a:tcPr marL="5828" marR="5828" marT="5828" marB="0"/>
-                </a:tc>
-                <a:tc>
-                  <a:txBody>
-                    <a:bodyPr/>
-                    <a:lstStyle/>
-                    <a:p>
-                      <a:pPr algn="l" rtl="0" fontAlgn="ctr"/>
-                      <a:endParaRPr lang="en-CA" sz="1200" b="0" i="0" u="none" strike="noStrike" dirty="0">
-                        <a:solidFill>
-                          <a:srgbClr val="000000"/>
-                        </a:solidFill>
-                        <a:effectLst/>
-                        <a:latin typeface="Arial" panose="020B0604020202020204" pitchFamily="34" charset="0"/>
-                      </a:endParaRPr>
-                    </a:p>
-                  </a:txBody>
-                  <a:tcPr marL="5828" marR="5828" marT="5828" marB="0"/>
-                </a:tc>
-                <a:extLst>
-                  <a:ext uri="{0D108BD9-81ED-4DB2-BD59-A6C34878D82A}">
-                    <a16:rowId xmlns:a16="http://schemas.microsoft.com/office/drawing/2014/main" val="834576522"/>
-                  </a:ext>
-                </a:extLst>
-              </a:tr>
-              <a:tr h="720996">
-                <a:tc>
-                  <a:txBody>
-                    <a:bodyPr/>
-                    <a:lstStyle/>
-                    <a:p>
-                      <a:pPr algn="ctr" rtl="0" fontAlgn="ctr"/>
-                      <a:r>
-                        <a:rPr lang="en-CA" sz="1200" b="1" i="0" u="none" strike="noStrike" dirty="0">
-                          <a:solidFill>
-                            <a:srgbClr val="000000"/>
-                          </a:solidFill>
-                          <a:effectLst/>
-                          <a:latin typeface="Arial" panose="020B0604020202020204" pitchFamily="34" charset="0"/>
-                        </a:rPr>
-                        <a:t>Step 4</a:t>
-                      </a:r>
-                    </a:p>
-                  </a:txBody>
-                  <a:tcPr marL="5828" marR="5828" marT="5828" marB="0">
-                    <a:solidFill>
-                      <a:schemeClr val="bg2">
-                        <a:lumMod val="20000"/>
-                        <a:lumOff val="80000"/>
-                      </a:schemeClr>
-                    </a:solidFill>
-                  </a:tcPr>
-                </a:tc>
-                <a:tc>
-                  <a:txBody>
-                    <a:bodyPr/>
-                    <a:lstStyle/>
-                    <a:p>
-                      <a:pPr marL="171450" indent="-171450" algn="l" rtl="0" fontAlgn="ctr">
-                        <a:buFont typeface="Arial" panose="020B0604020202020204" pitchFamily="34" charset="0"/>
-                        <a:buChar char="•"/>
-                      </a:pPr>
-                      <a:r>
-                        <a:rPr lang="en-US" sz="1200" u="none" strike="noStrike" kern="1200" dirty="0">
-                          <a:solidFill>
-                            <a:schemeClr val="tx1"/>
-                          </a:solidFill>
-                          <a:effectLst/>
-                          <a:latin typeface="+mn-lt"/>
-                          <a:ea typeface="+mn-ea"/>
-                          <a:cs typeface="+mn-cs"/>
-                        </a:rPr>
-                        <a:t>Use </a:t>
-                      </a:r>
-                      <a:r>
-                        <a:rPr lang="en-US" sz="1200" u="none" strike="noStrike" kern="1200" dirty="0" err="1">
-                          <a:solidFill>
-                            <a:schemeClr val="tx1"/>
-                          </a:solidFill>
-                          <a:effectLst/>
-                          <a:latin typeface="+mn-lt"/>
-                          <a:ea typeface="+mn-ea"/>
-                          <a:cs typeface="+mn-cs"/>
-                        </a:rPr>
-                        <a:t>Pyspark</a:t>
-                      </a:r>
-                      <a:r>
-                        <a:rPr lang="en-US" sz="1200" u="none" strike="noStrike" kern="1200" dirty="0">
-                          <a:solidFill>
-                            <a:schemeClr val="tx1"/>
-                          </a:solidFill>
-                          <a:effectLst/>
-                          <a:latin typeface="+mn-lt"/>
-                          <a:ea typeface="+mn-ea"/>
-                          <a:cs typeface="+mn-cs"/>
-                        </a:rPr>
-                        <a:t> </a:t>
-                      </a:r>
-                      <a:r>
-                        <a:rPr lang="en-US" sz="1200" u="none" strike="noStrike" kern="1200" dirty="0" err="1">
-                          <a:solidFill>
-                            <a:schemeClr val="tx1"/>
-                          </a:solidFill>
-                          <a:effectLst/>
-                          <a:latin typeface="+mn-lt"/>
-                          <a:ea typeface="+mn-ea"/>
-                          <a:cs typeface="+mn-cs"/>
-                        </a:rPr>
-                        <a:t>MLlib</a:t>
-                      </a:r>
-                      <a:r>
-                        <a:rPr lang="en-US" sz="1200" u="none" strike="noStrike" kern="1200" dirty="0">
-                          <a:solidFill>
-                            <a:schemeClr val="tx1"/>
-                          </a:solidFill>
-                          <a:effectLst/>
-                          <a:latin typeface="+mn-lt"/>
-                          <a:ea typeface="+mn-ea"/>
-                          <a:cs typeface="+mn-cs"/>
-                        </a:rPr>
-                        <a:t> ALS library to do recommendation, sorting out top 10 restaurants with the highest predicted ratings.</a:t>
-                      </a:r>
-                    </a:p>
-                    <a:p>
-                      <a:pPr algn="l" rtl="0" fontAlgn="ctr"/>
-                      <a:endParaRPr lang="en-US" sz="1200" u="none" strike="noStrike" kern="1200" dirty="0">
-                        <a:solidFill>
-                          <a:schemeClr val="tx1"/>
-                        </a:solidFill>
-                        <a:effectLst/>
-                        <a:latin typeface="+mn-lt"/>
-                        <a:ea typeface="+mn-ea"/>
-                        <a:cs typeface="+mn-cs"/>
-                      </a:endParaRPr>
-                    </a:p>
-                    <a:p>
-                      <a:pPr marL="171450" indent="-171450" algn="l" rtl="0" fontAlgn="ctr">
-                        <a:buFont typeface="Arial" panose="020B0604020202020204" pitchFamily="34" charset="0"/>
-                        <a:buChar char="•"/>
-                      </a:pPr>
-                      <a:r>
-                        <a:rPr lang="en-US" sz="1200" u="none" strike="noStrike" kern="1200" dirty="0">
-                          <a:solidFill>
-                            <a:schemeClr val="tx1"/>
-                          </a:solidFill>
-                          <a:effectLst/>
-                          <a:latin typeface="+mn-lt"/>
-                          <a:ea typeface="+mn-ea"/>
-                          <a:cs typeface="+mn-cs"/>
-                        </a:rPr>
-                        <a:t>Prompt user to select one restaurant</a:t>
-                      </a:r>
-                    </a:p>
-                    <a:p>
-                      <a:pPr algn="l" rtl="0" fontAlgn="ctr"/>
-                      <a:endParaRPr lang="en-CA" sz="1200" u="none" strike="noStrike" kern="1200" dirty="0">
-                        <a:solidFill>
-                          <a:schemeClr val="tx1"/>
-                        </a:solidFill>
-                        <a:effectLst/>
-                        <a:latin typeface="+mn-lt"/>
-                        <a:ea typeface="+mn-ea"/>
-                        <a:cs typeface="+mn-cs"/>
-                      </a:endParaRPr>
-                    </a:p>
-                  </a:txBody>
-                  <a:tcPr marL="5828" marR="5828" marT="5828" marB="0">
-                    <a:solidFill>
-                      <a:schemeClr val="bg2">
-                        <a:lumMod val="20000"/>
-                        <a:lumOff val="80000"/>
-                      </a:schemeClr>
-                    </a:solidFill>
-                  </a:tcPr>
-                </a:tc>
-                <a:tc>
-                  <a:txBody>
-                    <a:bodyPr/>
-                    <a:lstStyle/>
-                    <a:p>
-                      <a:pPr marL="171450" indent="-171450" algn="l" rtl="0" fontAlgn="ctr">
-                        <a:buFont typeface="Arial" panose="020B0604020202020204" pitchFamily="34" charset="0"/>
-                        <a:buChar char="•"/>
-                      </a:pPr>
-                      <a:r>
-                        <a:rPr lang="en-CA" sz="1200" b="0" i="0" u="none" strike="noStrike" dirty="0">
-                          <a:solidFill>
-                            <a:srgbClr val="000000"/>
-                          </a:solidFill>
-                          <a:effectLst/>
-                          <a:latin typeface="Arial" panose="020B0604020202020204" pitchFamily="34" charset="0"/>
-                        </a:rPr>
-                        <a:t>List of restaurants found</a:t>
-                      </a:r>
-                    </a:p>
-                    <a:p>
-                      <a:pPr marL="171450" indent="-171450" algn="l" rtl="0" fontAlgn="ctr">
-                        <a:buFont typeface="Arial" panose="020B0604020202020204" pitchFamily="34" charset="0"/>
-                        <a:buChar char="•"/>
-                      </a:pPr>
-                      <a:endParaRPr lang="en-CA" sz="1200" b="0" i="0" u="none" strike="noStrike" dirty="0">
-                        <a:solidFill>
-                          <a:srgbClr val="000000"/>
-                        </a:solidFill>
-                        <a:effectLst/>
-                        <a:latin typeface="Arial" panose="020B0604020202020204" pitchFamily="34" charset="0"/>
-                      </a:endParaRPr>
-                    </a:p>
-                    <a:p>
-                      <a:pPr marL="171450" indent="-171450" algn="l" rtl="0" fontAlgn="ctr">
-                        <a:buFont typeface="Arial" panose="020B0604020202020204" pitchFamily="34" charset="0"/>
-                        <a:buChar char="•"/>
-                      </a:pPr>
-                      <a:r>
-                        <a:rPr lang="en-CA" sz="1200" b="0" i="0" u="none" strike="noStrike" dirty="0">
-                          <a:solidFill>
-                            <a:srgbClr val="000000"/>
-                          </a:solidFill>
-                          <a:effectLst/>
-                          <a:latin typeface="Arial" panose="020B0604020202020204" pitchFamily="34" charset="0"/>
-                        </a:rPr>
-                        <a:t>Selected restaurant</a:t>
-                      </a:r>
-                    </a:p>
-                    <a:p>
-                      <a:pPr marL="171450" indent="-171450" algn="l" rtl="0" fontAlgn="ctr">
-                        <a:buFont typeface="Arial" panose="020B0604020202020204" pitchFamily="34" charset="0"/>
-                        <a:buChar char="•"/>
-                      </a:pPr>
-                      <a:endParaRPr lang="en-CA" sz="1200" b="0" i="0" u="none" strike="noStrike" dirty="0">
-                        <a:solidFill>
-                          <a:srgbClr val="000000"/>
-                        </a:solidFill>
-                        <a:effectLst/>
-                        <a:latin typeface="Arial" panose="020B0604020202020204" pitchFamily="34" charset="0"/>
-                      </a:endParaRPr>
-                    </a:p>
-                    <a:p>
-                      <a:pPr marL="171450" indent="-171450" algn="l" rtl="0" fontAlgn="ctr">
-                        <a:buFont typeface="Arial" panose="020B0604020202020204" pitchFamily="34" charset="0"/>
-                        <a:buChar char="•"/>
-                      </a:pPr>
-                      <a:endParaRPr lang="en-CA" sz="1200" b="0" i="0" u="none" strike="noStrike" dirty="0">
-                        <a:solidFill>
-                          <a:srgbClr val="000000"/>
-                        </a:solidFill>
-                        <a:effectLst/>
-                        <a:latin typeface="Arial" panose="020B0604020202020204" pitchFamily="34" charset="0"/>
-                      </a:endParaRPr>
-                    </a:p>
-                  </a:txBody>
-                  <a:tcPr marL="5828" marR="5828" marT="5828" marB="0">
-                    <a:solidFill>
-                      <a:schemeClr val="bg2">
-                        <a:lumMod val="20000"/>
-                        <a:lumOff val="80000"/>
-                      </a:schemeClr>
-                    </a:solidFill>
-                  </a:tcPr>
-                </a:tc>
-                <a:extLst>
-                  <a:ext uri="{0D108BD9-81ED-4DB2-BD59-A6C34878D82A}">
-                    <a16:rowId xmlns:a16="http://schemas.microsoft.com/office/drawing/2014/main" val="2355580518"/>
-                  </a:ext>
-                </a:extLst>
-              </a:tr>
-              <a:tr h="945744">
-                <a:tc>
-                  <a:txBody>
-                    <a:bodyPr/>
-                    <a:lstStyle/>
-                    <a:p>
-                      <a:pPr algn="ctr" rtl="0" fontAlgn="ctr"/>
-                      <a:r>
-                        <a:rPr lang="en-CA" sz="1200" b="1" u="none" strike="noStrike" dirty="0">
-                          <a:effectLst/>
-                        </a:rPr>
-                        <a:t>Step 5</a:t>
-                      </a:r>
-                      <a:endParaRPr lang="en-CA" sz="1200" b="1" i="0" u="none" strike="noStrike" dirty="0">
-                        <a:solidFill>
-                          <a:srgbClr val="000000"/>
-                        </a:solidFill>
-                        <a:effectLst/>
-                        <a:latin typeface="Arial" panose="020B0604020202020204" pitchFamily="34" charset="0"/>
-                      </a:endParaRPr>
-                    </a:p>
-                  </a:txBody>
-                  <a:tcPr marL="5828" marR="5828" marT="5828" marB="0">
-                    <a:solidFill>
-                      <a:schemeClr val="bg1"/>
-                    </a:solidFill>
-                  </a:tcPr>
-                </a:tc>
-                <a:tc>
-                  <a:txBody>
-                    <a:bodyPr/>
-                    <a:lstStyle/>
-                    <a:p>
-                      <a:pPr marL="171450" marR="0" lvl="0" indent="-171450" algn="l" defTabSz="1088558" rtl="0" eaLnBrk="1" fontAlgn="ctr" latinLnBrk="0" hangingPunct="1">
-                        <a:lnSpc>
-                          <a:spcPct val="100000"/>
-                        </a:lnSpc>
-                        <a:spcBef>
-                          <a:spcPts val="0"/>
-                        </a:spcBef>
-                        <a:spcAft>
-                          <a:spcPts val="0"/>
-                        </a:spcAft>
-                        <a:buClrTx/>
-                        <a:buSzTx/>
-                        <a:buFont typeface="Arial" panose="020B0604020202020204" pitchFamily="34" charset="0"/>
-                        <a:buChar char="•"/>
-                        <a:tabLst/>
-                        <a:defRPr/>
-                      </a:pPr>
-                      <a:r>
-                        <a:rPr lang="en-US" sz="1200" u="none" strike="noStrike" kern="1200" dirty="0">
-                          <a:solidFill>
-                            <a:schemeClr val="tx1"/>
-                          </a:solidFill>
-                          <a:effectLst/>
-                          <a:latin typeface="+mn-lt"/>
-                          <a:ea typeface="+mn-ea"/>
-                          <a:cs typeface="+mn-cs"/>
-                        </a:rPr>
-                        <a:t>Use FP-Growth Library in </a:t>
-                      </a:r>
-                      <a:r>
-                        <a:rPr lang="en-US" sz="1200" u="none" strike="noStrike" kern="1200" dirty="0" err="1">
-                          <a:solidFill>
-                            <a:schemeClr val="tx1"/>
-                          </a:solidFill>
-                          <a:effectLst/>
-                          <a:latin typeface="+mn-lt"/>
-                          <a:ea typeface="+mn-ea"/>
-                          <a:cs typeface="+mn-cs"/>
-                        </a:rPr>
-                        <a:t>Pyspark</a:t>
-                      </a:r>
-                      <a:r>
-                        <a:rPr lang="en-US" sz="1200" u="none" strike="noStrike" kern="1200" dirty="0">
-                          <a:solidFill>
-                            <a:schemeClr val="tx1"/>
-                          </a:solidFill>
-                          <a:effectLst/>
-                          <a:latin typeface="+mn-lt"/>
-                          <a:ea typeface="+mn-ea"/>
-                          <a:cs typeface="+mn-cs"/>
-                        </a:rPr>
-                        <a:t> to perform Frequent Itemset listing out top 5 most frequently chosen items</a:t>
-                      </a:r>
-                    </a:p>
-                  </a:txBody>
-                  <a:tcPr marL="5828" marR="5828" marT="5828" marB="0">
-                    <a:solidFill>
-                      <a:schemeClr val="bg1"/>
-                    </a:solidFill>
-                  </a:tcPr>
-                </a:tc>
-                <a:tc>
-                  <a:txBody>
-                    <a:bodyPr/>
-                    <a:lstStyle/>
-                    <a:p>
-                      <a:pPr marL="171450" indent="-171450" algn="l" rtl="0" fontAlgn="ctr">
-                        <a:buFont typeface="Arial" panose="020B0604020202020204" pitchFamily="34" charset="0"/>
-                        <a:buChar char="•"/>
-                      </a:pPr>
-                      <a:endParaRPr lang="en-CA" sz="1200" b="0" i="0" u="none" strike="noStrike" dirty="0">
-                        <a:solidFill>
-                          <a:srgbClr val="000000"/>
-                        </a:solidFill>
-                        <a:effectLst/>
-                        <a:latin typeface="Arial" panose="020B0604020202020204" pitchFamily="34" charset="0"/>
-                      </a:endParaRPr>
-                    </a:p>
-                  </a:txBody>
-                  <a:tcPr marL="5828" marR="5828" marT="5828" marB="0">
-                    <a:solidFill>
-                      <a:schemeClr val="bg1"/>
-                    </a:solidFill>
-                  </a:tcPr>
-                </a:tc>
-                <a:extLst>
-                  <a:ext uri="{0D108BD9-81ED-4DB2-BD59-A6C34878D82A}">
-                    <a16:rowId xmlns:a16="http://schemas.microsoft.com/office/drawing/2014/main" val="734134813"/>
-                  </a:ext>
-                </a:extLst>
-              </a:tr>
-            </a:tbl>
-          </a:graphicData>
-        </a:graphic>
-      </p:graphicFrame>
-      <p:sp>
-        <p:nvSpPr>
-          <p:cNvPr id="13" name="Text Placeholder 5">
-            <a:hlinkClick r:id="" action="ppaction://noaction"/>
-            <a:extLst>
-              <a:ext uri="{FF2B5EF4-FFF2-40B4-BE49-F238E27FC236}">
-                <a16:creationId xmlns:a16="http://schemas.microsoft.com/office/drawing/2014/main" id="{EDB3E8BC-EDB2-4631-B4A1-C63E9DDBCCF0}"/>
-              </a:ext>
-            </a:extLst>
-          </p:cNvPr>
-          <p:cNvSpPr txBox="1">
-            <a:spLocks/>
-          </p:cNvSpPr>
-          <p:nvPr/>
-        </p:nvSpPr>
-        <p:spPr>
-          <a:xfrm>
-            <a:off x="10318114" y="1716090"/>
-            <a:ext cx="1769109" cy="184666"/>
-          </a:xfrm>
-          <a:prstGeom prst="rect">
-            <a:avLst/>
-          </a:prstGeom>
-        </p:spPr>
-        <p:txBody>
-          <a:bodyPr vert="horz" wrap="square" lIns="0" tIns="0" rIns="0" bIns="0" rtlCol="0">
-            <a:spAutoFit/>
-          </a:bodyPr>
-          <a:lstStyle>
-            <a:defPPr>
-              <a:defRPr lang="de-DE"/>
-            </a:defPPr>
-            <a:lvl1pPr indent="0">
-              <a:spcBef>
-                <a:spcPts val="600"/>
-              </a:spcBef>
-              <a:spcAft>
-                <a:spcPts val="0"/>
-              </a:spcAft>
-              <a:buSzPct val="100000"/>
-              <a:buFont typeface="Arial" panose="020B0604020202020204" pitchFamily="34" charset="0"/>
-              <a:buNone/>
-              <a:tabLst>
-                <a:tab pos="6705432" algn="r"/>
-              </a:tabLst>
-              <a:defRPr sz="1200" b="0"/>
-            </a:lvl1pPr>
-            <a:lvl2pPr marL="0" indent="0">
-              <a:spcBef>
-                <a:spcPts val="600"/>
-              </a:spcBef>
-              <a:spcAft>
-                <a:spcPts val="600"/>
-              </a:spcAft>
-              <a:buClrTx/>
-              <a:buFont typeface="Arial"/>
-              <a:buNone/>
-              <a:tabLst>
-                <a:tab pos="6705432" algn="r"/>
-              </a:tabLst>
-              <a:defRPr sz="1200" b="1"/>
-            </a:lvl2pPr>
-            <a:lvl3pPr marL="180000" indent="-180000">
-              <a:spcBef>
-                <a:spcPts val="600"/>
-              </a:spcBef>
-              <a:spcAft>
-                <a:spcPts val="600"/>
-              </a:spcAft>
-              <a:buClrTx/>
-              <a:buSzPct val="100000"/>
-              <a:buFont typeface="Arial" panose="020B0604020202020204" pitchFamily="34" charset="0"/>
-              <a:buChar char="•"/>
-              <a:tabLst>
-                <a:tab pos="6705432" algn="r"/>
-              </a:tabLst>
-              <a:defRPr sz="1200"/>
-            </a:lvl3pPr>
-            <a:lvl4pPr marL="360000" indent="-180000">
-              <a:spcBef>
-                <a:spcPts val="600"/>
-              </a:spcBef>
-              <a:spcAft>
-                <a:spcPts val="600"/>
-              </a:spcAft>
-              <a:buClrTx/>
-              <a:buSzPct val="100000"/>
-              <a:buFont typeface="Verdana" panose="020B0604030504040204" pitchFamily="34" charset="0"/>
-              <a:buChar char="−"/>
-              <a:tabLst>
-                <a:tab pos="6705432" algn="r"/>
-              </a:tabLst>
-              <a:defRPr sz="1200" baseline="0"/>
-            </a:lvl4pPr>
-            <a:lvl5pPr marL="540000" indent="-180000" defTabSz="1064657">
-              <a:spcBef>
-                <a:spcPts val="600"/>
-              </a:spcBef>
-              <a:spcAft>
-                <a:spcPts val="600"/>
-              </a:spcAft>
-              <a:buClrTx/>
-              <a:buSzPct val="100000"/>
-              <a:buFont typeface="Arial" panose="020B0604020202020204" pitchFamily="34" charset="0"/>
-              <a:buChar char="•"/>
-              <a:tabLst>
-                <a:tab pos="6705432" algn="r"/>
-              </a:tabLst>
-              <a:defRPr baseline="0"/>
-            </a:lvl5pPr>
-            <a:lvl6pPr marL="710382" indent="-235194">
-              <a:spcBef>
-                <a:spcPts val="0"/>
-              </a:spcBef>
-              <a:spcAft>
-                <a:spcPts val="1333"/>
-              </a:spcAft>
-              <a:buFont typeface="Verdana" panose="020B0604030504040204" pitchFamily="34" charset="0"/>
-              <a:buChar char="−"/>
-              <a:defRPr sz="1600" baseline="0"/>
-            </a:lvl6pPr>
-            <a:lvl7pPr marL="710382" indent="-235194">
-              <a:spcBef>
-                <a:spcPts val="0"/>
-              </a:spcBef>
-              <a:spcAft>
-                <a:spcPts val="1333"/>
-              </a:spcAft>
-              <a:buFont typeface="Verdana" panose="020B0604030504040204" pitchFamily="34" charset="0"/>
-              <a:buChar char="−"/>
-              <a:defRPr sz="1600"/>
-            </a:lvl7pPr>
-            <a:lvl8pPr marL="710382" indent="-235194">
-              <a:spcBef>
-                <a:spcPts val="0"/>
-              </a:spcBef>
-              <a:spcAft>
-                <a:spcPts val="1333"/>
-              </a:spcAft>
-              <a:buFont typeface="Verdana" panose="020B0604030504040204" pitchFamily="34" charset="0"/>
-              <a:buChar char="−"/>
-              <a:defRPr sz="1600" baseline="0"/>
-            </a:lvl8pPr>
-            <a:lvl9pPr marL="710382" indent="-235194">
-              <a:spcBef>
-                <a:spcPts val="0"/>
-              </a:spcBef>
-              <a:spcAft>
-                <a:spcPts val="1333"/>
-              </a:spcAft>
-              <a:buFont typeface="Verdana" panose="020B0604030504040204" pitchFamily="34" charset="0"/>
-              <a:buChar char="−"/>
-              <a:defRPr sz="1600" baseline="0"/>
-            </a:lvl9pPr>
-          </a:lstStyle>
-          <a:p>
-            <a:r>
-              <a:rPr lang="en-US" dirty="0"/>
-              <a:t>Project Overview	</a:t>
-            </a:r>
-          </a:p>
-        </p:txBody>
-      </p:sp>
-      <p:sp>
-        <p:nvSpPr>
-          <p:cNvPr id="14" name="Text Placeholder 5">
-            <a:hlinkClick r:id="" action="ppaction://noaction"/>
-            <a:extLst>
-              <a:ext uri="{FF2B5EF4-FFF2-40B4-BE49-F238E27FC236}">
-                <a16:creationId xmlns:a16="http://schemas.microsoft.com/office/drawing/2014/main" id="{25BCFF89-6281-4814-B3ED-946F9147928E}"/>
-              </a:ext>
-            </a:extLst>
-          </p:cNvPr>
-          <p:cNvSpPr txBox="1">
-            <a:spLocks/>
-          </p:cNvSpPr>
-          <p:nvPr/>
-        </p:nvSpPr>
-        <p:spPr>
-          <a:xfrm>
-            <a:off x="10318115" y="2052096"/>
-            <a:ext cx="1724660" cy="184666"/>
-          </a:xfrm>
-          <a:prstGeom prst="rect">
-            <a:avLst/>
-          </a:prstGeom>
-        </p:spPr>
-        <p:txBody>
-          <a:bodyPr vert="horz" wrap="square" lIns="0" tIns="0" rIns="0" bIns="0" rtlCol="0">
-            <a:spAutoFit/>
-          </a:bodyPr>
-          <a:lstStyle>
-            <a:defPPr>
-              <a:defRPr lang="de-DE"/>
-            </a:defPPr>
-            <a:lvl1pPr indent="0">
-              <a:spcBef>
-                <a:spcPts val="600"/>
-              </a:spcBef>
-              <a:spcAft>
-                <a:spcPts val="0"/>
-              </a:spcAft>
-              <a:buSzPct val="100000"/>
-              <a:buFont typeface="Arial" panose="020B0604020202020204" pitchFamily="34" charset="0"/>
-              <a:buNone/>
-              <a:tabLst>
-                <a:tab pos="6705432" algn="r"/>
-              </a:tabLst>
-              <a:defRPr sz="1200" b="0"/>
-            </a:lvl1pPr>
-            <a:lvl2pPr marL="0" indent="0">
-              <a:spcBef>
-                <a:spcPts val="600"/>
-              </a:spcBef>
-              <a:spcAft>
-                <a:spcPts val="600"/>
-              </a:spcAft>
-              <a:buClrTx/>
-              <a:buFont typeface="Arial"/>
-              <a:buNone/>
-              <a:tabLst>
-                <a:tab pos="6705432" algn="r"/>
-              </a:tabLst>
-              <a:defRPr sz="1200" b="1"/>
-            </a:lvl2pPr>
-            <a:lvl3pPr marL="180000" indent="-180000">
-              <a:spcBef>
-                <a:spcPts val="600"/>
-              </a:spcBef>
-              <a:spcAft>
-                <a:spcPts val="600"/>
-              </a:spcAft>
-              <a:buClrTx/>
-              <a:buSzPct val="100000"/>
-              <a:buFont typeface="Arial" panose="020B0604020202020204" pitchFamily="34" charset="0"/>
-              <a:buChar char="•"/>
-              <a:tabLst>
-                <a:tab pos="6705432" algn="r"/>
-              </a:tabLst>
-              <a:defRPr sz="1200"/>
-            </a:lvl3pPr>
-            <a:lvl4pPr marL="360000" indent="-180000">
-              <a:spcBef>
-                <a:spcPts val="600"/>
-              </a:spcBef>
-              <a:spcAft>
-                <a:spcPts val="600"/>
-              </a:spcAft>
-              <a:buClrTx/>
-              <a:buSzPct val="100000"/>
-              <a:buFont typeface="Verdana" panose="020B0604030504040204" pitchFamily="34" charset="0"/>
-              <a:buChar char="−"/>
-              <a:tabLst>
-                <a:tab pos="6705432" algn="r"/>
-              </a:tabLst>
-              <a:defRPr sz="1200" baseline="0"/>
-            </a:lvl4pPr>
-            <a:lvl5pPr marL="540000" indent="-180000" defTabSz="1064657">
-              <a:spcBef>
-                <a:spcPts val="600"/>
-              </a:spcBef>
-              <a:spcAft>
-                <a:spcPts val="600"/>
-              </a:spcAft>
-              <a:buClrTx/>
-              <a:buSzPct val="100000"/>
-              <a:buFont typeface="Arial" panose="020B0604020202020204" pitchFamily="34" charset="0"/>
-              <a:buChar char="•"/>
-              <a:tabLst>
-                <a:tab pos="6705432" algn="r"/>
-              </a:tabLst>
-              <a:defRPr baseline="0"/>
-            </a:lvl5pPr>
-            <a:lvl6pPr marL="710382" indent="-235194">
-              <a:spcBef>
-                <a:spcPts val="0"/>
-              </a:spcBef>
-              <a:spcAft>
-                <a:spcPts val="1333"/>
-              </a:spcAft>
-              <a:buFont typeface="Verdana" panose="020B0604030504040204" pitchFamily="34" charset="0"/>
-              <a:buChar char="−"/>
-              <a:defRPr sz="1600" baseline="0"/>
-            </a:lvl6pPr>
-            <a:lvl7pPr marL="710382" indent="-235194">
-              <a:spcBef>
-                <a:spcPts val="0"/>
-              </a:spcBef>
-              <a:spcAft>
-                <a:spcPts val="1333"/>
-              </a:spcAft>
-              <a:buFont typeface="Verdana" panose="020B0604030504040204" pitchFamily="34" charset="0"/>
-              <a:buChar char="−"/>
-              <a:defRPr sz="1600"/>
-            </a:lvl7pPr>
-            <a:lvl8pPr marL="710382" indent="-235194">
-              <a:spcBef>
-                <a:spcPts val="0"/>
-              </a:spcBef>
-              <a:spcAft>
-                <a:spcPts val="1333"/>
-              </a:spcAft>
-              <a:buFont typeface="Verdana" panose="020B0604030504040204" pitchFamily="34" charset="0"/>
-              <a:buChar char="−"/>
-              <a:defRPr sz="1600" baseline="0"/>
-            </a:lvl8pPr>
-            <a:lvl9pPr marL="710382" indent="-235194">
-              <a:spcBef>
-                <a:spcPts val="0"/>
-              </a:spcBef>
-              <a:spcAft>
-                <a:spcPts val="1333"/>
-              </a:spcAft>
-              <a:buFont typeface="Verdana" panose="020B0604030504040204" pitchFamily="34" charset="0"/>
-              <a:buChar char="−"/>
-              <a:defRPr sz="1600" baseline="0"/>
-            </a:lvl9pPr>
-          </a:lstStyle>
-          <a:p>
-            <a:r>
-              <a:rPr lang="en-US" dirty="0"/>
-              <a:t>Dataset &amp; Methods Used</a:t>
-            </a:r>
-          </a:p>
-        </p:txBody>
-      </p:sp>
-      <p:sp>
-        <p:nvSpPr>
-          <p:cNvPr id="15" name="Text Placeholder 5">
-            <a:hlinkClick r:id="" action="ppaction://noaction"/>
-            <a:extLst>
-              <a:ext uri="{FF2B5EF4-FFF2-40B4-BE49-F238E27FC236}">
-                <a16:creationId xmlns:a16="http://schemas.microsoft.com/office/drawing/2014/main" id="{523FFAD3-C307-453C-AE74-38A2DDF29055}"/>
-              </a:ext>
-            </a:extLst>
-          </p:cNvPr>
-          <p:cNvSpPr txBox="1">
-            <a:spLocks/>
-          </p:cNvSpPr>
-          <p:nvPr/>
-        </p:nvSpPr>
-        <p:spPr>
-          <a:xfrm>
-            <a:off x="10318114" y="2724107"/>
-            <a:ext cx="1724660" cy="184666"/>
-          </a:xfrm>
-          <a:prstGeom prst="rect">
-            <a:avLst/>
-          </a:prstGeom>
-        </p:spPr>
-        <p:txBody>
-          <a:bodyPr vert="horz" wrap="square" lIns="0" tIns="0" rIns="0" bIns="0" rtlCol="0">
-            <a:spAutoFit/>
-          </a:bodyPr>
-          <a:lstStyle>
-            <a:defPPr>
-              <a:defRPr lang="en-US"/>
-            </a:defPPr>
-            <a:lvl1pPr indent="0">
-              <a:spcBef>
-                <a:spcPts val="600"/>
-              </a:spcBef>
-              <a:spcAft>
-                <a:spcPts val="0"/>
-              </a:spcAft>
-              <a:buSzPct val="100000"/>
-              <a:buFont typeface="Arial" panose="020B0604020202020204" pitchFamily="34" charset="0"/>
-              <a:buNone/>
-              <a:tabLst>
-                <a:tab pos="6705432" algn="r"/>
-              </a:tabLst>
-              <a:defRPr sz="1100" b="0">
-                <a:solidFill>
-                  <a:srgbClr val="BBBCBC"/>
-                </a:solidFill>
-              </a:defRPr>
-            </a:lvl1pPr>
-            <a:lvl2pPr marL="0" indent="0">
-              <a:spcBef>
-                <a:spcPts val="600"/>
-              </a:spcBef>
-              <a:spcAft>
-                <a:spcPts val="600"/>
-              </a:spcAft>
-              <a:buClrTx/>
-              <a:buSzPct val="100000"/>
-              <a:buFont typeface="Arial"/>
-              <a:buNone/>
-              <a:tabLst>
-                <a:tab pos="6705432" algn="r"/>
-              </a:tabLst>
-              <a:defRPr sz="1200" b="1"/>
-            </a:lvl2pPr>
-            <a:lvl3pPr marL="180000" indent="-180000">
-              <a:spcBef>
-                <a:spcPts val="600"/>
-              </a:spcBef>
-              <a:spcAft>
-                <a:spcPts val="600"/>
-              </a:spcAft>
-              <a:buClrTx/>
-              <a:buSzPct val="100000"/>
-              <a:buFont typeface="Arial" panose="020B0604020202020204" pitchFamily="34" charset="0"/>
-              <a:buChar char="•"/>
-              <a:tabLst>
-                <a:tab pos="6705432" algn="r"/>
-              </a:tabLst>
-              <a:defRPr sz="1200"/>
-            </a:lvl3pPr>
-            <a:lvl4pPr marL="360000" indent="-180000">
-              <a:spcBef>
-                <a:spcPts val="600"/>
-              </a:spcBef>
-              <a:spcAft>
-                <a:spcPts val="600"/>
-              </a:spcAft>
-              <a:buClrTx/>
-              <a:buSzPct val="100000"/>
-              <a:buFont typeface="Verdana" panose="020B0604030504040204" pitchFamily="34" charset="0"/>
-              <a:buChar char="−"/>
-              <a:tabLst>
-                <a:tab pos="6705432" algn="r"/>
-              </a:tabLst>
-              <a:defRPr sz="1200" baseline="0"/>
-            </a:lvl4pPr>
-            <a:lvl5pPr marL="540000" indent="-180000" defTabSz="1064657">
-              <a:spcBef>
-                <a:spcPts val="600"/>
-              </a:spcBef>
-              <a:spcAft>
-                <a:spcPts val="600"/>
-              </a:spcAft>
-              <a:buClrTx/>
-              <a:buSzPct val="100000"/>
-              <a:buFont typeface="Arial" panose="020B0604020202020204" pitchFamily="34" charset="0"/>
-              <a:buChar char="•"/>
-              <a:tabLst>
-                <a:tab pos="6705432" algn="r"/>
-              </a:tabLst>
-              <a:defRPr sz="1200" baseline="0"/>
-            </a:lvl5pPr>
-            <a:lvl6pPr marL="710382" indent="-235194">
-              <a:spcBef>
-                <a:spcPts val="0"/>
-              </a:spcBef>
-              <a:spcAft>
-                <a:spcPts val="1333"/>
-              </a:spcAft>
-              <a:buFont typeface="Verdana" panose="020B0604030504040204" pitchFamily="34" charset="0"/>
-              <a:buChar char="−"/>
-              <a:defRPr sz="1600" baseline="0"/>
-            </a:lvl6pPr>
-            <a:lvl7pPr marL="710382" indent="-235194">
-              <a:spcBef>
-                <a:spcPts val="0"/>
-              </a:spcBef>
-              <a:spcAft>
-                <a:spcPts val="1333"/>
-              </a:spcAft>
-              <a:buFont typeface="Verdana" panose="020B0604030504040204" pitchFamily="34" charset="0"/>
-              <a:buChar char="−"/>
-              <a:defRPr sz="1600"/>
-            </a:lvl7pPr>
-            <a:lvl8pPr marL="710382" indent="-235194">
-              <a:spcBef>
-                <a:spcPts val="0"/>
-              </a:spcBef>
-              <a:spcAft>
-                <a:spcPts val="1333"/>
-              </a:spcAft>
-              <a:buFont typeface="Verdana" panose="020B0604030504040204" pitchFamily="34" charset="0"/>
-              <a:buChar char="−"/>
-              <a:defRPr sz="1600" baseline="0"/>
-            </a:lvl8pPr>
-            <a:lvl9pPr marL="710382" indent="-235194">
-              <a:spcBef>
-                <a:spcPts val="0"/>
-              </a:spcBef>
-              <a:spcAft>
-                <a:spcPts val="1333"/>
-              </a:spcAft>
-              <a:buFont typeface="Verdana" panose="020B0604030504040204" pitchFamily="34" charset="0"/>
-              <a:buChar char="−"/>
-              <a:defRPr sz="1600" baseline="0"/>
-            </a:lvl9pPr>
-          </a:lstStyle>
-          <a:p>
-            <a:r>
-              <a:rPr lang="en-US" sz="1200" dirty="0">
-                <a:solidFill>
-                  <a:schemeClr val="tx1"/>
-                </a:solidFill>
-              </a:rPr>
-              <a:t>Issue Explanations</a:t>
-            </a:r>
-          </a:p>
-        </p:txBody>
-      </p:sp>
-      <p:sp>
-        <p:nvSpPr>
-          <p:cNvPr id="16" name="Text Placeholder 5">
-            <a:hlinkClick r:id="" action="ppaction://noaction"/>
-            <a:extLst>
-              <a:ext uri="{FF2B5EF4-FFF2-40B4-BE49-F238E27FC236}">
-                <a16:creationId xmlns:a16="http://schemas.microsoft.com/office/drawing/2014/main" id="{5991F167-EB5D-40D9-BB8B-FB6570C2AAD2}"/>
-              </a:ext>
-            </a:extLst>
-          </p:cNvPr>
-          <p:cNvSpPr txBox="1">
-            <a:spLocks/>
-          </p:cNvSpPr>
-          <p:nvPr/>
-        </p:nvSpPr>
-        <p:spPr>
-          <a:xfrm>
-            <a:off x="10318114" y="2388102"/>
-            <a:ext cx="1724660" cy="184666"/>
-          </a:xfrm>
-          <a:prstGeom prst="rect">
-            <a:avLst/>
-          </a:prstGeom>
-        </p:spPr>
-        <p:txBody>
-          <a:bodyPr vert="horz" wrap="square" lIns="0" tIns="0" rIns="0" bIns="0" rtlCol="0">
-            <a:spAutoFit/>
-          </a:bodyPr>
-          <a:lstStyle>
-            <a:defPPr>
-              <a:defRPr lang="en-US"/>
-            </a:defPPr>
-            <a:lvl1pPr indent="0">
-              <a:spcBef>
-                <a:spcPts val="600"/>
-              </a:spcBef>
-              <a:spcAft>
-                <a:spcPts val="0"/>
-              </a:spcAft>
-              <a:buSzPct val="100000"/>
-              <a:buFont typeface="Arial" panose="020B0604020202020204" pitchFamily="34" charset="0"/>
-              <a:buNone/>
-              <a:tabLst>
-                <a:tab pos="6705432" algn="r"/>
-              </a:tabLst>
-              <a:defRPr sz="1100" b="0">
-                <a:solidFill>
-                  <a:srgbClr val="BBBCBC"/>
-                </a:solidFill>
-              </a:defRPr>
-            </a:lvl1pPr>
-            <a:lvl2pPr marL="0" indent="0">
-              <a:spcBef>
-                <a:spcPts val="600"/>
-              </a:spcBef>
-              <a:spcAft>
-                <a:spcPts val="600"/>
-              </a:spcAft>
-              <a:buClrTx/>
-              <a:buSzPct val="100000"/>
-              <a:buFont typeface="Arial"/>
-              <a:buNone/>
-              <a:tabLst>
-                <a:tab pos="6705432" algn="r"/>
-              </a:tabLst>
-              <a:defRPr sz="1200" b="1"/>
-            </a:lvl2pPr>
-            <a:lvl3pPr marL="180000" indent="-180000">
-              <a:spcBef>
-                <a:spcPts val="600"/>
-              </a:spcBef>
-              <a:spcAft>
-                <a:spcPts val="600"/>
-              </a:spcAft>
-              <a:buClrTx/>
-              <a:buSzPct val="100000"/>
-              <a:buFont typeface="Arial" panose="020B0604020202020204" pitchFamily="34" charset="0"/>
-              <a:buChar char="•"/>
-              <a:tabLst>
-                <a:tab pos="6705432" algn="r"/>
-              </a:tabLst>
-              <a:defRPr sz="1200"/>
-            </a:lvl3pPr>
-            <a:lvl4pPr marL="360000" indent="-180000">
-              <a:spcBef>
-                <a:spcPts val="600"/>
-              </a:spcBef>
-              <a:spcAft>
-                <a:spcPts val="600"/>
-              </a:spcAft>
-              <a:buClrTx/>
-              <a:buSzPct val="100000"/>
-              <a:buFont typeface="Verdana" panose="020B0604030504040204" pitchFamily="34" charset="0"/>
-              <a:buChar char="−"/>
-              <a:tabLst>
-                <a:tab pos="6705432" algn="r"/>
-              </a:tabLst>
-              <a:defRPr sz="1200" baseline="0"/>
-            </a:lvl4pPr>
-            <a:lvl5pPr marL="540000" indent="-180000" defTabSz="1064657">
-              <a:spcBef>
-                <a:spcPts val="600"/>
-              </a:spcBef>
-              <a:spcAft>
-                <a:spcPts val="600"/>
-              </a:spcAft>
-              <a:buClrTx/>
-              <a:buSzPct val="100000"/>
-              <a:buFont typeface="Arial" panose="020B0604020202020204" pitchFamily="34" charset="0"/>
-              <a:buChar char="•"/>
-              <a:tabLst>
-                <a:tab pos="6705432" algn="r"/>
-              </a:tabLst>
-              <a:defRPr sz="1200" baseline="0"/>
-            </a:lvl5pPr>
-            <a:lvl6pPr marL="710382" indent="-235194">
-              <a:spcBef>
-                <a:spcPts val="0"/>
-              </a:spcBef>
-              <a:spcAft>
-                <a:spcPts val="1333"/>
-              </a:spcAft>
-              <a:buFont typeface="Verdana" panose="020B0604030504040204" pitchFamily="34" charset="0"/>
-              <a:buChar char="−"/>
-              <a:defRPr sz="1600" baseline="0"/>
-            </a:lvl6pPr>
-            <a:lvl7pPr marL="710382" indent="-235194">
-              <a:spcBef>
-                <a:spcPts val="0"/>
-              </a:spcBef>
-              <a:spcAft>
-                <a:spcPts val="1333"/>
-              </a:spcAft>
-              <a:buFont typeface="Verdana" panose="020B0604030504040204" pitchFamily="34" charset="0"/>
-              <a:buChar char="−"/>
-              <a:defRPr sz="1600"/>
-            </a:lvl7pPr>
-            <a:lvl8pPr marL="710382" indent="-235194">
-              <a:spcBef>
-                <a:spcPts val="0"/>
-              </a:spcBef>
-              <a:spcAft>
-                <a:spcPts val="1333"/>
-              </a:spcAft>
-              <a:buFont typeface="Verdana" panose="020B0604030504040204" pitchFamily="34" charset="0"/>
-              <a:buChar char="−"/>
-              <a:defRPr sz="1600" baseline="0"/>
-            </a:lvl8pPr>
-            <a:lvl9pPr marL="710382" indent="-235194">
-              <a:spcBef>
-                <a:spcPts val="0"/>
-              </a:spcBef>
-              <a:spcAft>
-                <a:spcPts val="1333"/>
-              </a:spcAft>
-              <a:buFont typeface="Verdana" panose="020B0604030504040204" pitchFamily="34" charset="0"/>
-              <a:buChar char="−"/>
-              <a:defRPr sz="1600" baseline="0"/>
-            </a:lvl9pPr>
-          </a:lstStyle>
-          <a:p>
-            <a:r>
-              <a:rPr lang="en-US" sz="1200" b="1" dirty="0">
-                <a:solidFill>
-                  <a:srgbClr val="FFC000"/>
-                </a:solidFill>
-              </a:rPr>
-              <a:t>Algorithm &amp; App Result</a:t>
-            </a:r>
-          </a:p>
-        </p:txBody>
-      </p:sp>
-      <p:sp>
-        <p:nvSpPr>
-          <p:cNvPr id="17" name="Text Placeholder 5">
-            <a:hlinkClick r:id="" action="ppaction://noaction"/>
-            <a:extLst>
-              <a:ext uri="{FF2B5EF4-FFF2-40B4-BE49-F238E27FC236}">
-                <a16:creationId xmlns:a16="http://schemas.microsoft.com/office/drawing/2014/main" id="{E5D07B7A-C25E-4257-8A39-4152B9EC957D}"/>
-              </a:ext>
-            </a:extLst>
-          </p:cNvPr>
-          <p:cNvSpPr txBox="1">
-            <a:spLocks/>
-          </p:cNvSpPr>
-          <p:nvPr/>
-        </p:nvSpPr>
-        <p:spPr>
-          <a:xfrm>
-            <a:off x="10318113" y="3082494"/>
-            <a:ext cx="1724660" cy="184666"/>
-          </a:xfrm>
-          <a:prstGeom prst="rect">
-            <a:avLst/>
-          </a:prstGeom>
-        </p:spPr>
-        <p:txBody>
-          <a:bodyPr vert="horz" wrap="square" lIns="0" tIns="0" rIns="0" bIns="0" rtlCol="0">
-            <a:spAutoFit/>
-          </a:bodyPr>
-          <a:lstStyle>
-            <a:defPPr>
-              <a:defRPr lang="en-US"/>
-            </a:defPPr>
-            <a:lvl1pPr indent="0">
-              <a:spcBef>
-                <a:spcPts val="600"/>
-              </a:spcBef>
-              <a:spcAft>
-                <a:spcPts val="0"/>
-              </a:spcAft>
-              <a:buSzPct val="100000"/>
-              <a:buFont typeface="Arial" panose="020B0604020202020204" pitchFamily="34" charset="0"/>
-              <a:buNone/>
-              <a:tabLst>
-                <a:tab pos="6705432" algn="r"/>
-              </a:tabLst>
-              <a:defRPr sz="1100" b="0">
-                <a:solidFill>
-                  <a:srgbClr val="BBBCBC"/>
-                </a:solidFill>
-              </a:defRPr>
-            </a:lvl1pPr>
-            <a:lvl2pPr marL="0" indent="0">
-              <a:spcBef>
-                <a:spcPts val="600"/>
-              </a:spcBef>
-              <a:spcAft>
-                <a:spcPts val="600"/>
-              </a:spcAft>
-              <a:buClrTx/>
-              <a:buSzPct val="100000"/>
-              <a:buFont typeface="Arial"/>
-              <a:buNone/>
-              <a:tabLst>
-                <a:tab pos="6705432" algn="r"/>
-              </a:tabLst>
-              <a:defRPr sz="1200" b="1"/>
-            </a:lvl2pPr>
-            <a:lvl3pPr marL="180000" indent="-180000">
-              <a:spcBef>
-                <a:spcPts val="600"/>
-              </a:spcBef>
-              <a:spcAft>
-                <a:spcPts val="600"/>
-              </a:spcAft>
-              <a:buClrTx/>
-              <a:buSzPct val="100000"/>
-              <a:buFont typeface="Arial" panose="020B0604020202020204" pitchFamily="34" charset="0"/>
-              <a:buChar char="•"/>
-              <a:tabLst>
-                <a:tab pos="6705432" algn="r"/>
-              </a:tabLst>
-              <a:defRPr sz="1200"/>
-            </a:lvl3pPr>
-            <a:lvl4pPr marL="360000" indent="-180000">
-              <a:spcBef>
-                <a:spcPts val="600"/>
-              </a:spcBef>
-              <a:spcAft>
-                <a:spcPts val="600"/>
-              </a:spcAft>
-              <a:buClrTx/>
-              <a:buSzPct val="100000"/>
-              <a:buFont typeface="Verdana" panose="020B0604030504040204" pitchFamily="34" charset="0"/>
-              <a:buChar char="−"/>
-              <a:tabLst>
-                <a:tab pos="6705432" algn="r"/>
-              </a:tabLst>
-              <a:defRPr sz="1200" baseline="0"/>
-            </a:lvl4pPr>
-            <a:lvl5pPr marL="540000" indent="-180000" defTabSz="1064657">
-              <a:spcBef>
-                <a:spcPts val="600"/>
-              </a:spcBef>
-              <a:spcAft>
-                <a:spcPts val="600"/>
-              </a:spcAft>
-              <a:buClrTx/>
-              <a:buSzPct val="100000"/>
-              <a:buFont typeface="Arial" panose="020B0604020202020204" pitchFamily="34" charset="0"/>
-              <a:buChar char="•"/>
-              <a:tabLst>
-                <a:tab pos="6705432" algn="r"/>
-              </a:tabLst>
-              <a:defRPr sz="1200" baseline="0"/>
-            </a:lvl5pPr>
-            <a:lvl6pPr marL="710382" indent="-235194">
-              <a:spcBef>
-                <a:spcPts val="0"/>
-              </a:spcBef>
-              <a:spcAft>
-                <a:spcPts val="1333"/>
-              </a:spcAft>
-              <a:buFont typeface="Verdana" panose="020B0604030504040204" pitchFamily="34" charset="0"/>
-              <a:buChar char="−"/>
-              <a:defRPr sz="1600" baseline="0"/>
-            </a:lvl6pPr>
-            <a:lvl7pPr marL="710382" indent="-235194">
-              <a:spcBef>
-                <a:spcPts val="0"/>
-              </a:spcBef>
-              <a:spcAft>
-                <a:spcPts val="1333"/>
-              </a:spcAft>
-              <a:buFont typeface="Verdana" panose="020B0604030504040204" pitchFamily="34" charset="0"/>
-              <a:buChar char="−"/>
-              <a:defRPr sz="1600"/>
-            </a:lvl7pPr>
-            <a:lvl8pPr marL="710382" indent="-235194">
-              <a:spcBef>
-                <a:spcPts val="0"/>
-              </a:spcBef>
-              <a:spcAft>
-                <a:spcPts val="1333"/>
-              </a:spcAft>
-              <a:buFont typeface="Verdana" panose="020B0604030504040204" pitchFamily="34" charset="0"/>
-              <a:buChar char="−"/>
-              <a:defRPr sz="1600" baseline="0"/>
-            </a:lvl8pPr>
-            <a:lvl9pPr marL="710382" indent="-235194">
-              <a:spcBef>
-                <a:spcPts val="0"/>
-              </a:spcBef>
-              <a:spcAft>
-                <a:spcPts val="1333"/>
-              </a:spcAft>
-              <a:buFont typeface="Verdana" panose="020B0604030504040204" pitchFamily="34" charset="0"/>
-              <a:buChar char="−"/>
-              <a:defRPr sz="1600" baseline="0"/>
-            </a:lvl9pPr>
-          </a:lstStyle>
-          <a:p>
-            <a:r>
-              <a:rPr lang="en-US" sz="1200" dirty="0">
-                <a:solidFill>
-                  <a:schemeClr val="tx1"/>
-                </a:solidFill>
-              </a:rPr>
-              <a:t>Conclusion</a:t>
-            </a:r>
-          </a:p>
-        </p:txBody>
-      </p:sp>
-    </p:spTree>
-    <p:extLst>
-      <p:ext uri="{BB962C8B-B14F-4D97-AF65-F5344CB8AC3E}">
-        <p14:creationId xmlns:p14="http://schemas.microsoft.com/office/powerpoint/2010/main" val="1438813788"/>
-      </p:ext>
-    </p:extLst>
-  </p:cSld>
-  <p:clrMapOvr>
-    <a:masterClrMapping/>
-  </p:clrMapOvr>
-</p:sld>
-</file>
-
 <file path=ppt/slides/slide8.xml><?xml version="1.0" encoding="utf-8"?>
 <p:sld xmlns:a="http://schemas.openxmlformats.org/drawingml/2006/main" xmlns:r="http://schemas.openxmlformats.org/officeDocument/2006/relationships" xmlns:p="http://schemas.openxmlformats.org/presentationml/2006/main">
   <p:cSld>
@@ -18802,14 +19013,14 @@
           <p:nvPr>
             <p:extLst>
               <p:ext uri="{D42A27DB-BD31-4B8C-83A1-F6EECF244321}">
-                <p14:modId xmlns:p14="http://schemas.microsoft.com/office/powerpoint/2010/main" val="1557451756"/>
+                <p14:modId xmlns:p14="http://schemas.microsoft.com/office/powerpoint/2010/main" val="2668283007"/>
               </p:ext>
             </p:extLst>
           </p:nvPr>
         </p:nvGraphicFramePr>
         <p:xfrm>
           <a:off x="503999" y="1496985"/>
-          <a:ext cx="9159463" cy="5201478"/>
+          <a:ext cx="9159463" cy="2307749"/>
         </p:xfrm>
         <a:graphic>
           <a:graphicData uri="http://schemas.openxmlformats.org/drawingml/2006/table">
@@ -18958,10 +19169,44 @@
                         <a:buChar char="•"/>
                       </a:pPr>
                       <a:r>
-                        <a:rPr lang="en-US" sz="1200" u="none" strike="noStrike" dirty="0">
+                        <a:rPr lang="en-CA" sz="1200" b="0" i="0" u="none" strike="noStrike" dirty="0">
+                          <a:solidFill>
+                            <a:srgbClr val="000000"/>
+                          </a:solidFill>
                           <a:effectLst/>
+                          <a:latin typeface="Arial" panose="020B0604020202020204" pitchFamily="34" charset="0"/>
                         </a:rPr>
-                        <a:t>we proceed to continue trying FP-growth at min support and confidence at 0.5. However, it return empty df. Hence, we keep on lowering mins and min c until 0.1. At this point, we highly</a:t>
+                        <a:t>Global average </a:t>
+                      </a:r>
+                      <a:r>
+                        <a:rPr lang="en-CA" sz="1200" b="0" i="0" u="none" strike="noStrike" dirty="0" err="1">
+                          <a:solidFill>
+                            <a:srgbClr val="000000"/>
+                          </a:solidFill>
+                          <a:effectLst/>
+                          <a:latin typeface="Arial" panose="020B0604020202020204" pitchFamily="34" charset="0"/>
+                        </a:rPr>
+                        <a:t>rmse</a:t>
+                      </a:r>
+                      <a:r>
+                        <a:rPr lang="en-CA" sz="1200" b="0" i="0" u="none" strike="noStrike" dirty="0">
+                          <a:solidFill>
+                            <a:srgbClr val="000000"/>
+                          </a:solidFill>
+                          <a:effectLst/>
+                          <a:latin typeface="Arial" panose="020B0604020202020204" pitchFamily="34" charset="0"/>
+                        </a:rPr>
+                        <a:t> is better than ALS </a:t>
+                      </a:r>
+                      <a:r>
+                        <a:rPr lang="en-CA" sz="1200" b="0" i="0" u="none" strike="noStrike" dirty="0" err="1">
+                          <a:solidFill>
+                            <a:srgbClr val="000000"/>
+                          </a:solidFill>
+                          <a:effectLst/>
+                          <a:latin typeface="Arial" panose="020B0604020202020204" pitchFamily="34" charset="0"/>
+                        </a:rPr>
+                        <a:t>rmse</a:t>
                       </a:r>
                       <a:endParaRPr lang="en-CA" sz="1200" b="0" i="0" u="none" strike="noStrike" dirty="0">
                         <a:solidFill>
@@ -18991,18 +19236,27 @@
                           <a:effectLst/>
                           <a:latin typeface="Arial" panose="020B0604020202020204" pitchFamily="34" charset="0"/>
                         </a:rPr>
-                        <a:t>Top 100 users → → </a:t>
+                        <a:t>Perhaps there is many latten factor that is not in the dataset itself to compute a more accurate matrix factorization.</a:t>
                       </a:r>
-                      <a:r>
-                        <a:rPr lang="en-CA" sz="1200" b="1" i="0" u="none" strike="noStrike" dirty="0">
-                          <a:solidFill>
-                            <a:srgbClr val="000000"/>
-                          </a:solidFill>
-                          <a:effectLst/>
-                          <a:latin typeface="Arial" panose="020B0604020202020204" pitchFamily="34" charset="0"/>
-                        </a:rPr>
-                        <a:t>tWBLn4k1M7PLBtAtwAg73g</a:t>
-                      </a:r>
+                    </a:p>
+                    <a:p>
+                      <a:pPr marL="171450" indent="-171450" algn="l" rtl="0" fontAlgn="ctr">
+                        <a:buFont typeface="Arial" panose="020B0604020202020204" pitchFamily="34" charset="0"/>
+                        <a:buChar char="•"/>
+                      </a:pPr>
+                      <a:endParaRPr lang="en-CA" sz="1200" b="0" i="0" u="none" strike="noStrike" dirty="0">
+                        <a:solidFill>
+                          <a:srgbClr val="000000"/>
+                        </a:solidFill>
+                        <a:effectLst/>
+                        <a:latin typeface="Arial" panose="020B0604020202020204" pitchFamily="34" charset="0"/>
+                      </a:endParaRPr>
+                    </a:p>
+                    <a:p>
+                      <a:pPr marL="171450" indent="-171450" algn="l" rtl="0" fontAlgn="ctr">
+                        <a:buFont typeface="Arial" panose="020B0604020202020204" pitchFamily="34" charset="0"/>
+                        <a:buChar char="•"/>
+                      </a:pPr>
                       <a:r>
                         <a:rPr lang="en-CA" sz="1200" b="0" i="0" u="none" strike="noStrike" dirty="0">
                           <a:solidFill>
@@ -19011,7 +19265,7 @@
                           <a:effectLst/>
                           <a:latin typeface="Arial" panose="020B0604020202020204" pitchFamily="34" charset="0"/>
                         </a:rPr>
-                        <a:t>  </a:t>
+                        <a:t>Perhaps there is not many “similar” users who rate one or more businesses like each other in our narrow distance.</a:t>
                       </a:r>
                     </a:p>
                   </a:txBody>
@@ -19064,194 +19318,15 @@
                         <a:buChar char="•"/>
                       </a:pPr>
                       <a:r>
-                        <a:rPr lang="en-US" sz="1200" u="none" strike="noStrike" dirty="0">
+                        <a:rPr lang="en-CA" sz="1200" b="0" i="0" u="none" strike="noStrike" dirty="0">
+                          <a:solidFill>
+                            <a:srgbClr val="000000"/>
+                          </a:solidFill>
                           <a:effectLst/>
+                          <a:latin typeface="Arial" panose="020B0604020202020204" pitchFamily="34" charset="0"/>
                         </a:rPr>
-                        <a:t>we proceed to continue trying FP-growth at min support and confidence at 0.5. However, it return empty df. Hence, we keep on lowering min s and min c until 0.1. At this point, we highly suspect that our dataset suffers from data </a:t>
+                        <a:t>FP-Growth gives out empty result even when confidence and support value are 0.1</a:t>
                       </a:r>
-                      <a:r>
-                        <a:rPr lang="en-US" sz="1200" u="none" strike="noStrike" dirty="0" err="1">
-                          <a:effectLst/>
-                        </a:rPr>
-                        <a:t>spareness</a:t>
-                      </a:r>
-                      <a:r>
-                        <a:rPr lang="en-US" sz="1200" u="none" strike="noStrike" dirty="0">
-                          <a:effectLst/>
-                        </a:rPr>
-                        <a:t>. So we try lower to 0. Unfortunately, after waiting for 15 minutes with my CPU working at 100% most of the time, it still not give back result so I stop it.</a:t>
-                      </a:r>
-                      <a:endParaRPr lang="en-CA" sz="1200" b="0" i="0" u="none" strike="noStrike" dirty="0">
-                        <a:solidFill>
-                          <a:srgbClr val="000000"/>
-                        </a:solidFill>
-                        <a:effectLst/>
-                        <a:latin typeface="Arial" panose="020B0604020202020204" pitchFamily="34" charset="0"/>
-                      </a:endParaRPr>
-                    </a:p>
-                  </a:txBody>
-                  <a:tcPr marL="5828" marR="5828" marT="5828" marB="0">
-                    <a:solidFill>
-                      <a:schemeClr val="bg2">
-                        <a:lumMod val="20000"/>
-                        <a:lumOff val="80000"/>
-                      </a:schemeClr>
-                    </a:solidFill>
-                  </a:tcPr>
-                </a:tc>
-                <a:tc>
-                  <a:txBody>
-                    <a:bodyPr/>
-                    <a:lstStyle/>
-                    <a:p>
-                      <a:pPr algn="l" rtl="0" fontAlgn="ctr"/>
-                      <a:endParaRPr lang="en-CA" sz="1200" b="0" i="0" u="none" strike="noStrike" dirty="0">
-                        <a:solidFill>
-                          <a:srgbClr val="000000"/>
-                        </a:solidFill>
-                        <a:effectLst/>
-                        <a:latin typeface="Arial" panose="020B0604020202020204" pitchFamily="34" charset="0"/>
-                      </a:endParaRPr>
-                    </a:p>
-                  </a:txBody>
-                  <a:tcPr marL="5828" marR="5828" marT="5828" marB="0">
-                    <a:solidFill>
-                      <a:schemeClr val="bg2">
-                        <a:lumMod val="20000"/>
-                        <a:lumOff val="80000"/>
-                      </a:schemeClr>
-                    </a:solidFill>
-                  </a:tcPr>
-                </a:tc>
-                <a:extLst>
-                  <a:ext uri="{0D108BD9-81ED-4DB2-BD59-A6C34878D82A}">
-                    <a16:rowId xmlns:a16="http://schemas.microsoft.com/office/drawing/2014/main" val="3472944759"/>
-                  </a:ext>
-                </a:extLst>
-              </a:tr>
-              <a:tr h="743387">
-                <a:tc>
-                  <a:txBody>
-                    <a:bodyPr/>
-                    <a:lstStyle/>
-                    <a:p>
-                      <a:pPr algn="ctr" rtl="0" fontAlgn="ctr"/>
-                      <a:r>
-                        <a:rPr lang="en-CA" sz="1200" b="1" u="none" strike="noStrike" dirty="0">
-                          <a:effectLst/>
-                        </a:rPr>
-                        <a:t>Issue 3</a:t>
-                      </a:r>
-                      <a:endParaRPr lang="en-CA" sz="1200" b="1" i="0" u="none" strike="noStrike" dirty="0">
-                        <a:solidFill>
-                          <a:srgbClr val="000000"/>
-                        </a:solidFill>
-                        <a:effectLst/>
-                        <a:latin typeface="Arial" panose="020B0604020202020204" pitchFamily="34" charset="0"/>
-                      </a:endParaRPr>
-                    </a:p>
-                  </a:txBody>
-                  <a:tcPr marL="5828" marR="5828" marT="5828" marB="0"/>
-                </a:tc>
-                <a:tc>
-                  <a:txBody>
-                    <a:bodyPr/>
-                    <a:lstStyle/>
-                    <a:p>
-                      <a:pPr marL="171450" indent="-171450" algn="l" rtl="0" fontAlgn="ctr">
-                        <a:buFont typeface="Arial" panose="020B0604020202020204" pitchFamily="34" charset="0"/>
-                        <a:buChar char="•"/>
-                      </a:pPr>
-                      <a:r>
-                        <a:rPr lang="en-US" sz="1200" u="none" strike="noStrike" dirty="0">
-                          <a:effectLst/>
-                        </a:rPr>
-                        <a:t>From this, we tried to look for others who work on the same dataset who also use </a:t>
-                      </a:r>
-                      <a:r>
-                        <a:rPr lang="en-US" sz="1200" u="none" strike="noStrike" dirty="0" err="1">
-                          <a:effectLst/>
-                        </a:rPr>
-                        <a:t>collab</a:t>
-                      </a:r>
-                      <a:r>
-                        <a:rPr lang="en-US" sz="1200" u="none" strike="noStrike" dirty="0">
-                          <a:effectLst/>
-                        </a:rPr>
-                        <a:t> filtering like us and we found one. Perhaps lucky for us, the paper from </a:t>
-                      </a:r>
-                      <a:r>
-                        <a:rPr lang="en-US" sz="1200" u="none" strike="noStrike" dirty="0" err="1">
-                          <a:effectLst/>
-                        </a:rPr>
-                        <a:t>Standford</a:t>
-                      </a:r>
-                      <a:r>
-                        <a:rPr lang="en-US" sz="1200" u="none" strike="noStrike" dirty="0">
-                          <a:effectLst/>
-                        </a:rPr>
-                        <a:t> University has the same conclusion as us that the Yelp dataset suffers from data </a:t>
-                      </a:r>
-                      <a:r>
-                        <a:rPr lang="en-US" sz="1200" u="none" strike="noStrike" dirty="0" err="1">
-                          <a:effectLst/>
-                        </a:rPr>
-                        <a:t>spareness</a:t>
-                      </a:r>
-                      <a:r>
-                        <a:rPr lang="en-US" sz="1200" u="none" strike="noStrike" dirty="0">
-                          <a:effectLst/>
-                        </a:rPr>
-                        <a:t>.</a:t>
-                      </a:r>
-                      <a:endParaRPr lang="en-CA" sz="1200" b="0" i="0" u="none" strike="noStrike" dirty="0">
-                        <a:solidFill>
-                          <a:srgbClr val="000000"/>
-                        </a:solidFill>
-                        <a:effectLst/>
-                        <a:latin typeface="Arial" panose="020B0604020202020204" pitchFamily="34" charset="0"/>
-                      </a:endParaRPr>
-                    </a:p>
-                  </a:txBody>
-                  <a:tcPr marL="5828" marR="5828" marT="5828" marB="0"/>
-                </a:tc>
-                <a:tc>
-                  <a:txBody>
-                    <a:bodyPr/>
-                    <a:lstStyle/>
-                    <a:p>
-                      <a:pPr algn="l" rtl="0" fontAlgn="ctr"/>
-                      <a:endParaRPr lang="en-CA" sz="1200" b="0" i="0" u="none" strike="noStrike" dirty="0">
-                        <a:solidFill>
-                          <a:srgbClr val="000000"/>
-                        </a:solidFill>
-                        <a:effectLst/>
-                        <a:latin typeface="Arial" panose="020B0604020202020204" pitchFamily="34" charset="0"/>
-                      </a:endParaRPr>
-                    </a:p>
-                  </a:txBody>
-                  <a:tcPr marL="5828" marR="5828" marT="5828" marB="0"/>
-                </a:tc>
-                <a:extLst>
-                  <a:ext uri="{0D108BD9-81ED-4DB2-BD59-A6C34878D82A}">
-                    <a16:rowId xmlns:a16="http://schemas.microsoft.com/office/drawing/2014/main" val="834576522"/>
-                  </a:ext>
-                </a:extLst>
-              </a:tr>
-              <a:tr h="720996">
-                <a:tc>
-                  <a:txBody>
-                    <a:bodyPr/>
-                    <a:lstStyle/>
-                    <a:p>
-                      <a:pPr algn="ctr" rtl="0" fontAlgn="ctr"/>
-                      <a:endParaRPr lang="en-CA" sz="1200" b="1" i="0" u="none" strike="noStrike" dirty="0">
-                        <a:solidFill>
-                          <a:srgbClr val="000000"/>
-                        </a:solidFill>
-                        <a:effectLst/>
-                        <a:latin typeface="Arial" panose="020B0604020202020204" pitchFamily="34" charset="0"/>
-                      </a:endParaRPr>
                     </a:p>
                   </a:txBody>
                   <a:tcPr marL="5828" marR="5828" marT="5828" marB="0">
@@ -19272,37 +19347,16 @@
                         <a:buFont typeface="Arial" panose="020B0604020202020204" pitchFamily="34" charset="0"/>
                         <a:buChar char="•"/>
                       </a:pPr>
-                      <a:endParaRPr lang="en-CA" sz="1200" b="0" i="0" u="none" strike="noStrike" dirty="0">
-                        <a:solidFill>
-                          <a:srgbClr val="000000"/>
-                        </a:solidFill>
-                        <a:effectLst/>
-                        <a:latin typeface="Arial" panose="020B0604020202020204" pitchFamily="34" charset="0"/>
-                      </a:endParaRPr>
-                    </a:p>
-                  </a:txBody>
-                  <a:tcPr marL="5828" marR="5828" marT="5828" marB="0">
-                    <a:solidFill>
-                      <a:schemeClr val="bg2">
-                        <a:lumMod val="20000"/>
-                        <a:lumOff val="80000"/>
-                      </a:schemeClr>
-                    </a:solidFill>
-                  </a:tcPr>
-                </a:tc>
-                <a:tc>
-                  <a:txBody>
-                    <a:bodyPr/>
-                    <a:lstStyle/>
-                    <a:p>
-                      <a:pPr algn="l" rtl="0" fontAlgn="ctr"/>
-                      <a:endParaRPr lang="en-CA" sz="1200" b="0" i="0" u="none" strike="noStrike" dirty="0">
-                        <a:solidFill>
-                          <a:srgbClr val="000000"/>
-                        </a:solidFill>
-                        <a:effectLst/>
-                        <a:latin typeface="Arial" panose="020B0604020202020204" pitchFamily="34" charset="0"/>
-                      </a:endParaRPr>
+                      <a:r>
+                        <a:rPr lang="en-CA" sz="1200" b="0" i="0" u="none" strike="noStrike" dirty="0">
+                          <a:solidFill>
+                            <a:srgbClr val="000000"/>
+                          </a:solidFill>
+                          <a:effectLst/>
+                          <a:latin typeface="Arial" panose="020B0604020202020204" pitchFamily="34" charset="0"/>
+                        </a:rPr>
+                        <a:t>There is no similarity frequent itemset within small distance</a:t>
+                      </a:r>
                     </a:p>
                   </a:txBody>
                   <a:tcPr marL="5828" marR="5828" marT="5828" marB="0">
@@ -19316,83 +19370,7 @@
                 </a:tc>
                 <a:extLst>
                   <a:ext uri="{0D108BD9-81ED-4DB2-BD59-A6C34878D82A}">
-                    <a16:rowId xmlns:a16="http://schemas.microsoft.com/office/drawing/2014/main" val="2355580518"/>
-                  </a:ext>
-                </a:extLst>
-              </a:tr>
-              <a:tr h="945744">
-                <a:tc>
-                  <a:txBody>
-                    <a:bodyPr/>
-                    <a:lstStyle/>
-                    <a:p>
-                      <a:pPr algn="ctr" rtl="0" fontAlgn="ctr"/>
-                      <a:endParaRPr lang="en-CA" sz="1200" b="1" i="0" u="none" strike="noStrike" dirty="0">
-                        <a:solidFill>
-                          <a:srgbClr val="000000"/>
-                        </a:solidFill>
-                        <a:effectLst/>
-                        <a:latin typeface="Arial" panose="020B0604020202020204" pitchFamily="34" charset="0"/>
-                      </a:endParaRPr>
-                    </a:p>
-                  </a:txBody>
-                  <a:tcPr marL="5828" marR="5828" marT="5828" marB="0">
-                    <a:solidFill>
-                      <a:schemeClr val="bg1"/>
-                    </a:solidFill>
-                  </a:tcPr>
-                </a:tc>
-                <a:tc>
-                  <a:txBody>
-                    <a:bodyPr/>
-                    <a:lstStyle/>
-                    <a:p>
-                      <a:pPr marL="171450" indent="-171450" algn="l" rtl="0" fontAlgn="ctr">
-                        <a:buFont typeface="Arial" panose="020B0604020202020204" pitchFamily="34" charset="0"/>
-                        <a:buChar char="•"/>
-                      </a:pPr>
-                      <a:endParaRPr lang="en-CA" sz="1200" b="0" i="0" u="none" strike="noStrike" dirty="0">
-                        <a:solidFill>
-                          <a:srgbClr val="000000"/>
-                        </a:solidFill>
-                        <a:effectLst/>
-                        <a:latin typeface="Arial" panose="020B0604020202020204" pitchFamily="34" charset="0"/>
-                      </a:endParaRPr>
-                    </a:p>
-                  </a:txBody>
-                  <a:tcPr marL="5828" marR="5828" marT="5828" marB="0">
-                    <a:solidFill>
-                      <a:schemeClr val="bg1"/>
-                    </a:solidFill>
-                  </a:tcPr>
-                </a:tc>
-                <a:tc>
-                  <a:txBody>
-                    <a:bodyPr/>
-                    <a:lstStyle/>
-                    <a:p>
-                      <a:pPr marL="171450" indent="-171450" algn="l" rtl="0" fontAlgn="ctr">
-                        <a:buFont typeface="Arial" panose="020B0604020202020204" pitchFamily="34" charset="0"/>
-                        <a:buChar char="•"/>
-                      </a:pPr>
-                      <a:endParaRPr lang="en-CA" sz="1200" b="0" i="0" u="none" strike="noStrike" dirty="0">
-                        <a:solidFill>
-                          <a:srgbClr val="000000"/>
-                        </a:solidFill>
-                        <a:effectLst/>
-                        <a:latin typeface="Arial" panose="020B0604020202020204" pitchFamily="34" charset="0"/>
-                      </a:endParaRPr>
-                    </a:p>
-                  </a:txBody>
-                  <a:tcPr marL="5828" marR="5828" marT="5828" marB="0">
-                    <a:solidFill>
-                      <a:schemeClr val="bg1"/>
-                    </a:solidFill>
-                  </a:tcPr>
-                </a:tc>
-                <a:extLst>
-                  <a:ext uri="{0D108BD9-81ED-4DB2-BD59-A6C34878D82A}">
-                    <a16:rowId xmlns:a16="http://schemas.microsoft.com/office/drawing/2014/main" val="734134813"/>
+                    <a16:rowId xmlns:a16="http://schemas.microsoft.com/office/drawing/2014/main" val="3472944759"/>
                   </a:ext>
                 </a:extLst>
               </a:tr>
@@ -20370,7 +20348,7 @@
           </a:ln>
           <a:extLst>
             <a:ext uri="{C572A759-6A51-4108-AA02-DFA0A04FC94B}">
-              <ma14:wrappingTextBoxFlag xmlns="" xmlns:ma14="http://schemas.microsoft.com/office/mac/drawingml/2011/main" val="1"/>
+              <ma14:wrappingTextBoxFlag xmlns:ma14="http://schemas.microsoft.com/office/mac/drawingml/2011/main" xmlns="" val="1"/>
             </a:ext>
           </a:extLst>
         </p:spPr>
@@ -20469,7 +20447,7 @@
           </a:ln>
           <a:extLst>
             <a:ext uri="{C572A759-6A51-4108-AA02-DFA0A04FC94B}">
-              <ma14:wrappingTextBoxFlag xmlns="" xmlns:ma14="http://schemas.microsoft.com/office/mac/drawingml/2011/main" val="1"/>
+              <ma14:wrappingTextBoxFlag xmlns:ma14="http://schemas.microsoft.com/office/mac/drawingml/2011/main" xmlns="" val="1"/>
             </a:ext>
           </a:extLst>
         </p:spPr>
@@ -20560,7 +20538,7 @@
         <p:spPr>
           <a:xfrm>
             <a:off x="4715562" y="1821938"/>
-            <a:ext cx="3780861" cy="2369880"/>
+            <a:ext cx="3780861" cy="2800767"/>
           </a:xfrm>
           <a:prstGeom prst="rect">
             <a:avLst/>
@@ -20578,80 +20556,55 @@
               <a:defRPr/>
             </a:pPr>
             <a:r>
-              <a:rPr lang="en-CA" sz="1400" b="1" dirty="0"/>
-              <a:t>Using location for personalized POI recommendations in mobile environments:</a:t>
-            </a:r>
-          </a:p>
-          <a:p>
-            <a:pPr marL="263525" lvl="1" defTabSz="914400">
-              <a:buClrTx/>
-              <a:buSzTx/>
-              <a:buNone/>
+              <a:rPr lang="en-CA" sz="1400" dirty="0"/>
+              <a:t>Look for alternative way to do recommendation, such as Cluster Weighted </a:t>
+            </a:r>
+            <a:r>
+              <a:rPr lang="en-CA" sz="1400" dirty="0" err="1"/>
+              <a:t>BiPartite</a:t>
+            </a:r>
+            <a:r>
+              <a:rPr lang="en-CA" sz="1400" dirty="0"/>
+              <a:t> Projection or Multi-Step Random Walks, which as done in “</a:t>
+            </a:r>
+            <a:r>
+              <a:rPr lang="en-US" sz="1400" dirty="0"/>
+              <a:t>Collaborative Filtering using Weighted </a:t>
+            </a:r>
+            <a:r>
+              <a:rPr lang="en-US" sz="1400" dirty="0" err="1"/>
+              <a:t>BiPartite</a:t>
+            </a:r>
+            <a:r>
+              <a:rPr lang="en-US" sz="1400" dirty="0"/>
+              <a:t> </a:t>
+            </a:r>
+            <a:r>
+              <a:rPr lang="en-US" sz="1400" dirty="0" err="1"/>
+              <a:t>GraphProjectionA</a:t>
+            </a:r>
+            <a:r>
+              <a:rPr lang="en-US" sz="1400" dirty="0"/>
+              <a:t> Recommendation System for Yelp” shows remarkable improvement</a:t>
+            </a:r>
+          </a:p>
+          <a:p>
+            <a:pPr marL="228600" lvl="0" indent="-228600" defTabSz="914400">
+              <a:buFont typeface="+mj-lt"/>
+              <a:buAutoNum type="arabicPeriod"/>
               <a:defRPr/>
             </a:pPr>
             <a:endParaRPr lang="en-CA" sz="1400" dirty="0"/>
           </a:p>
           <a:p>
-            <a:pPr marL="549275" lvl="1" indent="-285750" defTabSz="914400">
-              <a:buClrTx/>
-              <a:buSzTx/>
+            <a:pPr marL="228600" lvl="0" indent="-228600" defTabSz="914400">
+              <a:buFont typeface="+mj-lt"/>
+              <a:buAutoNum type="arabicPeriod"/>
               <a:defRPr/>
             </a:pPr>
             <a:r>
               <a:rPr lang="en-CA" sz="1400" dirty="0"/>
-              <a:t>By </a:t>
-            </a:r>
-            <a:r>
-              <a:rPr lang="en-CA" sz="1400" i="1" dirty="0" err="1"/>
-              <a:t>Tzvetan</a:t>
-            </a:r>
-            <a:r>
-              <a:rPr lang="en-CA" sz="1400" i="1" dirty="0"/>
-              <a:t> </a:t>
-            </a:r>
-            <a:r>
-              <a:rPr lang="en-CA" sz="1400" i="1" dirty="0" err="1"/>
-              <a:t>Horozov</a:t>
-            </a:r>
-            <a:r>
-              <a:rPr lang="en-CA" sz="1400" i="1" dirty="0"/>
-              <a:t>, Nitya Narasimhan, </a:t>
-            </a:r>
-            <a:r>
-              <a:rPr lang="en-CA" sz="1400" i="1" dirty="0" err="1"/>
-              <a:t>Venu</a:t>
-            </a:r>
-            <a:r>
-              <a:rPr lang="en-CA" sz="1400" i="1" dirty="0"/>
-              <a:t> Vasudevan</a:t>
-            </a:r>
-          </a:p>
-          <a:p>
-            <a:pPr marL="263525" lvl="1" defTabSz="914400">
-              <a:buClrTx/>
-              <a:buSzTx/>
-              <a:buNone/>
-              <a:defRPr/>
-            </a:pPr>
-            <a:endParaRPr lang="en-CA" sz="1400" i="1" dirty="0"/>
-          </a:p>
-          <a:p>
-            <a:pPr marL="549275" lvl="1" indent="-285750" defTabSz="914400">
-              <a:buClrTx/>
-              <a:buSzTx/>
-              <a:defRPr/>
-            </a:pPr>
-            <a:r>
-              <a:rPr lang="en-CA" sz="1400" dirty="0"/>
-              <a:t>Discussion of </a:t>
-            </a:r>
-            <a:r>
-              <a:rPr lang="en-CA" sz="1400" dirty="0" err="1"/>
-              <a:t>GeoWhiz</a:t>
-            </a:r>
-            <a:r>
-              <a:rPr lang="en-CA" sz="1400" dirty="0"/>
-              <a:t>, a real-world deployment of our restaurant recommender system for location-based points of interest (POI).</a:t>
+              <a:t>As this is the official open dataset from Yelp, we would ask for Yelp permission to have a more relevant dataset that includes information, such as type of restaurant and its price range to improve algorithm.</a:t>
             </a:r>
           </a:p>
         </p:txBody>
@@ -20671,7 +20624,7 @@
         <p:spPr>
           <a:xfrm>
             <a:off x="503999" y="1763293"/>
-            <a:ext cx="3425203" cy="2585323"/>
+            <a:ext cx="3425203" cy="1508105"/>
           </a:xfrm>
           <a:prstGeom prst="rect">
             <a:avLst/>
@@ -20689,90 +20642,20 @@
               <a:defRPr/>
             </a:pPr>
             <a:r>
-              <a:rPr lang="en-CA" sz="1400" b="1" dirty="0"/>
-              <a:t>Using location for personalized POI recommendations in mobile environments:</a:t>
-            </a:r>
-          </a:p>
-          <a:p>
-            <a:pPr marL="263525" lvl="1" defTabSz="914400">
-              <a:buClrTx/>
-              <a:buSzTx/>
-              <a:buNone/>
+              <a:rPr lang="en-CA" sz="1400" dirty="0"/>
+              <a:t>Yelp official open dataset is not suitable for locality small scale recommendation as there is low possibility of similar set of users</a:t>
+            </a:r>
+          </a:p>
+          <a:p>
+            <a:pPr marL="228600" lvl="0" indent="-228600" defTabSz="914400">
+              <a:buFont typeface="+mj-lt"/>
+              <a:buAutoNum type="arabicPeriod"/>
               <a:defRPr/>
             </a:pPr>
-            <a:endParaRPr lang="en-CA" sz="1400" dirty="0"/>
-          </a:p>
-          <a:p>
-            <a:pPr marL="549275" lvl="1" indent="-285750" defTabSz="914400">
-              <a:buClrTx/>
-              <a:buSzTx/>
-              <a:defRPr/>
-            </a:pPr>
             <a:r>
               <a:rPr lang="en-CA" sz="1400" dirty="0"/>
-              <a:t>By </a:t>
-            </a:r>
-            <a:r>
-              <a:rPr lang="en-CA" sz="1400" i="1" dirty="0" err="1"/>
-              <a:t>Tzvetan</a:t>
-            </a:r>
-            <a:r>
-              <a:rPr lang="en-CA" sz="1400" i="1" dirty="0"/>
-              <a:t> </a:t>
-            </a:r>
-            <a:r>
-              <a:rPr lang="en-CA" sz="1400" i="1" dirty="0" err="1"/>
-              <a:t>Horozov</a:t>
-            </a:r>
-            <a:r>
-              <a:rPr lang="en-CA" sz="1400" i="1" dirty="0"/>
-              <a:t>, Nitya Narasimhan, </a:t>
-            </a:r>
-            <a:r>
-              <a:rPr lang="en-CA" sz="1400" i="1" dirty="0" err="1"/>
-              <a:t>Venu</a:t>
-            </a:r>
-            <a:r>
-              <a:rPr lang="en-CA" sz="1400" i="1" dirty="0"/>
-              <a:t> Vasudevan</a:t>
-            </a:r>
-          </a:p>
-          <a:p>
-            <a:pPr marL="263525" lvl="1" defTabSz="914400">
-              <a:buClrTx/>
-              <a:buSzTx/>
-              <a:buNone/>
-              <a:defRPr/>
-            </a:pPr>
-            <a:endParaRPr lang="en-CA" sz="1400" i="1" dirty="0"/>
-          </a:p>
-          <a:p>
-            <a:pPr marL="549275" lvl="1" indent="-285750" defTabSz="914400">
-              <a:buClrTx/>
-              <a:buSzTx/>
-              <a:defRPr/>
-            </a:pPr>
-            <a:r>
-              <a:rPr lang="en-CA" sz="1400" dirty="0"/>
-              <a:t>Discussion of </a:t>
-            </a:r>
-            <a:r>
-              <a:rPr lang="en-CA" sz="1400" dirty="0" err="1"/>
-              <a:t>GeoWhiz</a:t>
-            </a:r>
-            <a:r>
-              <a:rPr lang="en-CA" sz="1400" dirty="0"/>
-              <a:t>, a real-world deployment of our restaurant recommender system for location-based points of interest (POI).</a:t>
-            </a:r>
-          </a:p>
-          <a:p>
-            <a:pPr marL="263525" lvl="1" defTabSz="914400">
-              <a:buClrTx/>
-              <a:buSzTx/>
-              <a:buNone/>
-              <a:defRPr/>
-            </a:pPr>
-            <a:endParaRPr lang="en-CA" sz="1400" dirty="0"/>
+              <a:t>This also means frequent itemset is not applicable since there is low possibility of frequent patterns in a small scale</a:t>
+            </a:r>
           </a:p>
         </p:txBody>
       </p:sp>
